--- a/StudyPPT/test1.pptx
+++ b/StudyPPT/test1.pptx
@@ -14,7 +14,13 @@
     <p:sldId id="262" r:id="rId8"/>
     <p:sldId id="263" r:id="rId9"/>
     <p:sldId id="264" r:id="rId10"/>
-    <p:sldId id="265" r:id="rId11"/>
+    <p:sldId id="268" r:id="rId11"/>
+    <p:sldId id="269" r:id="rId12"/>
+    <p:sldId id="271" r:id="rId13"/>
+    <p:sldId id="272" r:id="rId14"/>
+    <p:sldId id="265" r:id="rId15"/>
+    <p:sldId id="266" r:id="rId16"/>
+    <p:sldId id="267" r:id="rId17"/>
   </p:sldIdLst>
   <p:sldSz cx="12192000" cy="6858000"/>
   <p:notesSz cx="6858000" cy="9144000"/>
@@ -7126,7 +7132,7 @@
           <a:p>
             <a:fld id="{C5DCBF45-9C68-42AD-895F-24AB2C394C93}" type="datetimeFigureOut">
               <a:rPr lang="zh-CN" altLang="en-US" smtClean="0"/>
-              <a:t>2021/10/23</a:t>
+              <a:t>2021/11/1</a:t>
             </a:fld>
             <a:endParaRPr lang="zh-CN" altLang="en-US"/>
           </a:p>
@@ -7303,7 +7309,7 @@
           <a:p>
             <a:fld id="{C5DCBF45-9C68-42AD-895F-24AB2C394C93}" type="datetimeFigureOut">
               <a:rPr lang="zh-CN" altLang="en-US" smtClean="0"/>
-              <a:t>2021/10/23</a:t>
+              <a:t>2021/11/1</a:t>
             </a:fld>
             <a:endParaRPr lang="zh-CN" altLang="en-US"/>
           </a:p>
@@ -7483,7 +7489,7 @@
           <a:p>
             <a:fld id="{C5DCBF45-9C68-42AD-895F-24AB2C394C93}" type="datetimeFigureOut">
               <a:rPr lang="zh-CN" altLang="en-US" smtClean="0"/>
-              <a:t>2021/10/23</a:t>
+              <a:t>2021/11/1</a:t>
             </a:fld>
             <a:endParaRPr lang="zh-CN" altLang="en-US"/>
           </a:p>
@@ -7653,7 +7659,7 @@
           <a:p>
             <a:fld id="{C5DCBF45-9C68-42AD-895F-24AB2C394C93}" type="datetimeFigureOut">
               <a:rPr lang="zh-CN" altLang="en-US" smtClean="0"/>
-              <a:t>2021/10/23</a:t>
+              <a:t>2021/11/1</a:t>
             </a:fld>
             <a:endParaRPr lang="zh-CN" altLang="en-US"/>
           </a:p>
@@ -7906,7 +7912,7 @@
           <a:p>
             <a:fld id="{C5DCBF45-9C68-42AD-895F-24AB2C394C93}" type="datetimeFigureOut">
               <a:rPr lang="zh-CN" altLang="en-US" smtClean="0"/>
-              <a:t>2021/10/23</a:t>
+              <a:t>2021/11/1</a:t>
             </a:fld>
             <a:endParaRPr lang="zh-CN" altLang="en-US"/>
           </a:p>
@@ -8145,7 +8151,7 @@
           <a:p>
             <a:fld id="{C5DCBF45-9C68-42AD-895F-24AB2C394C93}" type="datetimeFigureOut">
               <a:rPr lang="zh-CN" altLang="en-US" smtClean="0"/>
-              <a:t>2021/10/23</a:t>
+              <a:t>2021/11/1</a:t>
             </a:fld>
             <a:endParaRPr lang="zh-CN" altLang="en-US"/>
           </a:p>
@@ -8512,7 +8518,7 @@
           <a:p>
             <a:fld id="{C5DCBF45-9C68-42AD-895F-24AB2C394C93}" type="datetimeFigureOut">
               <a:rPr lang="zh-CN" altLang="en-US" smtClean="0"/>
-              <a:t>2021/10/23</a:t>
+              <a:t>2021/11/1</a:t>
             </a:fld>
             <a:endParaRPr lang="zh-CN" altLang="en-US"/>
           </a:p>
@@ -8637,7 +8643,7 @@
           <a:p>
             <a:fld id="{C5DCBF45-9C68-42AD-895F-24AB2C394C93}" type="datetimeFigureOut">
               <a:rPr lang="zh-CN" altLang="en-US" smtClean="0"/>
-              <a:t>2021/10/23</a:t>
+              <a:t>2021/11/1</a:t>
             </a:fld>
             <a:endParaRPr lang="zh-CN" altLang="en-US"/>
           </a:p>
@@ -8732,7 +8738,7 @@
           <a:p>
             <a:fld id="{C5DCBF45-9C68-42AD-895F-24AB2C394C93}" type="datetimeFigureOut">
               <a:rPr lang="zh-CN" altLang="en-US" smtClean="0"/>
-              <a:t>2021/10/23</a:t>
+              <a:t>2021/11/1</a:t>
             </a:fld>
             <a:endParaRPr lang="zh-CN" altLang="en-US"/>
           </a:p>
@@ -9009,7 +9015,7 @@
           <a:p>
             <a:fld id="{C5DCBF45-9C68-42AD-895F-24AB2C394C93}" type="datetimeFigureOut">
               <a:rPr lang="zh-CN" altLang="en-US" smtClean="0"/>
-              <a:t>2021/10/23</a:t>
+              <a:t>2021/11/1</a:t>
             </a:fld>
             <a:endParaRPr lang="zh-CN" altLang="en-US"/>
           </a:p>
@@ -9262,7 +9268,7 @@
           <a:p>
             <a:fld id="{C5DCBF45-9C68-42AD-895F-24AB2C394C93}" type="datetimeFigureOut">
               <a:rPr lang="zh-CN" altLang="en-US" smtClean="0"/>
-              <a:t>2021/10/23</a:t>
+              <a:t>2021/11/1</a:t>
             </a:fld>
             <a:endParaRPr lang="zh-CN" altLang="en-US"/>
           </a:p>
@@ -9475,7 +9481,7 @@
           <a:p>
             <a:fld id="{C5DCBF45-9C68-42AD-895F-24AB2C394C93}" type="datetimeFigureOut">
               <a:rPr lang="zh-CN" altLang="en-US" smtClean="0"/>
-              <a:t>2021/10/23</a:t>
+              <a:t>2021/11/1</a:t>
             </a:fld>
             <a:endParaRPr lang="zh-CN" altLang="en-US"/>
           </a:p>
@@ -10034,6 +10040,3403 @@
           <a:chExt cx="0" cy="0"/>
         </a:xfrm>
       </p:grpSpPr>
+      <p:sp>
+        <p:nvSpPr>
+          <p:cNvPr id="4" name="弧形 3"/>
+          <p:cNvSpPr/>
+          <p:nvPr/>
+        </p:nvSpPr>
+        <p:spPr>
+          <a:xfrm>
+            <a:off x="3048001" y="2861187"/>
+            <a:ext cx="5112775" cy="1858297"/>
+          </a:xfrm>
+          <a:prstGeom prst="arc">
+            <a:avLst>
+              <a:gd name="adj1" fmla="val 20109923"/>
+              <a:gd name="adj2" fmla="val 369449"/>
+            </a:avLst>
+          </a:prstGeom>
+          <a:ln>
+            <a:tailEnd type="arrow"/>
+          </a:ln>
+        </p:spPr>
+        <p:style>
+          <a:lnRef idx="2">
+            <a:schemeClr val="accent2"/>
+          </a:lnRef>
+          <a:fillRef idx="1">
+            <a:schemeClr val="lt1"/>
+          </a:fillRef>
+          <a:effectRef idx="0">
+            <a:schemeClr val="accent2"/>
+          </a:effectRef>
+          <a:fontRef idx="minor">
+            <a:schemeClr val="dk1"/>
+          </a:fontRef>
+        </p:style>
+        <p:txBody>
+          <a:bodyPr rtlCol="0" anchor="ctr"/>
+          <a:lstStyle/>
+          <a:p>
+            <a:pPr algn="ctr"/>
+            <a:endParaRPr lang="zh-CN" altLang="en-US"/>
+          </a:p>
+        </p:txBody>
+      </p:sp>
+      <p:sp>
+        <p:nvSpPr>
+          <p:cNvPr id="5" name="弧形 4"/>
+          <p:cNvSpPr/>
+          <p:nvPr/>
+        </p:nvSpPr>
+        <p:spPr>
+          <a:xfrm>
+            <a:off x="3048002" y="2930013"/>
+            <a:ext cx="4984954" cy="1789471"/>
+          </a:xfrm>
+          <a:prstGeom prst="arc">
+            <a:avLst>
+              <a:gd name="adj1" fmla="val 665138"/>
+              <a:gd name="adj2" fmla="val 3474549"/>
+            </a:avLst>
+          </a:prstGeom>
+          <a:ln>
+            <a:tailEnd type="arrow"/>
+          </a:ln>
+        </p:spPr>
+        <p:style>
+          <a:lnRef idx="2">
+            <a:schemeClr val="accent2"/>
+          </a:lnRef>
+          <a:fillRef idx="1">
+            <a:schemeClr val="lt1"/>
+          </a:fillRef>
+          <a:effectRef idx="0">
+            <a:schemeClr val="accent2"/>
+          </a:effectRef>
+          <a:fontRef idx="minor">
+            <a:schemeClr val="dk1"/>
+          </a:fontRef>
+        </p:style>
+        <p:txBody>
+          <a:bodyPr rtlCol="0" anchor="ctr"/>
+          <a:lstStyle/>
+          <a:p>
+            <a:pPr algn="ctr"/>
+            <a:endParaRPr lang="zh-CN" altLang="en-US"/>
+          </a:p>
+        </p:txBody>
+      </p:sp>
+      <p:sp>
+        <p:nvSpPr>
+          <p:cNvPr id="6" name="弧形 5"/>
+          <p:cNvSpPr/>
+          <p:nvPr/>
+        </p:nvSpPr>
+        <p:spPr>
+          <a:xfrm>
+            <a:off x="3048001" y="2861187"/>
+            <a:ext cx="5112775" cy="1858297"/>
+          </a:xfrm>
+          <a:prstGeom prst="arc">
+            <a:avLst>
+              <a:gd name="adj1" fmla="val 5918709"/>
+              <a:gd name="adj2" fmla="val 9563656"/>
+            </a:avLst>
+          </a:prstGeom>
+          <a:ln>
+            <a:tailEnd type="arrow"/>
+          </a:ln>
+        </p:spPr>
+        <p:style>
+          <a:lnRef idx="2">
+            <a:schemeClr val="accent2"/>
+          </a:lnRef>
+          <a:fillRef idx="1">
+            <a:schemeClr val="lt1"/>
+          </a:fillRef>
+          <a:effectRef idx="0">
+            <a:schemeClr val="accent2"/>
+          </a:effectRef>
+          <a:fontRef idx="minor">
+            <a:schemeClr val="dk1"/>
+          </a:fontRef>
+        </p:style>
+        <p:txBody>
+          <a:bodyPr rtlCol="0" anchor="ctr"/>
+          <a:lstStyle/>
+          <a:p>
+            <a:pPr algn="ctr"/>
+            <a:endParaRPr lang="zh-CN" altLang="en-US"/>
+          </a:p>
+        </p:txBody>
+      </p:sp>
+      <p:sp>
+        <p:nvSpPr>
+          <p:cNvPr id="7" name="弧形 6"/>
+          <p:cNvSpPr/>
+          <p:nvPr/>
+        </p:nvSpPr>
+        <p:spPr>
+          <a:xfrm>
+            <a:off x="3048001" y="2861187"/>
+            <a:ext cx="5112775" cy="1858297"/>
+          </a:xfrm>
+          <a:prstGeom prst="arc">
+            <a:avLst>
+              <a:gd name="adj1" fmla="val 10309953"/>
+              <a:gd name="adj2" fmla="val 12554702"/>
+            </a:avLst>
+          </a:prstGeom>
+          <a:ln>
+            <a:tailEnd type="arrow"/>
+          </a:ln>
+        </p:spPr>
+        <p:style>
+          <a:lnRef idx="2">
+            <a:schemeClr val="accent2"/>
+          </a:lnRef>
+          <a:fillRef idx="1">
+            <a:schemeClr val="lt1"/>
+          </a:fillRef>
+          <a:effectRef idx="0">
+            <a:schemeClr val="accent2"/>
+          </a:effectRef>
+          <a:fontRef idx="minor">
+            <a:schemeClr val="dk1"/>
+          </a:fontRef>
+        </p:style>
+        <p:txBody>
+          <a:bodyPr rtlCol="0" anchor="ctr"/>
+          <a:lstStyle/>
+          <a:p>
+            <a:pPr algn="ctr"/>
+            <a:endParaRPr lang="zh-CN" altLang="en-US"/>
+          </a:p>
+        </p:txBody>
+      </p:sp>
+      <p:sp>
+        <p:nvSpPr>
+          <p:cNvPr id="8" name="弧形 7"/>
+          <p:cNvSpPr/>
+          <p:nvPr/>
+        </p:nvSpPr>
+        <p:spPr>
+          <a:xfrm>
+            <a:off x="3048001" y="2861187"/>
+            <a:ext cx="5112775" cy="1858297"/>
+          </a:xfrm>
+          <a:prstGeom prst="arc">
+            <a:avLst>
+              <a:gd name="adj1" fmla="val 13132627"/>
+              <a:gd name="adj2" fmla="val 19621606"/>
+            </a:avLst>
+          </a:prstGeom>
+          <a:ln>
+            <a:tailEnd type="arrow"/>
+          </a:ln>
+        </p:spPr>
+        <p:style>
+          <a:lnRef idx="2">
+            <a:schemeClr val="accent2"/>
+          </a:lnRef>
+          <a:fillRef idx="1">
+            <a:schemeClr val="lt1"/>
+          </a:fillRef>
+          <a:effectRef idx="0">
+            <a:schemeClr val="accent2"/>
+          </a:effectRef>
+          <a:fontRef idx="minor">
+            <a:schemeClr val="dk1"/>
+          </a:fontRef>
+        </p:style>
+        <p:txBody>
+          <a:bodyPr rtlCol="0" anchor="ctr"/>
+          <a:lstStyle/>
+          <a:p>
+            <a:pPr algn="ctr"/>
+            <a:endParaRPr lang="zh-CN" altLang="en-US"/>
+          </a:p>
+        </p:txBody>
+      </p:sp>
+    </p:spTree>
+    <p:extLst>
+      <p:ext uri="{BB962C8B-B14F-4D97-AF65-F5344CB8AC3E}">
+        <p14:creationId xmlns:p14="http://schemas.microsoft.com/office/powerpoint/2010/main" val="1754758576"/>
+      </p:ext>
+    </p:extLst>
+  </p:cSld>
+  <p:clrMapOvr>
+    <a:masterClrMapping/>
+  </p:clrMapOvr>
+</p:sld>
+</file>
+
+<file path=ppt/slides/slide11.xml><?xml version="1.0" encoding="utf-8"?>
+<p:sld xmlns:a="http://schemas.openxmlformats.org/drawingml/2006/main" xmlns:r="http://schemas.openxmlformats.org/officeDocument/2006/relationships" xmlns:p="http://schemas.openxmlformats.org/presentationml/2006/main">
+  <p:cSld>
+    <p:spTree>
+      <p:nvGrpSpPr>
+        <p:cNvPr id="1" name=""/>
+        <p:cNvGrpSpPr/>
+        <p:nvPr/>
+      </p:nvGrpSpPr>
+      <p:grpSpPr>
+        <a:xfrm>
+          <a:off x="0" y="0"/>
+          <a:ext cx="0" cy="0"/>
+          <a:chOff x="0" y="0"/>
+          <a:chExt cx="0" cy="0"/>
+        </a:xfrm>
+      </p:grpSpPr>
+      <p:sp>
+        <p:nvSpPr>
+          <p:cNvPr id="9" name="文本框 8"/>
+          <p:cNvSpPr txBox="1"/>
+          <p:nvPr/>
+        </p:nvSpPr>
+        <p:spPr>
+          <a:xfrm>
+            <a:off x="2851355" y="1917290"/>
+            <a:ext cx="5083277" cy="923330"/>
+          </a:xfrm>
+          <a:prstGeom prst="rect">
+            <a:avLst/>
+          </a:prstGeom>
+          <a:noFill/>
+        </p:spPr>
+        <p:txBody>
+          <a:bodyPr wrap="square" rtlCol="0">
+            <a:spAutoFit/>
+          </a:bodyPr>
+          <a:lstStyle/>
+          <a:p>
+            <a:r>
+              <a:rPr lang="zh-CN" altLang="en-US" sz="5400" dirty="0">
+                <a:latin typeface="华文琥珀" panose="02010800040101010101" pitchFamily="2" charset="-122"/>
+                <a:ea typeface="华文琥珀" panose="02010800040101010101" pitchFamily="2" charset="-122"/>
+              </a:rPr>
+              <a:t>土豆</a:t>
+            </a:r>
+            <a:r>
+              <a:rPr lang="zh-CN" altLang="en-US" sz="5400" dirty="0" smtClean="0">
+                <a:latin typeface="华文琥珀" panose="02010800040101010101" pitchFamily="2" charset="-122"/>
+                <a:ea typeface="华文琥珀" panose="02010800040101010101" pitchFamily="2" charset="-122"/>
+              </a:rPr>
+              <a:t>云年终报告</a:t>
+            </a:r>
+            <a:endParaRPr lang="zh-CN" altLang="en-US" sz="5400" dirty="0">
+              <a:latin typeface="华文琥珀" panose="02010800040101010101" pitchFamily="2" charset="-122"/>
+              <a:ea typeface="华文琥珀" panose="02010800040101010101" pitchFamily="2" charset="-122"/>
+            </a:endParaRPr>
+          </a:p>
+        </p:txBody>
+      </p:sp>
+      <p:sp>
+        <p:nvSpPr>
+          <p:cNvPr id="11" name="文本框 10"/>
+          <p:cNvSpPr txBox="1"/>
+          <p:nvPr/>
+        </p:nvSpPr>
+        <p:spPr>
+          <a:xfrm>
+            <a:off x="186813" y="137652"/>
+            <a:ext cx="3441290" cy="369332"/>
+          </a:xfrm>
+          <a:prstGeom prst="rect">
+            <a:avLst/>
+          </a:prstGeom>
+          <a:noFill/>
+        </p:spPr>
+        <p:txBody>
+          <a:bodyPr wrap="square" rtlCol="0">
+            <a:spAutoFit/>
+          </a:bodyPr>
+          <a:lstStyle/>
+          <a:p>
+            <a:r>
+              <a:rPr lang="zh-CN" altLang="en-US" dirty="0" smtClean="0">
+                <a:latin typeface="思源宋体 CN" panose="02020400000000000000" pitchFamily="18" charset="-122"/>
+                <a:ea typeface="思源宋体 CN" panose="02020400000000000000" pitchFamily="18" charset="-122"/>
+              </a:rPr>
+              <a:t>鎏金字 </a:t>
+            </a:r>
+            <a:r>
+              <a:rPr lang="en-US" altLang="zh-CN" dirty="0" smtClean="0">
+                <a:latin typeface="思源宋体 CN" panose="02020400000000000000" pitchFamily="18" charset="-122"/>
+                <a:ea typeface="思源宋体 CN" panose="02020400000000000000" pitchFamily="18" charset="-122"/>
+              </a:rPr>
+              <a:t>– 1 </a:t>
+            </a:r>
+            <a:r>
+              <a:rPr lang="zh-CN" altLang="en-US" dirty="0" smtClean="0">
+                <a:latin typeface="思源宋体 CN" panose="02020400000000000000" pitchFamily="18" charset="-122"/>
+                <a:ea typeface="思源宋体 CN" panose="02020400000000000000" pitchFamily="18" charset="-122"/>
+              </a:rPr>
+              <a:t>原文字</a:t>
+            </a:r>
+            <a:endParaRPr lang="en-US" altLang="zh-CN" dirty="0" smtClean="0">
+              <a:latin typeface="思源宋体 CN" panose="02020400000000000000" pitchFamily="18" charset="-122"/>
+              <a:ea typeface="思源宋体 CN" panose="02020400000000000000" pitchFamily="18" charset="-122"/>
+            </a:endParaRPr>
+          </a:p>
+        </p:txBody>
+      </p:sp>
+    </p:spTree>
+    <p:extLst>
+      <p:ext uri="{BB962C8B-B14F-4D97-AF65-F5344CB8AC3E}">
+        <p14:creationId xmlns:p14="http://schemas.microsoft.com/office/powerpoint/2010/main" val="3439677196"/>
+      </p:ext>
+    </p:extLst>
+  </p:cSld>
+  <p:clrMapOvr>
+    <a:masterClrMapping/>
+  </p:clrMapOvr>
+</p:sld>
+</file>
+
+<file path=ppt/slides/slide12.xml><?xml version="1.0" encoding="utf-8"?>
+<p:sld xmlns:a="http://schemas.openxmlformats.org/drawingml/2006/main" xmlns:r="http://schemas.openxmlformats.org/officeDocument/2006/relationships" xmlns:p="http://schemas.openxmlformats.org/presentationml/2006/main">
+  <p:cSld>
+    <p:spTree>
+      <p:nvGrpSpPr>
+        <p:cNvPr id="1" name=""/>
+        <p:cNvGrpSpPr/>
+        <p:nvPr/>
+      </p:nvGrpSpPr>
+      <p:grpSpPr>
+        <a:xfrm>
+          <a:off x="0" y="0"/>
+          <a:ext cx="0" cy="0"/>
+          <a:chOff x="0" y="0"/>
+          <a:chExt cx="0" cy="0"/>
+        </a:xfrm>
+      </p:grpSpPr>
+      <p:pic>
+        <p:nvPicPr>
+          <p:cNvPr id="4" name="图片 3"/>
+          <p:cNvPicPr>
+            <a:picLocks noChangeAspect="1"/>
+          </p:cNvPicPr>
+          <p:nvPr/>
+        </p:nvPicPr>
+        <p:blipFill>
+          <a:blip r:embed="rId2" cstate="print">
+            <a:extLst>
+              <a:ext uri="{28A0092B-C50C-407E-A947-70E740481C1C}">
+                <a14:useLocalDpi xmlns:a14="http://schemas.microsoft.com/office/drawing/2010/main" val="0"/>
+              </a:ext>
+            </a:extLst>
+          </a:blip>
+          <a:stretch>
+            <a:fillRect/>
+          </a:stretch>
+        </p:blipFill>
+        <p:spPr>
+          <a:xfrm>
+            <a:off x="2831690" y="1140542"/>
+            <a:ext cx="6646607" cy="3471672"/>
+          </a:xfrm>
+          <a:prstGeom prst="rect">
+            <a:avLst/>
+          </a:prstGeom>
+        </p:spPr>
+      </p:pic>
+      <p:sp>
+        <p:nvSpPr>
+          <p:cNvPr id="3" name="文本框 2"/>
+          <p:cNvSpPr txBox="1"/>
+          <p:nvPr/>
+        </p:nvSpPr>
+        <p:spPr>
+          <a:xfrm>
+            <a:off x="3809999" y="2387232"/>
+            <a:ext cx="5083277" cy="923330"/>
+          </a:xfrm>
+          <a:prstGeom prst="rect">
+            <a:avLst/>
+          </a:prstGeom>
+          <a:noFill/>
+        </p:spPr>
+        <p:txBody>
+          <a:bodyPr wrap="square" rtlCol="0">
+            <a:spAutoFit/>
+          </a:bodyPr>
+          <a:lstStyle/>
+          <a:p>
+            <a:r>
+              <a:rPr lang="zh-CN" altLang="en-US" sz="5400" dirty="0">
+                <a:solidFill>
+                  <a:schemeClr val="bg1"/>
+                </a:solidFill>
+                <a:latin typeface="华文琥珀" panose="02010800040101010101" pitchFamily="2" charset="-122"/>
+                <a:ea typeface="华文琥珀" panose="02010800040101010101" pitchFamily="2" charset="-122"/>
+              </a:rPr>
+              <a:t>土豆</a:t>
+            </a:r>
+            <a:r>
+              <a:rPr lang="zh-CN" altLang="en-US" sz="5400" dirty="0" smtClean="0">
+                <a:solidFill>
+                  <a:schemeClr val="bg1"/>
+                </a:solidFill>
+                <a:latin typeface="华文琥珀" panose="02010800040101010101" pitchFamily="2" charset="-122"/>
+                <a:ea typeface="华文琥珀" panose="02010800040101010101" pitchFamily="2" charset="-122"/>
+              </a:rPr>
+              <a:t>云年终报告</a:t>
+            </a:r>
+            <a:endParaRPr lang="zh-CN" altLang="en-US" sz="5400" dirty="0">
+              <a:solidFill>
+                <a:schemeClr val="bg1"/>
+              </a:solidFill>
+              <a:latin typeface="华文琥珀" panose="02010800040101010101" pitchFamily="2" charset="-122"/>
+              <a:ea typeface="华文琥珀" panose="02010800040101010101" pitchFamily="2" charset="-122"/>
+            </a:endParaRPr>
+          </a:p>
+        </p:txBody>
+      </p:sp>
+      <p:sp>
+        <p:nvSpPr>
+          <p:cNvPr id="5" name="文本框 4"/>
+          <p:cNvSpPr txBox="1"/>
+          <p:nvPr/>
+        </p:nvSpPr>
+        <p:spPr>
+          <a:xfrm>
+            <a:off x="186813" y="137652"/>
+            <a:ext cx="3441290" cy="369332"/>
+          </a:xfrm>
+          <a:prstGeom prst="rect">
+            <a:avLst/>
+          </a:prstGeom>
+          <a:noFill/>
+        </p:spPr>
+        <p:txBody>
+          <a:bodyPr wrap="square" rtlCol="0">
+            <a:spAutoFit/>
+          </a:bodyPr>
+          <a:lstStyle/>
+          <a:p>
+            <a:r>
+              <a:rPr lang="zh-CN" altLang="en-US" dirty="0" smtClean="0">
+                <a:latin typeface="思源宋体 CN" panose="02020400000000000000" pitchFamily="18" charset="-122"/>
+                <a:ea typeface="思源宋体 CN" panose="02020400000000000000" pitchFamily="18" charset="-122"/>
+              </a:rPr>
+              <a:t>鎏金字 </a:t>
+            </a:r>
+            <a:r>
+              <a:rPr lang="en-US" altLang="zh-CN" dirty="0" smtClean="0">
+                <a:latin typeface="思源宋体 CN" panose="02020400000000000000" pitchFamily="18" charset="-122"/>
+                <a:ea typeface="思源宋体 CN" panose="02020400000000000000" pitchFamily="18" charset="-122"/>
+              </a:rPr>
+              <a:t>– 2 </a:t>
+            </a:r>
+            <a:r>
+              <a:rPr lang="zh-CN" altLang="en-US" dirty="0" smtClean="0">
+                <a:latin typeface="思源宋体 CN" panose="02020400000000000000" pitchFamily="18" charset="-122"/>
+                <a:ea typeface="思源宋体 CN" panose="02020400000000000000" pitchFamily="18" charset="-122"/>
+              </a:rPr>
+              <a:t>加入鎏金底图</a:t>
+            </a:r>
+            <a:endParaRPr lang="en-US" altLang="zh-CN" dirty="0" smtClean="0">
+              <a:latin typeface="思源宋体 CN" panose="02020400000000000000" pitchFamily="18" charset="-122"/>
+              <a:ea typeface="思源宋体 CN" panose="02020400000000000000" pitchFamily="18" charset="-122"/>
+            </a:endParaRPr>
+          </a:p>
+        </p:txBody>
+      </p:sp>
+    </p:spTree>
+    <p:extLst>
+      <p:ext uri="{BB962C8B-B14F-4D97-AF65-F5344CB8AC3E}">
+        <p14:creationId xmlns:p14="http://schemas.microsoft.com/office/powerpoint/2010/main" val="1065827276"/>
+      </p:ext>
+    </p:extLst>
+  </p:cSld>
+  <p:clrMapOvr>
+    <a:masterClrMapping/>
+  </p:clrMapOvr>
+</p:sld>
+</file>
+
+<file path=ppt/slides/slide13.xml><?xml version="1.0" encoding="utf-8"?>
+<p:sld xmlns:a="http://schemas.openxmlformats.org/drawingml/2006/main" xmlns:r="http://schemas.openxmlformats.org/officeDocument/2006/relationships" xmlns:p="http://schemas.openxmlformats.org/presentationml/2006/main">
+  <p:cSld>
+    <p:spTree>
+      <p:nvGrpSpPr>
+        <p:cNvPr id="1" name=""/>
+        <p:cNvGrpSpPr/>
+        <p:nvPr/>
+      </p:nvGrpSpPr>
+      <p:grpSpPr>
+        <a:xfrm>
+          <a:off x="0" y="0"/>
+          <a:ext cx="0" cy="0"/>
+          <a:chOff x="0" y="0"/>
+          <a:chExt cx="0" cy="0"/>
+        </a:xfrm>
+      </p:grpSpPr>
+      <p:pic>
+        <p:nvPicPr>
+          <p:cNvPr id="5" name="图片 4"/>
+          <p:cNvPicPr>
+            <a:picLocks noChangeAspect="1"/>
+          </p:cNvPicPr>
+          <p:nvPr/>
+        </p:nvPicPr>
+        <p:blipFill>
+          <a:blip r:embed="rId2" cstate="print">
+            <a:extLst>
+              <a:ext uri="{28A0092B-C50C-407E-A947-70E740481C1C}">
+                <a14:useLocalDpi xmlns:a14="http://schemas.microsoft.com/office/drawing/2010/main" val="0"/>
+              </a:ext>
+            </a:extLst>
+          </a:blip>
+          <a:srcRect l="16487" t="40359" r="12020" b="41032"/>
+          <a:stretch>
+            <a:fillRect/>
+          </a:stretch>
+        </p:blipFill>
+        <p:spPr>
+          <a:xfrm>
+            <a:off x="3927500" y="2541691"/>
+            <a:ext cx="4751908" cy="646023"/>
+          </a:xfrm>
+          <a:custGeom>
+            <a:avLst/>
+            <a:gdLst/>
+            <a:ahLst/>
+            <a:cxnLst/>
+            <a:rect l="l" t="t" r="r" b="b"/>
+            <a:pathLst>
+              <a:path w="4751908" h="646023">
+                <a:moveTo>
+                  <a:pt x="4332884" y="474573"/>
+                </a:moveTo>
+                <a:cubicBezTo>
+                  <a:pt x="4325569" y="474573"/>
+                  <a:pt x="4320768" y="476859"/>
+                  <a:pt x="4318482" y="481431"/>
+                </a:cubicBezTo>
+                <a:cubicBezTo>
+                  <a:pt x="4316196" y="486003"/>
+                  <a:pt x="4315053" y="493547"/>
+                  <a:pt x="4315053" y="504063"/>
+                </a:cubicBezTo>
+                <a:cubicBezTo>
+                  <a:pt x="4315053" y="514578"/>
+                  <a:pt x="4316311" y="522122"/>
+                  <a:pt x="4318825" y="526694"/>
+                </a:cubicBezTo>
+                <a:cubicBezTo>
+                  <a:pt x="4321340" y="531266"/>
+                  <a:pt x="4326026" y="533552"/>
+                  <a:pt x="4332884" y="533552"/>
+                </a:cubicBezTo>
+                <a:lnTo>
+                  <a:pt x="4546168" y="533552"/>
+                </a:lnTo>
+                <a:cubicBezTo>
+                  <a:pt x="4558512" y="533552"/>
+                  <a:pt x="4564684" y="523722"/>
+                  <a:pt x="4564684" y="504063"/>
+                </a:cubicBezTo>
+                <a:cubicBezTo>
+                  <a:pt x="4564684" y="484403"/>
+                  <a:pt x="4558512" y="474573"/>
+                  <a:pt x="4546168" y="474573"/>
+                </a:cubicBezTo>
+                <a:close/>
+                <a:moveTo>
+                  <a:pt x="3062439" y="462915"/>
+                </a:moveTo>
+                <a:cubicBezTo>
+                  <a:pt x="3081413" y="462915"/>
+                  <a:pt x="3115932" y="469315"/>
+                  <a:pt x="3165995" y="482117"/>
+                </a:cubicBezTo>
+                <a:cubicBezTo>
+                  <a:pt x="3216059" y="494919"/>
+                  <a:pt x="3254692" y="506577"/>
+                  <a:pt x="3281895" y="517093"/>
+                </a:cubicBezTo>
+                <a:cubicBezTo>
+                  <a:pt x="3309099" y="527608"/>
+                  <a:pt x="3327273" y="537552"/>
+                  <a:pt x="3336416" y="546925"/>
+                </a:cubicBezTo>
+                <a:cubicBezTo>
+                  <a:pt x="3345560" y="556298"/>
+                  <a:pt x="3350133" y="567385"/>
+                  <a:pt x="3350133" y="580186"/>
+                </a:cubicBezTo>
+                <a:cubicBezTo>
+                  <a:pt x="3350133" y="594817"/>
+                  <a:pt x="3345789" y="609333"/>
+                  <a:pt x="3337102" y="623735"/>
+                </a:cubicBezTo>
+                <a:cubicBezTo>
+                  <a:pt x="3328416" y="638136"/>
+                  <a:pt x="3314014" y="645337"/>
+                  <a:pt x="3293897" y="645337"/>
+                </a:cubicBezTo>
+                <a:cubicBezTo>
+                  <a:pt x="3282010" y="645337"/>
+                  <a:pt x="3268294" y="642594"/>
+                  <a:pt x="3252749" y="637108"/>
+                </a:cubicBezTo>
+                <a:cubicBezTo>
+                  <a:pt x="3208400" y="621563"/>
+                  <a:pt x="3145536" y="604875"/>
+                  <a:pt x="3064154" y="587044"/>
+                </a:cubicBezTo>
+                <a:cubicBezTo>
+                  <a:pt x="3026206" y="577900"/>
+                  <a:pt x="3007233" y="558927"/>
+                  <a:pt x="3007233" y="530123"/>
+                </a:cubicBezTo>
+                <a:cubicBezTo>
+                  <a:pt x="3007233" y="517321"/>
+                  <a:pt x="3011690" y="502920"/>
+                  <a:pt x="3020606" y="486918"/>
+                </a:cubicBezTo>
+                <a:cubicBezTo>
+                  <a:pt x="3029521" y="470916"/>
+                  <a:pt x="3043465" y="462915"/>
+                  <a:pt x="3062439" y="462915"/>
+                </a:cubicBezTo>
+                <a:close/>
+                <a:moveTo>
+                  <a:pt x="2987344" y="453999"/>
+                </a:moveTo>
+                <a:cubicBezTo>
+                  <a:pt x="2996488" y="453999"/>
+                  <a:pt x="3001061" y="458343"/>
+                  <a:pt x="3001061" y="467029"/>
+                </a:cubicBezTo>
+                <a:cubicBezTo>
+                  <a:pt x="3001061" y="472973"/>
+                  <a:pt x="2998317" y="481660"/>
+                  <a:pt x="2992831" y="493090"/>
+                </a:cubicBezTo>
+                <a:cubicBezTo>
+                  <a:pt x="2987344" y="504520"/>
+                  <a:pt x="2984601" y="516864"/>
+                  <a:pt x="2984601" y="530123"/>
+                </a:cubicBezTo>
+                <a:cubicBezTo>
+                  <a:pt x="2984601" y="543382"/>
+                  <a:pt x="2986087" y="552640"/>
+                  <a:pt x="2989059" y="557898"/>
+                </a:cubicBezTo>
+                <a:cubicBezTo>
+                  <a:pt x="2992031" y="563156"/>
+                  <a:pt x="2993516" y="566928"/>
+                  <a:pt x="2993516" y="569214"/>
+                </a:cubicBezTo>
+                <a:cubicBezTo>
+                  <a:pt x="2993516" y="575614"/>
+                  <a:pt x="2983001" y="582815"/>
+                  <a:pt x="2961970" y="590816"/>
+                </a:cubicBezTo>
+                <a:cubicBezTo>
+                  <a:pt x="2940938" y="598817"/>
+                  <a:pt x="2912249" y="607961"/>
+                  <a:pt x="2875902" y="618248"/>
+                </a:cubicBezTo>
+                <a:cubicBezTo>
+                  <a:pt x="2839555" y="628535"/>
+                  <a:pt x="2812008" y="633679"/>
+                  <a:pt x="2793263" y="633679"/>
+                </a:cubicBezTo>
+                <a:cubicBezTo>
+                  <a:pt x="2774518" y="633679"/>
+                  <a:pt x="2761945" y="625221"/>
+                  <a:pt x="2755544" y="608304"/>
+                </a:cubicBezTo>
+                <a:cubicBezTo>
+                  <a:pt x="2749143" y="591388"/>
+                  <a:pt x="2745943" y="575843"/>
+                  <a:pt x="2745943" y="561670"/>
+                </a:cubicBezTo>
+                <a:cubicBezTo>
+                  <a:pt x="2745943" y="530580"/>
+                  <a:pt x="2768003" y="509663"/>
+                  <a:pt x="2812122" y="498919"/>
+                </a:cubicBezTo>
+                <a:cubicBezTo>
+                  <a:pt x="2856242" y="488175"/>
+                  <a:pt x="2903905" y="475259"/>
+                  <a:pt x="2955112" y="460171"/>
+                </a:cubicBezTo>
+                <a:cubicBezTo>
+                  <a:pt x="2967456" y="456057"/>
+                  <a:pt x="2978200" y="453999"/>
+                  <a:pt x="2987344" y="453999"/>
+                </a:cubicBezTo>
+                <a:close/>
+                <a:moveTo>
+                  <a:pt x="1139799" y="408736"/>
+                </a:moveTo>
+                <a:cubicBezTo>
+                  <a:pt x="1160830" y="408736"/>
+                  <a:pt x="1180261" y="413537"/>
+                  <a:pt x="1198092" y="423138"/>
+                </a:cubicBezTo>
+                <a:cubicBezTo>
+                  <a:pt x="1215923" y="432739"/>
+                  <a:pt x="1224838" y="447370"/>
+                  <a:pt x="1224838" y="467029"/>
+                </a:cubicBezTo>
+                <a:cubicBezTo>
+                  <a:pt x="1224838" y="474345"/>
+                  <a:pt x="1223810" y="481431"/>
+                  <a:pt x="1221752" y="488289"/>
+                </a:cubicBezTo>
+                <a:cubicBezTo>
+                  <a:pt x="1219695" y="495147"/>
+                  <a:pt x="1218666" y="500405"/>
+                  <a:pt x="1218666" y="504063"/>
+                </a:cubicBezTo>
+                <a:cubicBezTo>
+                  <a:pt x="1218666" y="507720"/>
+                  <a:pt x="1222553" y="509549"/>
+                  <a:pt x="1230325" y="509549"/>
+                </a:cubicBezTo>
+                <a:lnTo>
+                  <a:pt x="1270787" y="509549"/>
+                </a:lnTo>
+                <a:cubicBezTo>
+                  <a:pt x="1292275" y="509549"/>
+                  <a:pt x="1306677" y="514235"/>
+                  <a:pt x="1313992" y="523608"/>
+                </a:cubicBezTo>
+                <a:cubicBezTo>
+                  <a:pt x="1321308" y="532980"/>
+                  <a:pt x="1324965" y="549325"/>
+                  <a:pt x="1324965" y="572643"/>
+                </a:cubicBezTo>
+                <a:cubicBezTo>
+                  <a:pt x="1324965" y="595960"/>
+                  <a:pt x="1321079" y="612990"/>
+                  <a:pt x="1313307" y="623735"/>
+                </a:cubicBezTo>
+                <a:cubicBezTo>
+                  <a:pt x="1305534" y="634479"/>
+                  <a:pt x="1291361" y="639851"/>
+                  <a:pt x="1270787" y="639851"/>
+                </a:cubicBezTo>
+                <a:lnTo>
+                  <a:pt x="738606" y="639851"/>
+                </a:lnTo>
+                <a:cubicBezTo>
+                  <a:pt x="716203" y="639851"/>
+                  <a:pt x="701002" y="634822"/>
+                  <a:pt x="693000" y="624763"/>
+                </a:cubicBezTo>
+                <a:cubicBezTo>
+                  <a:pt x="685000" y="614705"/>
+                  <a:pt x="680999" y="598017"/>
+                  <a:pt x="680999" y="574700"/>
+                </a:cubicBezTo>
+                <a:cubicBezTo>
+                  <a:pt x="680999" y="551383"/>
+                  <a:pt x="685228" y="534695"/>
+                  <a:pt x="693686" y="524637"/>
+                </a:cubicBezTo>
+                <a:cubicBezTo>
+                  <a:pt x="702145" y="514578"/>
+                  <a:pt x="717118" y="509549"/>
+                  <a:pt x="738606" y="509549"/>
+                </a:cubicBezTo>
+                <a:lnTo>
+                  <a:pt x="783183" y="509549"/>
+                </a:lnTo>
+                <a:cubicBezTo>
+                  <a:pt x="793699" y="509549"/>
+                  <a:pt x="798957" y="506349"/>
+                  <a:pt x="798957" y="499948"/>
+                </a:cubicBezTo>
+                <a:cubicBezTo>
+                  <a:pt x="798957" y="497662"/>
+                  <a:pt x="797814" y="492404"/>
+                  <a:pt x="795528" y="484174"/>
+                </a:cubicBezTo>
+                <a:cubicBezTo>
+                  <a:pt x="793242" y="475945"/>
+                  <a:pt x="792099" y="468401"/>
+                  <a:pt x="792099" y="461543"/>
+                </a:cubicBezTo>
+                <a:cubicBezTo>
+                  <a:pt x="792099" y="444627"/>
+                  <a:pt x="800557" y="431825"/>
+                  <a:pt x="817473" y="423138"/>
+                </a:cubicBezTo>
+                <a:cubicBezTo>
+                  <a:pt x="834390" y="414451"/>
+                  <a:pt x="850163" y="410108"/>
+                  <a:pt x="864793" y="410108"/>
+                </a:cubicBezTo>
+                <a:cubicBezTo>
+                  <a:pt x="879424" y="410108"/>
+                  <a:pt x="891654" y="412051"/>
+                  <a:pt x="901484" y="415937"/>
+                </a:cubicBezTo>
+                <a:cubicBezTo>
+                  <a:pt x="911314" y="419823"/>
+                  <a:pt x="918743" y="425538"/>
+                  <a:pt x="923772" y="433082"/>
+                </a:cubicBezTo>
+                <a:cubicBezTo>
+                  <a:pt x="928801" y="440626"/>
+                  <a:pt x="934402" y="453313"/>
+                  <a:pt x="940574" y="471144"/>
+                </a:cubicBezTo>
+                <a:cubicBezTo>
+                  <a:pt x="946747" y="488975"/>
+                  <a:pt x="951204" y="499833"/>
+                  <a:pt x="953947" y="503720"/>
+                </a:cubicBezTo>
+                <a:cubicBezTo>
+                  <a:pt x="956691" y="507606"/>
+                  <a:pt x="960805" y="509549"/>
+                  <a:pt x="966292" y="509549"/>
+                </a:cubicBezTo>
+                <a:lnTo>
+                  <a:pt x="1042416" y="509549"/>
+                </a:lnTo>
+                <a:cubicBezTo>
+                  <a:pt x="1049274" y="509549"/>
+                  <a:pt x="1054188" y="508292"/>
+                  <a:pt x="1057160" y="505777"/>
+                </a:cubicBezTo>
+                <a:cubicBezTo>
+                  <a:pt x="1060132" y="503262"/>
+                  <a:pt x="1062532" y="499033"/>
+                  <a:pt x="1064361" y="493090"/>
+                </a:cubicBezTo>
+                <a:cubicBezTo>
+                  <a:pt x="1072591" y="464743"/>
+                  <a:pt x="1078763" y="446341"/>
+                  <a:pt x="1082878" y="437883"/>
+                </a:cubicBezTo>
+                <a:cubicBezTo>
+                  <a:pt x="1086993" y="429425"/>
+                  <a:pt x="1093965" y="422452"/>
+                  <a:pt x="1103795" y="416966"/>
+                </a:cubicBezTo>
+                <a:cubicBezTo>
+                  <a:pt x="1113624" y="411480"/>
+                  <a:pt x="1125626" y="408736"/>
+                  <a:pt x="1139799" y="408736"/>
+                </a:cubicBezTo>
+                <a:close/>
+                <a:moveTo>
+                  <a:pt x="4250588" y="363474"/>
+                </a:moveTo>
+                <a:lnTo>
+                  <a:pt x="4632578" y="363474"/>
+                </a:lnTo>
+                <a:cubicBezTo>
+                  <a:pt x="4657267" y="363474"/>
+                  <a:pt x="4675441" y="369989"/>
+                  <a:pt x="4687100" y="383019"/>
+                </a:cubicBezTo>
+                <a:cubicBezTo>
+                  <a:pt x="4698758" y="396049"/>
+                  <a:pt x="4704588" y="416737"/>
+                  <a:pt x="4704588" y="445084"/>
+                </a:cubicBezTo>
+                <a:lnTo>
+                  <a:pt x="4704588" y="563727"/>
+                </a:lnTo>
+                <a:cubicBezTo>
+                  <a:pt x="4704588" y="588873"/>
+                  <a:pt x="4698415" y="608533"/>
+                  <a:pt x="4686071" y="622706"/>
+                </a:cubicBezTo>
+                <a:cubicBezTo>
+                  <a:pt x="4673726" y="636879"/>
+                  <a:pt x="4655896" y="643966"/>
+                  <a:pt x="4632578" y="643966"/>
+                </a:cubicBezTo>
+                <a:lnTo>
+                  <a:pt x="4250588" y="643966"/>
+                </a:lnTo>
+                <a:cubicBezTo>
+                  <a:pt x="4202125" y="643966"/>
+                  <a:pt x="4177893" y="617220"/>
+                  <a:pt x="4177893" y="563727"/>
+                </a:cubicBezTo>
+                <a:lnTo>
+                  <a:pt x="4177893" y="445084"/>
+                </a:lnTo>
+                <a:cubicBezTo>
+                  <a:pt x="4177893" y="390677"/>
+                  <a:pt x="4202125" y="363474"/>
+                  <a:pt x="4250588" y="363474"/>
+                </a:cubicBezTo>
+                <a:close/>
+                <a:moveTo>
+                  <a:pt x="2298115" y="349758"/>
+                </a:moveTo>
+                <a:cubicBezTo>
+                  <a:pt x="2290343" y="349758"/>
+                  <a:pt x="2286457" y="352958"/>
+                  <a:pt x="2286457" y="359359"/>
+                </a:cubicBezTo>
+                <a:lnTo>
+                  <a:pt x="2286457" y="407365"/>
+                </a:lnTo>
+                <a:cubicBezTo>
+                  <a:pt x="2286457" y="411480"/>
+                  <a:pt x="2287371" y="414108"/>
+                  <a:pt x="2289200" y="415251"/>
+                </a:cubicBezTo>
+                <a:cubicBezTo>
+                  <a:pt x="2291029" y="416394"/>
+                  <a:pt x="2294001" y="416966"/>
+                  <a:pt x="2298115" y="416966"/>
+                </a:cubicBezTo>
+                <a:lnTo>
+                  <a:pt x="2355723" y="416966"/>
+                </a:lnTo>
+                <a:cubicBezTo>
+                  <a:pt x="2362123" y="416966"/>
+                  <a:pt x="2365324" y="413766"/>
+                  <a:pt x="2365324" y="407365"/>
+                </a:cubicBezTo>
+                <a:lnTo>
+                  <a:pt x="2365324" y="359359"/>
+                </a:lnTo>
+                <a:cubicBezTo>
+                  <a:pt x="2365324" y="355701"/>
+                  <a:pt x="2364638" y="353187"/>
+                  <a:pt x="2363266" y="351815"/>
+                </a:cubicBezTo>
+                <a:cubicBezTo>
+                  <a:pt x="2361895" y="350443"/>
+                  <a:pt x="2359380" y="349758"/>
+                  <a:pt x="2355723" y="349758"/>
+                </a:cubicBezTo>
+                <a:close/>
+                <a:moveTo>
+                  <a:pt x="3106331" y="333984"/>
+                </a:moveTo>
+                <a:cubicBezTo>
+                  <a:pt x="3123476" y="333984"/>
+                  <a:pt x="3157423" y="341185"/>
+                  <a:pt x="3208172" y="355587"/>
+                </a:cubicBezTo>
+                <a:cubicBezTo>
+                  <a:pt x="3258921" y="369989"/>
+                  <a:pt x="3291611" y="382104"/>
+                  <a:pt x="3306241" y="391934"/>
+                </a:cubicBezTo>
+                <a:cubicBezTo>
+                  <a:pt x="3320872" y="401764"/>
+                  <a:pt x="3328187" y="414451"/>
+                  <a:pt x="3328187" y="429996"/>
+                </a:cubicBezTo>
+                <a:cubicBezTo>
+                  <a:pt x="3328187" y="441426"/>
+                  <a:pt x="3324529" y="454914"/>
+                  <a:pt x="3317214" y="470458"/>
+                </a:cubicBezTo>
+                <a:cubicBezTo>
+                  <a:pt x="3309899" y="486003"/>
+                  <a:pt x="3298583" y="493776"/>
+                  <a:pt x="3283267" y="493776"/>
+                </a:cubicBezTo>
+                <a:cubicBezTo>
+                  <a:pt x="3267951" y="493776"/>
+                  <a:pt x="3247948" y="489204"/>
+                  <a:pt x="3223259" y="480060"/>
+                </a:cubicBezTo>
+                <a:cubicBezTo>
+                  <a:pt x="3168853" y="461314"/>
+                  <a:pt x="3130562" y="449427"/>
+                  <a:pt x="3108388" y="444398"/>
+                </a:cubicBezTo>
+                <a:cubicBezTo>
+                  <a:pt x="3086214" y="439369"/>
+                  <a:pt x="3071355" y="433311"/>
+                  <a:pt x="3063811" y="426224"/>
+                </a:cubicBezTo>
+                <a:cubicBezTo>
+                  <a:pt x="3056267" y="419138"/>
+                  <a:pt x="3052495" y="409194"/>
+                  <a:pt x="3052495" y="396392"/>
+                </a:cubicBezTo>
+                <a:cubicBezTo>
+                  <a:pt x="3052495" y="373989"/>
+                  <a:pt x="3057182" y="357987"/>
+                  <a:pt x="3066554" y="348386"/>
+                </a:cubicBezTo>
+                <a:cubicBezTo>
+                  <a:pt x="3075927" y="338785"/>
+                  <a:pt x="3089186" y="333984"/>
+                  <a:pt x="3106331" y="333984"/>
+                </a:cubicBezTo>
+                <a:close/>
+                <a:moveTo>
+                  <a:pt x="913485" y="281863"/>
+                </a:moveTo>
+                <a:cubicBezTo>
+                  <a:pt x="907542" y="281863"/>
+                  <a:pt x="903770" y="283121"/>
+                  <a:pt x="902170" y="285635"/>
+                </a:cubicBezTo>
+                <a:cubicBezTo>
+                  <a:pt x="900569" y="288150"/>
+                  <a:pt x="899769" y="294322"/>
+                  <a:pt x="899769" y="304152"/>
+                </a:cubicBezTo>
+                <a:cubicBezTo>
+                  <a:pt x="899769" y="313982"/>
+                  <a:pt x="900455" y="320154"/>
+                  <a:pt x="901827" y="322668"/>
+                </a:cubicBezTo>
+                <a:cubicBezTo>
+                  <a:pt x="903198" y="325183"/>
+                  <a:pt x="907084" y="326440"/>
+                  <a:pt x="913485" y="326440"/>
+                </a:cubicBezTo>
+                <a:lnTo>
+                  <a:pt x="1105509" y="326440"/>
+                </a:lnTo>
+                <a:cubicBezTo>
+                  <a:pt x="1112367" y="326440"/>
+                  <a:pt x="1116596" y="325183"/>
+                  <a:pt x="1118197" y="322668"/>
+                </a:cubicBezTo>
+                <a:cubicBezTo>
+                  <a:pt x="1119797" y="320154"/>
+                  <a:pt x="1120597" y="313982"/>
+                  <a:pt x="1120597" y="304152"/>
+                </a:cubicBezTo>
+                <a:cubicBezTo>
+                  <a:pt x="1120597" y="294322"/>
+                  <a:pt x="1119683" y="288150"/>
+                  <a:pt x="1117854" y="285635"/>
+                </a:cubicBezTo>
+                <a:cubicBezTo>
+                  <a:pt x="1116025" y="283121"/>
+                  <a:pt x="1111910" y="281863"/>
+                  <a:pt x="1105509" y="281863"/>
+                </a:cubicBezTo>
+                <a:close/>
+                <a:moveTo>
+                  <a:pt x="1444980" y="225628"/>
+                </a:moveTo>
+                <a:lnTo>
+                  <a:pt x="1931212" y="225628"/>
+                </a:lnTo>
+                <a:cubicBezTo>
+                  <a:pt x="1952701" y="225628"/>
+                  <a:pt x="1967788" y="230771"/>
+                  <a:pt x="1976475" y="241058"/>
+                </a:cubicBezTo>
+                <a:cubicBezTo>
+                  <a:pt x="1985162" y="251345"/>
+                  <a:pt x="1989505" y="268490"/>
+                  <a:pt x="1989505" y="292493"/>
+                </a:cubicBezTo>
+                <a:cubicBezTo>
+                  <a:pt x="1989505" y="316496"/>
+                  <a:pt x="1985276" y="333527"/>
+                  <a:pt x="1976818" y="343585"/>
+                </a:cubicBezTo>
+                <a:cubicBezTo>
+                  <a:pt x="1968360" y="353644"/>
+                  <a:pt x="1953158" y="358673"/>
+                  <a:pt x="1931212" y="358673"/>
+                </a:cubicBezTo>
+                <a:cubicBezTo>
+                  <a:pt x="1917954" y="358673"/>
+                  <a:pt x="1908238" y="357644"/>
+                  <a:pt x="1902066" y="355587"/>
+                </a:cubicBezTo>
+                <a:cubicBezTo>
+                  <a:pt x="1895894" y="353529"/>
+                  <a:pt x="1887779" y="352501"/>
+                  <a:pt x="1877720" y="352501"/>
+                </a:cubicBezTo>
+                <a:cubicBezTo>
+                  <a:pt x="1867662" y="352501"/>
+                  <a:pt x="1860004" y="353529"/>
+                  <a:pt x="1854746" y="355587"/>
+                </a:cubicBezTo>
+                <a:cubicBezTo>
+                  <a:pt x="1849488" y="357644"/>
+                  <a:pt x="1842973" y="358673"/>
+                  <a:pt x="1835200" y="358673"/>
+                </a:cubicBezTo>
+                <a:lnTo>
+                  <a:pt x="1713128" y="358673"/>
+                </a:lnTo>
+                <a:cubicBezTo>
+                  <a:pt x="1709013" y="358673"/>
+                  <a:pt x="1705241" y="360273"/>
+                  <a:pt x="1701812" y="363474"/>
+                </a:cubicBezTo>
+                <a:cubicBezTo>
+                  <a:pt x="1698383" y="366674"/>
+                  <a:pt x="1689011" y="379361"/>
+                  <a:pt x="1673695" y="401535"/>
+                </a:cubicBezTo>
+                <a:cubicBezTo>
+                  <a:pt x="1658378" y="423710"/>
+                  <a:pt x="1645691" y="444398"/>
+                  <a:pt x="1635633" y="463600"/>
+                </a:cubicBezTo>
+                <a:cubicBezTo>
+                  <a:pt x="1625574" y="482803"/>
+                  <a:pt x="1620545" y="494804"/>
+                  <a:pt x="1620545" y="499605"/>
+                </a:cubicBezTo>
+                <a:cubicBezTo>
+                  <a:pt x="1620545" y="504405"/>
+                  <a:pt x="1624088" y="507263"/>
+                  <a:pt x="1631175" y="508177"/>
+                </a:cubicBezTo>
+                <a:cubicBezTo>
+                  <a:pt x="1638261" y="509092"/>
+                  <a:pt x="1652663" y="509549"/>
+                  <a:pt x="1674380" y="509549"/>
+                </a:cubicBezTo>
+                <a:cubicBezTo>
+                  <a:pt x="1696097" y="509549"/>
+                  <a:pt x="1719300" y="508863"/>
+                  <a:pt x="1743989" y="507492"/>
+                </a:cubicBezTo>
+                <a:cubicBezTo>
+                  <a:pt x="1768678" y="506120"/>
+                  <a:pt x="1782965" y="504863"/>
+                  <a:pt x="1786852" y="503720"/>
+                </a:cubicBezTo>
+                <a:cubicBezTo>
+                  <a:pt x="1790738" y="502577"/>
+                  <a:pt x="1793710" y="500405"/>
+                  <a:pt x="1795767" y="497205"/>
+                </a:cubicBezTo>
+                <a:cubicBezTo>
+                  <a:pt x="1797824" y="494004"/>
+                  <a:pt x="1798853" y="489089"/>
+                  <a:pt x="1798853" y="482460"/>
+                </a:cubicBezTo>
+                <a:cubicBezTo>
+                  <a:pt x="1798853" y="475830"/>
+                  <a:pt x="1797481" y="467944"/>
+                  <a:pt x="1794738" y="458800"/>
+                </a:cubicBezTo>
+                <a:cubicBezTo>
+                  <a:pt x="1791995" y="449656"/>
+                  <a:pt x="1790623" y="442112"/>
+                  <a:pt x="1790623" y="436168"/>
+                </a:cubicBezTo>
+                <a:cubicBezTo>
+                  <a:pt x="1790623" y="418795"/>
+                  <a:pt x="1800910" y="404850"/>
+                  <a:pt x="1821484" y="394335"/>
+                </a:cubicBezTo>
+                <a:cubicBezTo>
+                  <a:pt x="1842059" y="383819"/>
+                  <a:pt x="1860461" y="378561"/>
+                  <a:pt x="1876691" y="378561"/>
+                </a:cubicBezTo>
+                <a:cubicBezTo>
+                  <a:pt x="1892922" y="378561"/>
+                  <a:pt x="1906524" y="383933"/>
+                  <a:pt x="1917496" y="394677"/>
+                </a:cubicBezTo>
+                <a:cubicBezTo>
+                  <a:pt x="1928469" y="405422"/>
+                  <a:pt x="1943214" y="432168"/>
+                  <a:pt x="1961731" y="474916"/>
+                </a:cubicBezTo>
+                <a:cubicBezTo>
+                  <a:pt x="1980247" y="517664"/>
+                  <a:pt x="1989505" y="549325"/>
+                  <a:pt x="1989505" y="569899"/>
+                </a:cubicBezTo>
+                <a:cubicBezTo>
+                  <a:pt x="1989505" y="590016"/>
+                  <a:pt x="1982647" y="606018"/>
+                  <a:pt x="1968931" y="617905"/>
+                </a:cubicBezTo>
+                <a:cubicBezTo>
+                  <a:pt x="1955215" y="629793"/>
+                  <a:pt x="1933727" y="636651"/>
+                  <a:pt x="1904466" y="638479"/>
+                </a:cubicBezTo>
+                <a:cubicBezTo>
+                  <a:pt x="1848231" y="641680"/>
+                  <a:pt x="1767535" y="643280"/>
+                  <a:pt x="1662379" y="643280"/>
+                </a:cubicBezTo>
+                <a:cubicBezTo>
+                  <a:pt x="1621231" y="643280"/>
+                  <a:pt x="1582826" y="642708"/>
+                  <a:pt x="1547164" y="641565"/>
+                </a:cubicBezTo>
+                <a:cubicBezTo>
+                  <a:pt x="1511503" y="640422"/>
+                  <a:pt x="1487614" y="639508"/>
+                  <a:pt x="1475498" y="638822"/>
+                </a:cubicBezTo>
+                <a:cubicBezTo>
+                  <a:pt x="1463382" y="638136"/>
+                  <a:pt x="1453095" y="635736"/>
+                  <a:pt x="1444637" y="631621"/>
+                </a:cubicBezTo>
+                <a:cubicBezTo>
+                  <a:pt x="1436179" y="627507"/>
+                  <a:pt x="1429778" y="621677"/>
+                  <a:pt x="1425435" y="614133"/>
+                </a:cubicBezTo>
+                <a:cubicBezTo>
+                  <a:pt x="1421092" y="606590"/>
+                  <a:pt x="1418920" y="597217"/>
+                  <a:pt x="1418920" y="586016"/>
+                </a:cubicBezTo>
+                <a:cubicBezTo>
+                  <a:pt x="1418920" y="574814"/>
+                  <a:pt x="1421663" y="561213"/>
+                  <a:pt x="1427149" y="545211"/>
+                </a:cubicBezTo>
+                <a:cubicBezTo>
+                  <a:pt x="1432636" y="529209"/>
+                  <a:pt x="1444752" y="502119"/>
+                  <a:pt x="1463497" y="463943"/>
+                </a:cubicBezTo>
+                <a:cubicBezTo>
+                  <a:pt x="1482242" y="425767"/>
+                  <a:pt x="1500301" y="392963"/>
+                  <a:pt x="1517675" y="365531"/>
+                </a:cubicBezTo>
+                <a:cubicBezTo>
+                  <a:pt x="1518589" y="364159"/>
+                  <a:pt x="1519047" y="362673"/>
+                  <a:pt x="1519047" y="361073"/>
+                </a:cubicBezTo>
+                <a:cubicBezTo>
+                  <a:pt x="1519047" y="359473"/>
+                  <a:pt x="1516989" y="358673"/>
+                  <a:pt x="1512875" y="358673"/>
+                </a:cubicBezTo>
+                <a:lnTo>
+                  <a:pt x="1444980" y="358673"/>
+                </a:lnTo>
+                <a:cubicBezTo>
+                  <a:pt x="1423035" y="358673"/>
+                  <a:pt x="1407833" y="353644"/>
+                  <a:pt x="1399375" y="343585"/>
+                </a:cubicBezTo>
+                <a:cubicBezTo>
+                  <a:pt x="1390916" y="333527"/>
+                  <a:pt x="1386687" y="316496"/>
+                  <a:pt x="1386687" y="292493"/>
+                </a:cubicBezTo>
+                <a:cubicBezTo>
+                  <a:pt x="1386687" y="268490"/>
+                  <a:pt x="1391031" y="251345"/>
+                  <a:pt x="1399717" y="241058"/>
+                </a:cubicBezTo>
+                <a:cubicBezTo>
+                  <a:pt x="1408404" y="230771"/>
+                  <a:pt x="1423492" y="225628"/>
+                  <a:pt x="1444980" y="225628"/>
+                </a:cubicBezTo>
+                <a:close/>
+                <a:moveTo>
+                  <a:pt x="842848" y="175564"/>
+                </a:moveTo>
+                <a:lnTo>
+                  <a:pt x="1181633" y="175564"/>
+                </a:lnTo>
+                <a:cubicBezTo>
+                  <a:pt x="1209979" y="175564"/>
+                  <a:pt x="1230325" y="181508"/>
+                  <a:pt x="1242669" y="193395"/>
+                </a:cubicBezTo>
+                <a:cubicBezTo>
+                  <a:pt x="1255014" y="205282"/>
+                  <a:pt x="1261186" y="224942"/>
+                  <a:pt x="1261186" y="252374"/>
+                </a:cubicBezTo>
+                <a:lnTo>
+                  <a:pt x="1261186" y="358673"/>
+                </a:lnTo>
+                <a:cubicBezTo>
+                  <a:pt x="1261186" y="378790"/>
+                  <a:pt x="1259471" y="394335"/>
+                  <a:pt x="1256042" y="405307"/>
+                </a:cubicBezTo>
+                <a:cubicBezTo>
+                  <a:pt x="1252613" y="416280"/>
+                  <a:pt x="1248499" y="421767"/>
+                  <a:pt x="1243698" y="421767"/>
+                </a:cubicBezTo>
+                <a:cubicBezTo>
+                  <a:pt x="1238897" y="421767"/>
+                  <a:pt x="1233868" y="418795"/>
+                  <a:pt x="1228610" y="412851"/>
+                </a:cubicBezTo>
+                <a:cubicBezTo>
+                  <a:pt x="1223353" y="406908"/>
+                  <a:pt x="1211580" y="400621"/>
+                  <a:pt x="1193292" y="393992"/>
+                </a:cubicBezTo>
+                <a:cubicBezTo>
+                  <a:pt x="1175004" y="387362"/>
+                  <a:pt x="1157287" y="384048"/>
+                  <a:pt x="1140142" y="384048"/>
+                </a:cubicBezTo>
+                <a:cubicBezTo>
+                  <a:pt x="1122997" y="384048"/>
+                  <a:pt x="1107452" y="387591"/>
+                  <a:pt x="1093508" y="394677"/>
+                </a:cubicBezTo>
+                <a:cubicBezTo>
+                  <a:pt x="1079563" y="401764"/>
+                  <a:pt x="1069848" y="410108"/>
+                  <a:pt x="1064361" y="419709"/>
+                </a:cubicBezTo>
+                <a:cubicBezTo>
+                  <a:pt x="1058875" y="429310"/>
+                  <a:pt x="1054646" y="435025"/>
+                  <a:pt x="1051674" y="436854"/>
+                </a:cubicBezTo>
+                <a:cubicBezTo>
+                  <a:pt x="1048702" y="438683"/>
+                  <a:pt x="1043330" y="439597"/>
+                  <a:pt x="1035558" y="439597"/>
+                </a:cubicBezTo>
+                <a:lnTo>
+                  <a:pt x="979322" y="439597"/>
+                </a:lnTo>
+                <a:cubicBezTo>
+                  <a:pt x="968806" y="439597"/>
+                  <a:pt x="961720" y="439026"/>
+                  <a:pt x="958062" y="437883"/>
+                </a:cubicBezTo>
+                <a:cubicBezTo>
+                  <a:pt x="954405" y="436740"/>
+                  <a:pt x="952119" y="434568"/>
+                  <a:pt x="951204" y="431368"/>
+                </a:cubicBezTo>
+                <a:cubicBezTo>
+                  <a:pt x="945718" y="417652"/>
+                  <a:pt x="935088" y="406679"/>
+                  <a:pt x="919314" y="398449"/>
+                </a:cubicBezTo>
+                <a:cubicBezTo>
+                  <a:pt x="903541" y="390220"/>
+                  <a:pt x="886053" y="386105"/>
+                  <a:pt x="866851" y="386105"/>
+                </a:cubicBezTo>
+                <a:cubicBezTo>
+                  <a:pt x="838504" y="386105"/>
+                  <a:pt x="812901" y="394335"/>
+                  <a:pt x="790041" y="410794"/>
+                </a:cubicBezTo>
+                <a:cubicBezTo>
+                  <a:pt x="782726" y="416280"/>
+                  <a:pt x="777240" y="419023"/>
+                  <a:pt x="773582" y="419023"/>
+                </a:cubicBezTo>
+                <a:cubicBezTo>
+                  <a:pt x="766267" y="419023"/>
+                  <a:pt x="762609" y="405993"/>
+                  <a:pt x="762609" y="379933"/>
+                </a:cubicBezTo>
+                <a:lnTo>
+                  <a:pt x="762609" y="252374"/>
+                </a:lnTo>
+                <a:cubicBezTo>
+                  <a:pt x="762609" y="224942"/>
+                  <a:pt x="768896" y="205282"/>
+                  <a:pt x="781469" y="193395"/>
+                </a:cubicBezTo>
+                <a:cubicBezTo>
+                  <a:pt x="794042" y="181508"/>
+                  <a:pt x="814501" y="175564"/>
+                  <a:pt x="842848" y="175564"/>
+                </a:cubicBezTo>
+                <a:close/>
+                <a:moveTo>
+                  <a:pt x="3144392" y="158419"/>
+                </a:moveTo>
+                <a:cubicBezTo>
+                  <a:pt x="3142564" y="158419"/>
+                  <a:pt x="3141649" y="158991"/>
+                  <a:pt x="3141649" y="160134"/>
+                </a:cubicBezTo>
+                <a:cubicBezTo>
+                  <a:pt x="3141649" y="161277"/>
+                  <a:pt x="3146450" y="165849"/>
+                  <a:pt x="3156051" y="173850"/>
+                </a:cubicBezTo>
+                <a:cubicBezTo>
+                  <a:pt x="3165652" y="181851"/>
+                  <a:pt x="3171825" y="185851"/>
+                  <a:pt x="3174568" y="185851"/>
+                </a:cubicBezTo>
+                <a:cubicBezTo>
+                  <a:pt x="3177311" y="185851"/>
+                  <a:pt x="3182111" y="182422"/>
+                  <a:pt x="3188969" y="175564"/>
+                </a:cubicBezTo>
+                <a:cubicBezTo>
+                  <a:pt x="3195827" y="168706"/>
+                  <a:pt x="3199257" y="164134"/>
+                  <a:pt x="3199257" y="161848"/>
+                </a:cubicBezTo>
+                <a:cubicBezTo>
+                  <a:pt x="3199257" y="159562"/>
+                  <a:pt x="3195370" y="158419"/>
+                  <a:pt x="3187598" y="158419"/>
+                </a:cubicBezTo>
+                <a:close/>
+                <a:moveTo>
+                  <a:pt x="1483385" y="45262"/>
+                </a:moveTo>
+                <a:lnTo>
+                  <a:pt x="1898980" y="45262"/>
+                </a:lnTo>
+                <a:cubicBezTo>
+                  <a:pt x="1920925" y="45262"/>
+                  <a:pt x="1936127" y="50292"/>
+                  <a:pt x="1944586" y="60350"/>
+                </a:cubicBezTo>
+                <a:cubicBezTo>
+                  <a:pt x="1953044" y="70408"/>
+                  <a:pt x="1957273" y="87210"/>
+                  <a:pt x="1957273" y="110756"/>
+                </a:cubicBezTo>
+                <a:cubicBezTo>
+                  <a:pt x="1957273" y="134302"/>
+                  <a:pt x="1953387" y="150876"/>
+                  <a:pt x="1945614" y="160477"/>
+                </a:cubicBezTo>
+                <a:cubicBezTo>
+                  <a:pt x="1937842" y="170078"/>
+                  <a:pt x="1922297" y="174879"/>
+                  <a:pt x="1898980" y="174879"/>
+                </a:cubicBezTo>
+                <a:lnTo>
+                  <a:pt x="1483385" y="174879"/>
+                </a:lnTo>
+                <a:cubicBezTo>
+                  <a:pt x="1460068" y="174879"/>
+                  <a:pt x="1444523" y="169964"/>
+                  <a:pt x="1436751" y="160134"/>
+                </a:cubicBezTo>
+                <a:cubicBezTo>
+                  <a:pt x="1428978" y="150304"/>
+                  <a:pt x="1425092" y="133731"/>
+                  <a:pt x="1425092" y="110413"/>
+                </a:cubicBezTo>
+                <a:cubicBezTo>
+                  <a:pt x="1425092" y="87096"/>
+                  <a:pt x="1429321" y="70408"/>
+                  <a:pt x="1437779" y="60350"/>
+                </a:cubicBezTo>
+                <a:cubicBezTo>
+                  <a:pt x="1446238" y="50292"/>
+                  <a:pt x="1461439" y="45262"/>
+                  <a:pt x="1483385" y="45262"/>
+                </a:cubicBezTo>
+                <a:close/>
+                <a:moveTo>
+                  <a:pt x="3736924" y="24003"/>
+                </a:moveTo>
+                <a:lnTo>
+                  <a:pt x="3967353" y="24003"/>
+                </a:lnTo>
+                <a:cubicBezTo>
+                  <a:pt x="4019473" y="24003"/>
+                  <a:pt x="4045534" y="46405"/>
+                  <a:pt x="4045534" y="91211"/>
+                </a:cubicBezTo>
+                <a:cubicBezTo>
+                  <a:pt x="4045534" y="118643"/>
+                  <a:pt x="4043591" y="146761"/>
+                  <a:pt x="4039704" y="175564"/>
+                </a:cubicBezTo>
+                <a:cubicBezTo>
+                  <a:pt x="4035818" y="204368"/>
+                  <a:pt x="4032046" y="222770"/>
+                  <a:pt x="4028389" y="230771"/>
+                </a:cubicBezTo>
+                <a:cubicBezTo>
+                  <a:pt x="4024731" y="238772"/>
+                  <a:pt x="4019245" y="244602"/>
+                  <a:pt x="4011930" y="248259"/>
+                </a:cubicBezTo>
+                <a:cubicBezTo>
+                  <a:pt x="4004614" y="251917"/>
+                  <a:pt x="3995013" y="253746"/>
+                  <a:pt x="3983126" y="253746"/>
+                </a:cubicBezTo>
+                <a:lnTo>
+                  <a:pt x="3885742" y="253746"/>
+                </a:lnTo>
+                <a:cubicBezTo>
+                  <a:pt x="3868826" y="253746"/>
+                  <a:pt x="3856825" y="249859"/>
+                  <a:pt x="3849738" y="242087"/>
+                </a:cubicBezTo>
+                <a:cubicBezTo>
+                  <a:pt x="3842651" y="234315"/>
+                  <a:pt x="3839108" y="220827"/>
+                  <a:pt x="3839108" y="201625"/>
+                </a:cubicBezTo>
+                <a:cubicBezTo>
+                  <a:pt x="3839108" y="182422"/>
+                  <a:pt x="3840937" y="169621"/>
+                  <a:pt x="3844594" y="163220"/>
+                </a:cubicBezTo>
+                <a:cubicBezTo>
+                  <a:pt x="3848252" y="156819"/>
+                  <a:pt x="3856139" y="154076"/>
+                  <a:pt x="3868254" y="154990"/>
+                </a:cubicBezTo>
+                <a:cubicBezTo>
+                  <a:pt x="3880370" y="155905"/>
+                  <a:pt x="3889400" y="156362"/>
+                  <a:pt x="3895344" y="156362"/>
+                </a:cubicBezTo>
+                <a:cubicBezTo>
+                  <a:pt x="3901287" y="156362"/>
+                  <a:pt x="3905173" y="155676"/>
+                  <a:pt x="3907002" y="154305"/>
+                </a:cubicBezTo>
+                <a:cubicBezTo>
+                  <a:pt x="3908831" y="152933"/>
+                  <a:pt x="3909745" y="149618"/>
+                  <a:pt x="3909745" y="144360"/>
+                </a:cubicBezTo>
+                <a:cubicBezTo>
+                  <a:pt x="3909745" y="139103"/>
+                  <a:pt x="3909174" y="135674"/>
+                  <a:pt x="3908031" y="134073"/>
+                </a:cubicBezTo>
+                <a:cubicBezTo>
+                  <a:pt x="3906888" y="132473"/>
+                  <a:pt x="3904488" y="131673"/>
+                  <a:pt x="3900830" y="131673"/>
+                </a:cubicBezTo>
+                <a:lnTo>
+                  <a:pt x="3811676" y="131673"/>
+                </a:lnTo>
+                <a:cubicBezTo>
+                  <a:pt x="3805732" y="131673"/>
+                  <a:pt x="3801732" y="132473"/>
+                  <a:pt x="3799675" y="134073"/>
+                </a:cubicBezTo>
+                <a:cubicBezTo>
+                  <a:pt x="3797617" y="135674"/>
+                  <a:pt x="3796588" y="139674"/>
+                  <a:pt x="3796588" y="146075"/>
+                </a:cubicBezTo>
+                <a:lnTo>
+                  <a:pt x="3796588" y="227685"/>
+                </a:lnTo>
+                <a:cubicBezTo>
+                  <a:pt x="3796588" y="231343"/>
+                  <a:pt x="3797617" y="233514"/>
+                  <a:pt x="3799675" y="234200"/>
+                </a:cubicBezTo>
+                <a:cubicBezTo>
+                  <a:pt x="3801732" y="234886"/>
+                  <a:pt x="3804818" y="235229"/>
+                  <a:pt x="3808933" y="235229"/>
+                </a:cubicBezTo>
+                <a:cubicBezTo>
+                  <a:pt x="3813048" y="235229"/>
+                  <a:pt x="3816362" y="236258"/>
+                  <a:pt x="3818877" y="238315"/>
+                </a:cubicBezTo>
+                <a:cubicBezTo>
+                  <a:pt x="3821392" y="240372"/>
+                  <a:pt x="3824935" y="245059"/>
+                  <a:pt x="3829507" y="252374"/>
+                </a:cubicBezTo>
+                <a:cubicBezTo>
+                  <a:pt x="3838651" y="267004"/>
+                  <a:pt x="3857396" y="274320"/>
+                  <a:pt x="3885742" y="274320"/>
+                </a:cubicBezTo>
+                <a:lnTo>
+                  <a:pt x="3983126" y="274320"/>
+                </a:lnTo>
+                <a:cubicBezTo>
+                  <a:pt x="3997756" y="274320"/>
+                  <a:pt x="4009644" y="272376"/>
+                  <a:pt x="4018788" y="268490"/>
+                </a:cubicBezTo>
+                <a:cubicBezTo>
+                  <a:pt x="4027932" y="264604"/>
+                  <a:pt x="4035475" y="262661"/>
+                  <a:pt x="4041419" y="262661"/>
+                </a:cubicBezTo>
+                <a:cubicBezTo>
+                  <a:pt x="4054221" y="262661"/>
+                  <a:pt x="4060621" y="268147"/>
+                  <a:pt x="4060621" y="279120"/>
+                </a:cubicBezTo>
+                <a:cubicBezTo>
+                  <a:pt x="4060621" y="285978"/>
+                  <a:pt x="4059021" y="299923"/>
+                  <a:pt x="4055821" y="320954"/>
+                </a:cubicBezTo>
+                <a:cubicBezTo>
+                  <a:pt x="4052620" y="341985"/>
+                  <a:pt x="4043819" y="367017"/>
+                  <a:pt x="4029418" y="396049"/>
+                </a:cubicBezTo>
+                <a:cubicBezTo>
+                  <a:pt x="4015016" y="425081"/>
+                  <a:pt x="4004386" y="445084"/>
+                  <a:pt x="3997528" y="456057"/>
+                </a:cubicBezTo>
+                <a:cubicBezTo>
+                  <a:pt x="3990670" y="467029"/>
+                  <a:pt x="3987241" y="473202"/>
+                  <a:pt x="3987241" y="474573"/>
+                </a:cubicBezTo>
+                <a:cubicBezTo>
+                  <a:pt x="3987241" y="478231"/>
+                  <a:pt x="4001414" y="489546"/>
+                  <a:pt x="4029761" y="508520"/>
+                </a:cubicBezTo>
+                <a:cubicBezTo>
+                  <a:pt x="4058107" y="527494"/>
+                  <a:pt x="4072280" y="547497"/>
+                  <a:pt x="4072280" y="568528"/>
+                </a:cubicBezTo>
+                <a:cubicBezTo>
+                  <a:pt x="4072280" y="582244"/>
+                  <a:pt x="4065765" y="597217"/>
+                  <a:pt x="4052735" y="613448"/>
+                </a:cubicBezTo>
+                <a:cubicBezTo>
+                  <a:pt x="4039704" y="629678"/>
+                  <a:pt x="4026560" y="637794"/>
+                  <a:pt x="4013301" y="637794"/>
+                </a:cubicBezTo>
+                <a:cubicBezTo>
+                  <a:pt x="4000043" y="637794"/>
+                  <a:pt x="3982783" y="632536"/>
+                  <a:pt x="3961523" y="622020"/>
+                </a:cubicBezTo>
+                <a:cubicBezTo>
+                  <a:pt x="3940263" y="611505"/>
+                  <a:pt x="3921176" y="598017"/>
+                  <a:pt x="3904259" y="581558"/>
+                </a:cubicBezTo>
+                <a:cubicBezTo>
+                  <a:pt x="3903345" y="580644"/>
+                  <a:pt x="3902201" y="580186"/>
+                  <a:pt x="3900830" y="580186"/>
+                </a:cubicBezTo>
+                <a:cubicBezTo>
+                  <a:pt x="3899458" y="580186"/>
+                  <a:pt x="3897630" y="581101"/>
+                  <a:pt x="3895344" y="582930"/>
+                </a:cubicBezTo>
+                <a:cubicBezTo>
+                  <a:pt x="3871569" y="602589"/>
+                  <a:pt x="3855682" y="615276"/>
+                  <a:pt x="3847680" y="620991"/>
+                </a:cubicBezTo>
+                <a:cubicBezTo>
+                  <a:pt x="3839679" y="626706"/>
+                  <a:pt x="3831107" y="631278"/>
+                  <a:pt x="3821963" y="634707"/>
+                </a:cubicBezTo>
+                <a:cubicBezTo>
+                  <a:pt x="3812819" y="638136"/>
+                  <a:pt x="3804132" y="639851"/>
+                  <a:pt x="3795903" y="639851"/>
+                </a:cubicBezTo>
+                <a:cubicBezTo>
+                  <a:pt x="3777157" y="639851"/>
+                  <a:pt x="3761041" y="631393"/>
+                  <a:pt x="3747554" y="614476"/>
+                </a:cubicBezTo>
+                <a:cubicBezTo>
+                  <a:pt x="3734066" y="597560"/>
+                  <a:pt x="3727323" y="583501"/>
+                  <a:pt x="3727323" y="572300"/>
+                </a:cubicBezTo>
+                <a:cubicBezTo>
+                  <a:pt x="3727323" y="561098"/>
+                  <a:pt x="3730523" y="550354"/>
+                  <a:pt x="3736924" y="540067"/>
+                </a:cubicBezTo>
+                <a:cubicBezTo>
+                  <a:pt x="3743325" y="529780"/>
+                  <a:pt x="3755898" y="517321"/>
+                  <a:pt x="3774643" y="502691"/>
+                </a:cubicBezTo>
+                <a:cubicBezTo>
+                  <a:pt x="3793388" y="488061"/>
+                  <a:pt x="3803561" y="479945"/>
+                  <a:pt x="3805161" y="478345"/>
+                </a:cubicBezTo>
+                <a:cubicBezTo>
+                  <a:pt x="3806761" y="476745"/>
+                  <a:pt x="3807561" y="475259"/>
+                  <a:pt x="3807561" y="473887"/>
+                </a:cubicBezTo>
+                <a:cubicBezTo>
+                  <a:pt x="3807561" y="472516"/>
+                  <a:pt x="3806647" y="470916"/>
+                  <a:pt x="3804818" y="469087"/>
+                </a:cubicBezTo>
+                <a:cubicBezTo>
+                  <a:pt x="3797960" y="461772"/>
+                  <a:pt x="3787673" y="447827"/>
+                  <a:pt x="3773957" y="427253"/>
+                </a:cubicBezTo>
+                <a:cubicBezTo>
+                  <a:pt x="3760241" y="406679"/>
+                  <a:pt x="3753383" y="390448"/>
+                  <a:pt x="3753383" y="378561"/>
+                </a:cubicBezTo>
+                <a:cubicBezTo>
+                  <a:pt x="3753383" y="366674"/>
+                  <a:pt x="3760698" y="353644"/>
+                  <a:pt x="3775328" y="339471"/>
+                </a:cubicBezTo>
+                <a:cubicBezTo>
+                  <a:pt x="3789959" y="325297"/>
+                  <a:pt x="3805047" y="318211"/>
+                  <a:pt x="3820591" y="318211"/>
+                </a:cubicBezTo>
+                <a:cubicBezTo>
+                  <a:pt x="3828821" y="318211"/>
+                  <a:pt x="3836936" y="320040"/>
+                  <a:pt x="3844937" y="323697"/>
+                </a:cubicBezTo>
+                <a:cubicBezTo>
+                  <a:pt x="3852938" y="327355"/>
+                  <a:pt x="3860025" y="332498"/>
+                  <a:pt x="3866197" y="339128"/>
+                </a:cubicBezTo>
+                <a:cubicBezTo>
+                  <a:pt x="3872369" y="345757"/>
+                  <a:pt x="3881856" y="358216"/>
+                  <a:pt x="3894658" y="376504"/>
+                </a:cubicBezTo>
+                <a:cubicBezTo>
+                  <a:pt x="3896029" y="378333"/>
+                  <a:pt x="3897172" y="379247"/>
+                  <a:pt x="3898087" y="379247"/>
+                </a:cubicBezTo>
+                <a:cubicBezTo>
+                  <a:pt x="3900830" y="379247"/>
+                  <a:pt x="3904830" y="374561"/>
+                  <a:pt x="3910088" y="365188"/>
+                </a:cubicBezTo>
+                <a:cubicBezTo>
+                  <a:pt x="3915346" y="355815"/>
+                  <a:pt x="3917975" y="349300"/>
+                  <a:pt x="3917975" y="345643"/>
+                </a:cubicBezTo>
+                <a:cubicBezTo>
+                  <a:pt x="3917975" y="341985"/>
+                  <a:pt x="3914432" y="340156"/>
+                  <a:pt x="3907345" y="340156"/>
+                </a:cubicBezTo>
+                <a:cubicBezTo>
+                  <a:pt x="3900259" y="340156"/>
+                  <a:pt x="3895115" y="339013"/>
+                  <a:pt x="3891915" y="336727"/>
+                </a:cubicBezTo>
+                <a:cubicBezTo>
+                  <a:pt x="3888714" y="334441"/>
+                  <a:pt x="3884142" y="329755"/>
+                  <a:pt x="3878199" y="322668"/>
+                </a:cubicBezTo>
+                <a:cubicBezTo>
+                  <a:pt x="3872255" y="315582"/>
+                  <a:pt x="3863797" y="309638"/>
+                  <a:pt x="3852824" y="304838"/>
+                </a:cubicBezTo>
+                <a:cubicBezTo>
+                  <a:pt x="3841851" y="300037"/>
+                  <a:pt x="3829278" y="297637"/>
+                  <a:pt x="3815105" y="297637"/>
+                </a:cubicBezTo>
+                <a:cubicBezTo>
+                  <a:pt x="3800932" y="297637"/>
+                  <a:pt x="3787673" y="302666"/>
+                  <a:pt x="3775328" y="312724"/>
+                </a:cubicBezTo>
+                <a:cubicBezTo>
+                  <a:pt x="3762984" y="322783"/>
+                  <a:pt x="3752583" y="333527"/>
+                  <a:pt x="3744125" y="344957"/>
+                </a:cubicBezTo>
+                <a:cubicBezTo>
+                  <a:pt x="3735667" y="356387"/>
+                  <a:pt x="3731437" y="368274"/>
+                  <a:pt x="3731437" y="380619"/>
+                </a:cubicBezTo>
+                <a:cubicBezTo>
+                  <a:pt x="3731437" y="392963"/>
+                  <a:pt x="3738638" y="409879"/>
+                  <a:pt x="3753040" y="431368"/>
+                </a:cubicBezTo>
+                <a:cubicBezTo>
+                  <a:pt x="3767442" y="452856"/>
+                  <a:pt x="3774643" y="465886"/>
+                  <a:pt x="3774643" y="470458"/>
+                </a:cubicBezTo>
+                <a:cubicBezTo>
+                  <a:pt x="3774643" y="475030"/>
+                  <a:pt x="3772357" y="478917"/>
+                  <a:pt x="3767785" y="482117"/>
+                </a:cubicBezTo>
+                <a:cubicBezTo>
+                  <a:pt x="3746296" y="499033"/>
+                  <a:pt x="3730523" y="514235"/>
+                  <a:pt x="3720465" y="527723"/>
+                </a:cubicBezTo>
+                <a:cubicBezTo>
+                  <a:pt x="3710406" y="541210"/>
+                  <a:pt x="3705377" y="554583"/>
+                  <a:pt x="3705377" y="567842"/>
+                </a:cubicBezTo>
+                <a:cubicBezTo>
+                  <a:pt x="3705377" y="581101"/>
+                  <a:pt x="3709263" y="593902"/>
+                  <a:pt x="3717035" y="606247"/>
+                </a:cubicBezTo>
+                <a:cubicBezTo>
+                  <a:pt x="3724808" y="618591"/>
+                  <a:pt x="3728694" y="627164"/>
+                  <a:pt x="3728694" y="631964"/>
+                </a:cubicBezTo>
+                <a:cubicBezTo>
+                  <a:pt x="3728694" y="636765"/>
+                  <a:pt x="3721379" y="639165"/>
+                  <a:pt x="3706749" y="639165"/>
+                </a:cubicBezTo>
+                <a:cubicBezTo>
+                  <a:pt x="3692118" y="639165"/>
+                  <a:pt x="3681602" y="636536"/>
+                  <a:pt x="3675202" y="631278"/>
+                </a:cubicBezTo>
+                <a:cubicBezTo>
+                  <a:pt x="3668801" y="626021"/>
+                  <a:pt x="3665600" y="613791"/>
+                  <a:pt x="3665600" y="594588"/>
+                </a:cubicBezTo>
+                <a:lnTo>
+                  <a:pt x="3665600" y="422452"/>
+                </a:lnTo>
+                <a:cubicBezTo>
+                  <a:pt x="3665600" y="417880"/>
+                  <a:pt x="3672230" y="411937"/>
+                  <a:pt x="3685489" y="404622"/>
+                </a:cubicBezTo>
+                <a:cubicBezTo>
+                  <a:pt x="3714750" y="389077"/>
+                  <a:pt x="3729380" y="367360"/>
+                  <a:pt x="3729380" y="339471"/>
+                </a:cubicBezTo>
+                <a:cubicBezTo>
+                  <a:pt x="3729380" y="328041"/>
+                  <a:pt x="3726637" y="313410"/>
+                  <a:pt x="3721150" y="295579"/>
+                </a:cubicBezTo>
+                <a:cubicBezTo>
+                  <a:pt x="3715664" y="277749"/>
+                  <a:pt x="3706749" y="264947"/>
+                  <a:pt x="3694404" y="257175"/>
+                </a:cubicBezTo>
+                <a:cubicBezTo>
+                  <a:pt x="3692118" y="255346"/>
+                  <a:pt x="3690975" y="253174"/>
+                  <a:pt x="3690975" y="250659"/>
+                </a:cubicBezTo>
+                <a:cubicBezTo>
+                  <a:pt x="3690975" y="248145"/>
+                  <a:pt x="3694175" y="243687"/>
+                  <a:pt x="3700576" y="237286"/>
+                </a:cubicBezTo>
+                <a:cubicBezTo>
+                  <a:pt x="3713378" y="224485"/>
+                  <a:pt x="3719779" y="205282"/>
+                  <a:pt x="3719779" y="179679"/>
+                </a:cubicBezTo>
+                <a:cubicBezTo>
+                  <a:pt x="3719779" y="154076"/>
+                  <a:pt x="3716693" y="135216"/>
+                  <a:pt x="3710520" y="123101"/>
+                </a:cubicBezTo>
+                <a:cubicBezTo>
+                  <a:pt x="3704348" y="110985"/>
+                  <a:pt x="3694175" y="102870"/>
+                  <a:pt x="3680002" y="98755"/>
+                </a:cubicBezTo>
+                <a:cubicBezTo>
+                  <a:pt x="3677716" y="97840"/>
+                  <a:pt x="3676230" y="95783"/>
+                  <a:pt x="3675545" y="92583"/>
+                </a:cubicBezTo>
+                <a:cubicBezTo>
+                  <a:pt x="3674859" y="89382"/>
+                  <a:pt x="3674516" y="81152"/>
+                  <a:pt x="3674516" y="67894"/>
+                </a:cubicBezTo>
+                <a:cubicBezTo>
+                  <a:pt x="3674516" y="54635"/>
+                  <a:pt x="3679888" y="44005"/>
+                  <a:pt x="3690632" y="36004"/>
+                </a:cubicBezTo>
+                <a:cubicBezTo>
+                  <a:pt x="3701376" y="28003"/>
+                  <a:pt x="3716807" y="24003"/>
+                  <a:pt x="3736924" y="24003"/>
+                </a:cubicBezTo>
+                <a:close/>
+                <a:moveTo>
+                  <a:pt x="781812" y="21259"/>
+                </a:moveTo>
+                <a:lnTo>
+                  <a:pt x="1233754" y="21259"/>
+                </a:lnTo>
+                <a:cubicBezTo>
+                  <a:pt x="1259357" y="21259"/>
+                  <a:pt x="1276616" y="26174"/>
+                  <a:pt x="1285532" y="36004"/>
+                </a:cubicBezTo>
+                <a:cubicBezTo>
+                  <a:pt x="1294447" y="45834"/>
+                  <a:pt x="1298905" y="63093"/>
+                  <a:pt x="1298905" y="87782"/>
+                </a:cubicBezTo>
+                <a:cubicBezTo>
+                  <a:pt x="1298905" y="112471"/>
+                  <a:pt x="1294447" y="129730"/>
+                  <a:pt x="1285532" y="139560"/>
+                </a:cubicBezTo>
+                <a:cubicBezTo>
+                  <a:pt x="1276616" y="149390"/>
+                  <a:pt x="1259357" y="154305"/>
+                  <a:pt x="1233754" y="154305"/>
+                </a:cubicBezTo>
+                <a:lnTo>
+                  <a:pt x="781812" y="154305"/>
+                </a:lnTo>
+                <a:cubicBezTo>
+                  <a:pt x="756208" y="154305"/>
+                  <a:pt x="738949" y="149390"/>
+                  <a:pt x="730034" y="139560"/>
+                </a:cubicBezTo>
+                <a:cubicBezTo>
+                  <a:pt x="721118" y="129730"/>
+                  <a:pt x="716661" y="112471"/>
+                  <a:pt x="716661" y="87782"/>
+                </a:cubicBezTo>
+                <a:cubicBezTo>
+                  <a:pt x="716661" y="63093"/>
+                  <a:pt x="721118" y="45834"/>
+                  <a:pt x="730034" y="36004"/>
+                </a:cubicBezTo>
+                <a:cubicBezTo>
+                  <a:pt x="738949" y="26174"/>
+                  <a:pt x="756208" y="21259"/>
+                  <a:pt x="781812" y="21259"/>
+                </a:cubicBezTo>
+                <a:close/>
+                <a:moveTo>
+                  <a:pt x="2889618" y="13716"/>
+                </a:moveTo>
+                <a:cubicBezTo>
+                  <a:pt x="2901276" y="13716"/>
+                  <a:pt x="2916707" y="17945"/>
+                  <a:pt x="2935909" y="26403"/>
+                </a:cubicBezTo>
+                <a:cubicBezTo>
+                  <a:pt x="2955112" y="34861"/>
+                  <a:pt x="2964713" y="48120"/>
+                  <a:pt x="2964713" y="66179"/>
+                </a:cubicBezTo>
+                <a:cubicBezTo>
+                  <a:pt x="2964713" y="84239"/>
+                  <a:pt x="2958312" y="102412"/>
+                  <a:pt x="2945510" y="120700"/>
+                </a:cubicBezTo>
+                <a:lnTo>
+                  <a:pt x="2924251" y="155676"/>
+                </a:lnTo>
+                <a:cubicBezTo>
+                  <a:pt x="2910535" y="178536"/>
+                  <a:pt x="2904363" y="190652"/>
+                  <a:pt x="2905734" y="192024"/>
+                </a:cubicBezTo>
+                <a:cubicBezTo>
+                  <a:pt x="2905734" y="192938"/>
+                  <a:pt x="2906420" y="193395"/>
+                  <a:pt x="2907791" y="193395"/>
+                </a:cubicBezTo>
+                <a:cubicBezTo>
+                  <a:pt x="2912364" y="193395"/>
+                  <a:pt x="2918993" y="186309"/>
+                  <a:pt x="2927680" y="172135"/>
+                </a:cubicBezTo>
+                <a:cubicBezTo>
+                  <a:pt x="2934995" y="162077"/>
+                  <a:pt x="2940253" y="157048"/>
+                  <a:pt x="2943453" y="157048"/>
+                </a:cubicBezTo>
+                <a:cubicBezTo>
+                  <a:pt x="2946654" y="157048"/>
+                  <a:pt x="2948254" y="160934"/>
+                  <a:pt x="2948254" y="168706"/>
+                </a:cubicBezTo>
+                <a:lnTo>
+                  <a:pt x="2947568" y="184480"/>
+                </a:lnTo>
+                <a:cubicBezTo>
+                  <a:pt x="2947568" y="206425"/>
+                  <a:pt x="2956712" y="224713"/>
+                  <a:pt x="2975000" y="239344"/>
+                </a:cubicBezTo>
+                <a:cubicBezTo>
+                  <a:pt x="2984601" y="246659"/>
+                  <a:pt x="2989402" y="253746"/>
+                  <a:pt x="2989402" y="260604"/>
+                </a:cubicBezTo>
+                <a:cubicBezTo>
+                  <a:pt x="2989402" y="267462"/>
+                  <a:pt x="2985973" y="272719"/>
+                  <a:pt x="2979115" y="276377"/>
+                </a:cubicBezTo>
+                <a:cubicBezTo>
+                  <a:pt x="2962198" y="285064"/>
+                  <a:pt x="2948825" y="296722"/>
+                  <a:pt x="2938995" y="311353"/>
+                </a:cubicBezTo>
+                <a:cubicBezTo>
+                  <a:pt x="2929166" y="325983"/>
+                  <a:pt x="2924251" y="341299"/>
+                  <a:pt x="2924251" y="357301"/>
+                </a:cubicBezTo>
+                <a:cubicBezTo>
+                  <a:pt x="2924251" y="380161"/>
+                  <a:pt x="2933395" y="398449"/>
+                  <a:pt x="2951683" y="412165"/>
+                </a:cubicBezTo>
+                <a:cubicBezTo>
+                  <a:pt x="2958541" y="417652"/>
+                  <a:pt x="2961970" y="421767"/>
+                  <a:pt x="2961970" y="424510"/>
+                </a:cubicBezTo>
+                <a:cubicBezTo>
+                  <a:pt x="2961970" y="430911"/>
+                  <a:pt x="2941510" y="439940"/>
+                  <a:pt x="2900590" y="451599"/>
+                </a:cubicBezTo>
+                <a:cubicBezTo>
+                  <a:pt x="2859671" y="463257"/>
+                  <a:pt x="2830410" y="469087"/>
+                  <a:pt x="2812808" y="469087"/>
+                </a:cubicBezTo>
+                <a:cubicBezTo>
+                  <a:pt x="2795206" y="469087"/>
+                  <a:pt x="2781261" y="464286"/>
+                  <a:pt x="2770974" y="454685"/>
+                </a:cubicBezTo>
+                <a:cubicBezTo>
+                  <a:pt x="2760687" y="445084"/>
+                  <a:pt x="2755544" y="432282"/>
+                  <a:pt x="2755544" y="416280"/>
+                </a:cubicBezTo>
+                <a:cubicBezTo>
+                  <a:pt x="2755544" y="392049"/>
+                  <a:pt x="2766288" y="367817"/>
+                  <a:pt x="2787776" y="343585"/>
+                </a:cubicBezTo>
+                <a:cubicBezTo>
+                  <a:pt x="2815666" y="314325"/>
+                  <a:pt x="2829610" y="297865"/>
+                  <a:pt x="2829610" y="294208"/>
+                </a:cubicBezTo>
+                <a:cubicBezTo>
+                  <a:pt x="2829610" y="292379"/>
+                  <a:pt x="2828467" y="291465"/>
+                  <a:pt x="2826181" y="291465"/>
+                </a:cubicBezTo>
+                <a:lnTo>
+                  <a:pt x="2804236" y="291465"/>
+                </a:lnTo>
+                <a:cubicBezTo>
+                  <a:pt x="2784576" y="291465"/>
+                  <a:pt x="2769374" y="286550"/>
+                  <a:pt x="2758630" y="276720"/>
+                </a:cubicBezTo>
+                <a:cubicBezTo>
+                  <a:pt x="2747886" y="266890"/>
+                  <a:pt x="2742514" y="253288"/>
+                  <a:pt x="2742514" y="235915"/>
+                </a:cubicBezTo>
+                <a:cubicBezTo>
+                  <a:pt x="2742514" y="218541"/>
+                  <a:pt x="2748343" y="199110"/>
+                  <a:pt x="2760002" y="177622"/>
+                </a:cubicBezTo>
+                <a:cubicBezTo>
+                  <a:pt x="2771660" y="156133"/>
+                  <a:pt x="2788805" y="127215"/>
+                  <a:pt x="2811437" y="90868"/>
+                </a:cubicBezTo>
+                <a:cubicBezTo>
+                  <a:pt x="2834068" y="54521"/>
+                  <a:pt x="2849842" y="32575"/>
+                  <a:pt x="2858757" y="25031"/>
+                </a:cubicBezTo>
+                <a:cubicBezTo>
+                  <a:pt x="2867672" y="17487"/>
+                  <a:pt x="2877959" y="13716"/>
+                  <a:pt x="2889618" y="13716"/>
+                </a:cubicBezTo>
+                <a:close/>
+                <a:moveTo>
+                  <a:pt x="316839" y="9601"/>
+                </a:moveTo>
+                <a:cubicBezTo>
+                  <a:pt x="370789" y="9601"/>
+                  <a:pt x="397764" y="29260"/>
+                  <a:pt x="397764" y="68580"/>
+                </a:cubicBezTo>
+                <a:lnTo>
+                  <a:pt x="397764" y="145389"/>
+                </a:lnTo>
+                <a:cubicBezTo>
+                  <a:pt x="397764" y="149504"/>
+                  <a:pt x="398564" y="152361"/>
+                  <a:pt x="400164" y="153962"/>
+                </a:cubicBezTo>
+                <a:cubicBezTo>
+                  <a:pt x="401764" y="155562"/>
+                  <a:pt x="405079" y="156362"/>
+                  <a:pt x="410108" y="156362"/>
+                </a:cubicBezTo>
+                <a:lnTo>
+                  <a:pt x="537667" y="156362"/>
+                </a:lnTo>
+                <a:cubicBezTo>
+                  <a:pt x="558698" y="156362"/>
+                  <a:pt x="573100" y="162306"/>
+                  <a:pt x="580872" y="174193"/>
+                </a:cubicBezTo>
+                <a:cubicBezTo>
+                  <a:pt x="588645" y="186080"/>
+                  <a:pt x="592531" y="205168"/>
+                  <a:pt x="592531" y="231457"/>
+                </a:cubicBezTo>
+                <a:cubicBezTo>
+                  <a:pt x="592531" y="257746"/>
+                  <a:pt x="588873" y="276720"/>
+                  <a:pt x="581558" y="288378"/>
+                </a:cubicBezTo>
+                <a:cubicBezTo>
+                  <a:pt x="574243" y="300037"/>
+                  <a:pt x="559612" y="305866"/>
+                  <a:pt x="537667" y="305866"/>
+                </a:cubicBezTo>
+                <a:lnTo>
+                  <a:pt x="412165" y="305866"/>
+                </a:lnTo>
+                <a:cubicBezTo>
+                  <a:pt x="405765" y="305866"/>
+                  <a:pt x="401764" y="306666"/>
+                  <a:pt x="400164" y="308267"/>
+                </a:cubicBezTo>
+                <a:cubicBezTo>
+                  <a:pt x="398564" y="309867"/>
+                  <a:pt x="397764" y="313639"/>
+                  <a:pt x="397764" y="319582"/>
+                </a:cubicBezTo>
+                <a:lnTo>
+                  <a:pt x="397764" y="478688"/>
+                </a:lnTo>
+                <a:cubicBezTo>
+                  <a:pt x="397764" y="483717"/>
+                  <a:pt x="398564" y="487032"/>
+                  <a:pt x="400164" y="488632"/>
+                </a:cubicBezTo>
+                <a:cubicBezTo>
+                  <a:pt x="401764" y="490232"/>
+                  <a:pt x="405993" y="491032"/>
+                  <a:pt x="412851" y="491032"/>
+                </a:cubicBezTo>
+                <a:lnTo>
+                  <a:pt x="584987" y="491032"/>
+                </a:lnTo>
+                <a:cubicBezTo>
+                  <a:pt x="603732" y="491032"/>
+                  <a:pt x="616534" y="496747"/>
+                  <a:pt x="623392" y="508177"/>
+                </a:cubicBezTo>
+                <a:cubicBezTo>
+                  <a:pt x="630250" y="519607"/>
+                  <a:pt x="633679" y="538353"/>
+                  <a:pt x="633679" y="564413"/>
+                </a:cubicBezTo>
+                <a:cubicBezTo>
+                  <a:pt x="633679" y="590473"/>
+                  <a:pt x="630135" y="609333"/>
+                  <a:pt x="623049" y="620991"/>
+                </a:cubicBezTo>
+                <a:cubicBezTo>
+                  <a:pt x="615962" y="632650"/>
+                  <a:pt x="603275" y="638479"/>
+                  <a:pt x="584987" y="638479"/>
+                </a:cubicBezTo>
+                <a:lnTo>
+                  <a:pt x="52120" y="638479"/>
+                </a:lnTo>
+                <a:cubicBezTo>
+                  <a:pt x="32461" y="638479"/>
+                  <a:pt x="18859" y="632764"/>
+                  <a:pt x="11315" y="621334"/>
+                </a:cubicBezTo>
+                <a:cubicBezTo>
+                  <a:pt x="3771" y="609904"/>
+                  <a:pt x="0" y="591045"/>
+                  <a:pt x="0" y="564756"/>
+                </a:cubicBezTo>
+                <a:cubicBezTo>
+                  <a:pt x="0" y="538467"/>
+                  <a:pt x="4114" y="519607"/>
+                  <a:pt x="12344" y="508177"/>
+                </a:cubicBezTo>
+                <a:cubicBezTo>
+                  <a:pt x="20574" y="496747"/>
+                  <a:pt x="33832" y="491032"/>
+                  <a:pt x="52120" y="491032"/>
+                </a:cubicBezTo>
+                <a:lnTo>
+                  <a:pt x="220827" y="491032"/>
+                </a:lnTo>
+                <a:cubicBezTo>
+                  <a:pt x="226314" y="491032"/>
+                  <a:pt x="230200" y="490461"/>
+                  <a:pt x="232486" y="489318"/>
+                </a:cubicBezTo>
+                <a:cubicBezTo>
+                  <a:pt x="234772" y="488175"/>
+                  <a:pt x="235915" y="484632"/>
+                  <a:pt x="235915" y="478688"/>
+                </a:cubicBezTo>
+                <a:lnTo>
+                  <a:pt x="235915" y="319582"/>
+                </a:lnTo>
+                <a:cubicBezTo>
+                  <a:pt x="235915" y="314096"/>
+                  <a:pt x="235115" y="310438"/>
+                  <a:pt x="233515" y="308610"/>
+                </a:cubicBezTo>
+                <a:cubicBezTo>
+                  <a:pt x="231914" y="306781"/>
+                  <a:pt x="227914" y="305866"/>
+                  <a:pt x="221513" y="305866"/>
+                </a:cubicBezTo>
+                <a:lnTo>
+                  <a:pt x="96012" y="305866"/>
+                </a:lnTo>
+                <a:cubicBezTo>
+                  <a:pt x="75438" y="305866"/>
+                  <a:pt x="61150" y="299923"/>
+                  <a:pt x="53149" y="288036"/>
+                </a:cubicBezTo>
+                <a:cubicBezTo>
+                  <a:pt x="45148" y="276148"/>
+                  <a:pt x="41148" y="257289"/>
+                  <a:pt x="41148" y="231457"/>
+                </a:cubicBezTo>
+                <a:cubicBezTo>
+                  <a:pt x="41148" y="205625"/>
+                  <a:pt x="45034" y="186651"/>
+                  <a:pt x="52806" y="174536"/>
+                </a:cubicBezTo>
+                <a:cubicBezTo>
+                  <a:pt x="60579" y="162420"/>
+                  <a:pt x="74980" y="156362"/>
+                  <a:pt x="96012" y="156362"/>
+                </a:cubicBezTo>
+                <a:lnTo>
+                  <a:pt x="227000" y="156362"/>
+                </a:lnTo>
+                <a:cubicBezTo>
+                  <a:pt x="230200" y="156362"/>
+                  <a:pt x="232486" y="155562"/>
+                  <a:pt x="233857" y="153962"/>
+                </a:cubicBezTo>
+                <a:cubicBezTo>
+                  <a:pt x="235229" y="152361"/>
+                  <a:pt x="235915" y="149047"/>
+                  <a:pt x="235915" y="144018"/>
+                </a:cubicBezTo>
+                <a:lnTo>
+                  <a:pt x="235915" y="67894"/>
+                </a:lnTo>
+                <a:cubicBezTo>
+                  <a:pt x="235915" y="29032"/>
+                  <a:pt x="262890" y="9601"/>
+                  <a:pt x="316839" y="9601"/>
+                </a:cubicBezTo>
+                <a:close/>
+                <a:moveTo>
+                  <a:pt x="3108731" y="3429"/>
+                </a:moveTo>
+                <a:cubicBezTo>
+                  <a:pt x="3122447" y="3429"/>
+                  <a:pt x="3137649" y="7772"/>
+                  <a:pt x="3154337" y="16459"/>
+                </a:cubicBezTo>
+                <a:cubicBezTo>
+                  <a:pt x="3171024" y="25146"/>
+                  <a:pt x="3180283" y="36575"/>
+                  <a:pt x="3182111" y="50749"/>
+                </a:cubicBezTo>
+                <a:cubicBezTo>
+                  <a:pt x="3182569" y="54406"/>
+                  <a:pt x="3183597" y="56692"/>
+                  <a:pt x="3185198" y="57607"/>
+                </a:cubicBezTo>
+                <a:cubicBezTo>
+                  <a:pt x="3186798" y="58521"/>
+                  <a:pt x="3189655" y="58978"/>
+                  <a:pt x="3193770" y="58978"/>
+                </a:cubicBezTo>
+                <a:lnTo>
+                  <a:pt x="3298698" y="58978"/>
+                </a:lnTo>
+                <a:cubicBezTo>
+                  <a:pt x="3316528" y="58978"/>
+                  <a:pt x="3330473" y="64236"/>
+                  <a:pt x="3340531" y="74752"/>
+                </a:cubicBezTo>
+                <a:cubicBezTo>
+                  <a:pt x="3350590" y="85267"/>
+                  <a:pt x="3355619" y="100469"/>
+                  <a:pt x="3355619" y="120357"/>
+                </a:cubicBezTo>
+                <a:cubicBezTo>
+                  <a:pt x="3355619" y="140246"/>
+                  <a:pt x="3347389" y="161848"/>
+                  <a:pt x="3330930" y="185166"/>
+                </a:cubicBezTo>
+                <a:cubicBezTo>
+                  <a:pt x="3314471" y="208483"/>
+                  <a:pt x="3298469" y="227914"/>
+                  <a:pt x="3282924" y="243459"/>
+                </a:cubicBezTo>
+                <a:cubicBezTo>
+                  <a:pt x="3281552" y="244830"/>
+                  <a:pt x="3280867" y="246087"/>
+                  <a:pt x="3280867" y="247230"/>
+                </a:cubicBezTo>
+                <a:cubicBezTo>
+                  <a:pt x="3280867" y="248373"/>
+                  <a:pt x="3284067" y="250431"/>
+                  <a:pt x="3290468" y="253403"/>
+                </a:cubicBezTo>
+                <a:cubicBezTo>
+                  <a:pt x="3296869" y="256374"/>
+                  <a:pt x="3306470" y="260604"/>
+                  <a:pt x="3319272" y="266090"/>
+                </a:cubicBezTo>
+                <a:cubicBezTo>
+                  <a:pt x="3363620" y="284378"/>
+                  <a:pt x="3385794" y="309295"/>
+                  <a:pt x="3385794" y="340842"/>
+                </a:cubicBezTo>
+                <a:cubicBezTo>
+                  <a:pt x="3385794" y="350443"/>
+                  <a:pt x="3383394" y="363359"/>
+                  <a:pt x="3378593" y="379590"/>
+                </a:cubicBezTo>
+                <a:cubicBezTo>
+                  <a:pt x="3373793" y="395820"/>
+                  <a:pt x="3368421" y="403936"/>
+                  <a:pt x="3362477" y="403936"/>
+                </a:cubicBezTo>
+                <a:cubicBezTo>
+                  <a:pt x="3356533" y="403936"/>
+                  <a:pt x="3344646" y="395935"/>
+                  <a:pt x="3326815" y="379933"/>
+                </a:cubicBezTo>
+                <a:cubicBezTo>
+                  <a:pt x="3312642" y="367131"/>
+                  <a:pt x="3274694" y="352044"/>
+                  <a:pt x="3212973" y="334670"/>
+                </a:cubicBezTo>
+                <a:cubicBezTo>
+                  <a:pt x="3206572" y="332841"/>
+                  <a:pt x="3199257" y="329984"/>
+                  <a:pt x="3191027" y="326097"/>
+                </a:cubicBezTo>
+                <a:cubicBezTo>
+                  <a:pt x="3182797" y="322211"/>
+                  <a:pt x="3177540" y="320268"/>
+                  <a:pt x="3175253" y="320268"/>
+                </a:cubicBezTo>
+                <a:lnTo>
+                  <a:pt x="3165652" y="320954"/>
+                </a:lnTo>
+                <a:cubicBezTo>
+                  <a:pt x="3160166" y="320954"/>
+                  <a:pt x="3152051" y="319468"/>
+                  <a:pt x="3141306" y="316496"/>
+                </a:cubicBezTo>
+                <a:cubicBezTo>
+                  <a:pt x="3130562" y="313524"/>
+                  <a:pt x="3119475" y="312039"/>
+                  <a:pt x="3108045" y="312039"/>
+                </a:cubicBezTo>
+                <a:cubicBezTo>
+                  <a:pt x="3086100" y="312039"/>
+                  <a:pt x="3068497" y="317868"/>
+                  <a:pt x="3055239" y="329526"/>
+                </a:cubicBezTo>
+                <a:cubicBezTo>
+                  <a:pt x="3041980" y="341185"/>
+                  <a:pt x="3034436" y="356273"/>
+                  <a:pt x="3032607" y="374789"/>
+                </a:cubicBezTo>
+                <a:cubicBezTo>
+                  <a:pt x="3030778" y="393306"/>
+                  <a:pt x="3028492" y="405307"/>
+                  <a:pt x="3025749" y="410794"/>
+                </a:cubicBezTo>
+                <a:cubicBezTo>
+                  <a:pt x="3023006" y="416280"/>
+                  <a:pt x="3018777" y="419023"/>
+                  <a:pt x="3013062" y="419023"/>
+                </a:cubicBezTo>
+                <a:cubicBezTo>
+                  <a:pt x="3007347" y="419023"/>
+                  <a:pt x="2994659" y="413537"/>
+                  <a:pt x="2975000" y="402564"/>
+                </a:cubicBezTo>
+                <a:cubicBezTo>
+                  <a:pt x="2955340" y="391591"/>
+                  <a:pt x="2945510" y="376961"/>
+                  <a:pt x="2945510" y="358673"/>
+                </a:cubicBezTo>
+                <a:cubicBezTo>
+                  <a:pt x="2945510" y="345414"/>
+                  <a:pt x="2949968" y="332613"/>
+                  <a:pt x="2958884" y="320268"/>
+                </a:cubicBezTo>
+                <a:cubicBezTo>
+                  <a:pt x="2967799" y="307924"/>
+                  <a:pt x="2980486" y="298094"/>
+                  <a:pt x="2996946" y="290779"/>
+                </a:cubicBezTo>
+                <a:cubicBezTo>
+                  <a:pt x="3046323" y="268376"/>
+                  <a:pt x="3071012" y="255574"/>
+                  <a:pt x="3071012" y="252374"/>
+                </a:cubicBezTo>
+                <a:cubicBezTo>
+                  <a:pt x="3071012" y="251002"/>
+                  <a:pt x="3069183" y="248145"/>
+                  <a:pt x="3065525" y="243801"/>
+                </a:cubicBezTo>
+                <a:cubicBezTo>
+                  <a:pt x="3061868" y="239458"/>
+                  <a:pt x="3058896" y="237286"/>
+                  <a:pt x="3056610" y="237286"/>
+                </a:cubicBezTo>
+                <a:cubicBezTo>
+                  <a:pt x="3054324" y="237286"/>
+                  <a:pt x="3051124" y="237972"/>
+                  <a:pt x="3047009" y="239344"/>
+                </a:cubicBezTo>
+                <a:cubicBezTo>
+                  <a:pt x="3042894" y="240715"/>
+                  <a:pt x="3038093" y="241401"/>
+                  <a:pt x="3032607" y="241401"/>
+                </a:cubicBezTo>
+                <a:cubicBezTo>
+                  <a:pt x="3019806" y="241401"/>
+                  <a:pt x="3005975" y="235915"/>
+                  <a:pt x="2991116" y="224942"/>
+                </a:cubicBezTo>
+                <a:cubicBezTo>
+                  <a:pt x="2976257" y="213969"/>
+                  <a:pt x="2968828" y="199910"/>
+                  <a:pt x="2968828" y="182765"/>
+                </a:cubicBezTo>
+                <a:cubicBezTo>
+                  <a:pt x="2968828" y="165620"/>
+                  <a:pt x="2976143" y="147904"/>
+                  <a:pt x="2990773" y="129616"/>
+                </a:cubicBezTo>
+                <a:cubicBezTo>
+                  <a:pt x="3017291" y="98069"/>
+                  <a:pt x="3038322" y="69151"/>
+                  <a:pt x="3053867" y="42862"/>
+                </a:cubicBezTo>
+                <a:cubicBezTo>
+                  <a:pt x="3069412" y="16573"/>
+                  <a:pt x="3087700" y="3429"/>
+                  <a:pt x="3108731" y="3429"/>
+                </a:cubicBezTo>
+                <a:close/>
+                <a:moveTo>
+                  <a:pt x="3576789" y="2743"/>
+                </a:moveTo>
+                <a:cubicBezTo>
+                  <a:pt x="3600793" y="2743"/>
+                  <a:pt x="3617137" y="6286"/>
+                  <a:pt x="3625824" y="13373"/>
+                </a:cubicBezTo>
+                <a:cubicBezTo>
+                  <a:pt x="3634511" y="20459"/>
+                  <a:pt x="3638854" y="35204"/>
+                  <a:pt x="3638854" y="57607"/>
+                </a:cubicBezTo>
+                <a:lnTo>
+                  <a:pt x="3638854" y="111099"/>
+                </a:lnTo>
+                <a:cubicBezTo>
+                  <a:pt x="3638854" y="113842"/>
+                  <a:pt x="3642055" y="115214"/>
+                  <a:pt x="3648456" y="115214"/>
+                </a:cubicBezTo>
+                <a:cubicBezTo>
+                  <a:pt x="3666743" y="115214"/>
+                  <a:pt x="3679774" y="119672"/>
+                  <a:pt x="3687546" y="128587"/>
+                </a:cubicBezTo>
+                <a:cubicBezTo>
+                  <a:pt x="3695318" y="137502"/>
+                  <a:pt x="3699205" y="152704"/>
+                  <a:pt x="3699205" y="174193"/>
+                </a:cubicBezTo>
+                <a:cubicBezTo>
+                  <a:pt x="3699205" y="195681"/>
+                  <a:pt x="3695318" y="210769"/>
+                  <a:pt x="3687546" y="219456"/>
+                </a:cubicBezTo>
+                <a:cubicBezTo>
+                  <a:pt x="3679774" y="228142"/>
+                  <a:pt x="3666743" y="232486"/>
+                  <a:pt x="3648456" y="232486"/>
+                </a:cubicBezTo>
+                <a:cubicBezTo>
+                  <a:pt x="3642055" y="232486"/>
+                  <a:pt x="3638854" y="234086"/>
+                  <a:pt x="3638854" y="237286"/>
+                </a:cubicBezTo>
+                <a:lnTo>
+                  <a:pt x="3638854" y="273634"/>
+                </a:lnTo>
+                <a:cubicBezTo>
+                  <a:pt x="3638854" y="276834"/>
+                  <a:pt x="3641940" y="277406"/>
+                  <a:pt x="3648113" y="275348"/>
+                </a:cubicBezTo>
+                <a:cubicBezTo>
+                  <a:pt x="3654285" y="273291"/>
+                  <a:pt x="3660571" y="272262"/>
+                  <a:pt x="3666972" y="272262"/>
+                </a:cubicBezTo>
+                <a:cubicBezTo>
+                  <a:pt x="3681602" y="272262"/>
+                  <a:pt x="3692232" y="279920"/>
+                  <a:pt x="3698862" y="295236"/>
+                </a:cubicBezTo>
+                <a:cubicBezTo>
+                  <a:pt x="3705491" y="310553"/>
+                  <a:pt x="3708806" y="323926"/>
+                  <a:pt x="3708806" y="335356"/>
+                </a:cubicBezTo>
+                <a:cubicBezTo>
+                  <a:pt x="3708806" y="346786"/>
+                  <a:pt x="3705720" y="357530"/>
+                  <a:pt x="3699548" y="367588"/>
+                </a:cubicBezTo>
+                <a:cubicBezTo>
+                  <a:pt x="3693376" y="377647"/>
+                  <a:pt x="3675430" y="388162"/>
+                  <a:pt x="3645712" y="399135"/>
+                </a:cubicBezTo>
+                <a:cubicBezTo>
+                  <a:pt x="3641140" y="400507"/>
+                  <a:pt x="3638854" y="403250"/>
+                  <a:pt x="3638854" y="407365"/>
+                </a:cubicBezTo>
+                <a:lnTo>
+                  <a:pt x="3638854" y="553440"/>
+                </a:lnTo>
+                <a:cubicBezTo>
+                  <a:pt x="3638854" y="586816"/>
+                  <a:pt x="3635197" y="608190"/>
+                  <a:pt x="3627882" y="617562"/>
+                </a:cubicBezTo>
+                <a:cubicBezTo>
+                  <a:pt x="3620566" y="626935"/>
+                  <a:pt x="3609822" y="633107"/>
+                  <a:pt x="3595649" y="636079"/>
+                </a:cubicBezTo>
+                <a:cubicBezTo>
+                  <a:pt x="3581476" y="639051"/>
+                  <a:pt x="3557130" y="640537"/>
+                  <a:pt x="3522611" y="640537"/>
+                </a:cubicBezTo>
+                <a:cubicBezTo>
+                  <a:pt x="3488093" y="640537"/>
+                  <a:pt x="3464661" y="635850"/>
+                  <a:pt x="3452317" y="626478"/>
+                </a:cubicBezTo>
+                <a:cubicBezTo>
+                  <a:pt x="3439972" y="617105"/>
+                  <a:pt x="3433800" y="599617"/>
+                  <a:pt x="3433800" y="574014"/>
+                </a:cubicBezTo>
+                <a:cubicBezTo>
+                  <a:pt x="3433800" y="548411"/>
+                  <a:pt x="3436543" y="531837"/>
+                  <a:pt x="3442030" y="524294"/>
+                </a:cubicBezTo>
+                <a:cubicBezTo>
+                  <a:pt x="3447516" y="516750"/>
+                  <a:pt x="3458946" y="513664"/>
+                  <a:pt x="3476320" y="515035"/>
+                </a:cubicBezTo>
+                <a:cubicBezTo>
+                  <a:pt x="3483178" y="515493"/>
+                  <a:pt x="3489464" y="515721"/>
+                  <a:pt x="3495179" y="515721"/>
+                </a:cubicBezTo>
+                <a:cubicBezTo>
+                  <a:pt x="3500894" y="515721"/>
+                  <a:pt x="3505352" y="515035"/>
+                  <a:pt x="3508552" y="513664"/>
+                </a:cubicBezTo>
+                <a:cubicBezTo>
+                  <a:pt x="3511753" y="512292"/>
+                  <a:pt x="3513353" y="508635"/>
+                  <a:pt x="3513353" y="502691"/>
+                </a:cubicBezTo>
+                <a:lnTo>
+                  <a:pt x="3513353" y="449884"/>
+                </a:lnTo>
+                <a:cubicBezTo>
+                  <a:pt x="3513353" y="446227"/>
+                  <a:pt x="3511524" y="444855"/>
+                  <a:pt x="3507866" y="445770"/>
+                </a:cubicBezTo>
+                <a:cubicBezTo>
+                  <a:pt x="3495522" y="448970"/>
+                  <a:pt x="3484778" y="450570"/>
+                  <a:pt x="3475634" y="450570"/>
+                </a:cubicBezTo>
+                <a:cubicBezTo>
+                  <a:pt x="3441801" y="450570"/>
+                  <a:pt x="3424885" y="427253"/>
+                  <a:pt x="3424885" y="380619"/>
+                </a:cubicBezTo>
+                <a:cubicBezTo>
+                  <a:pt x="3424885" y="368274"/>
+                  <a:pt x="3427628" y="358902"/>
+                  <a:pt x="3433114" y="352501"/>
+                </a:cubicBezTo>
+                <a:cubicBezTo>
+                  <a:pt x="3438601" y="346100"/>
+                  <a:pt x="3451859" y="340385"/>
+                  <a:pt x="3472891" y="335356"/>
+                </a:cubicBezTo>
+                <a:cubicBezTo>
+                  <a:pt x="3493922" y="330327"/>
+                  <a:pt x="3505924" y="327240"/>
+                  <a:pt x="3508895" y="326097"/>
+                </a:cubicBezTo>
+                <a:cubicBezTo>
+                  <a:pt x="3511867" y="324954"/>
+                  <a:pt x="3513353" y="323011"/>
+                  <a:pt x="3513353" y="320268"/>
+                </a:cubicBezTo>
+                <a:lnTo>
+                  <a:pt x="3513353" y="238658"/>
+                </a:lnTo>
+                <a:cubicBezTo>
+                  <a:pt x="3513353" y="234543"/>
+                  <a:pt x="3510838" y="232486"/>
+                  <a:pt x="3505809" y="232486"/>
+                </a:cubicBezTo>
+                <a:lnTo>
+                  <a:pt x="3486607" y="232486"/>
+                </a:lnTo>
+                <a:cubicBezTo>
+                  <a:pt x="3468319" y="232486"/>
+                  <a:pt x="3455288" y="227914"/>
+                  <a:pt x="3447516" y="218770"/>
+                </a:cubicBezTo>
+                <a:cubicBezTo>
+                  <a:pt x="3439744" y="209626"/>
+                  <a:pt x="3435858" y="194767"/>
+                  <a:pt x="3435858" y="174193"/>
+                </a:cubicBezTo>
+                <a:cubicBezTo>
+                  <a:pt x="3435858" y="153619"/>
+                  <a:pt x="3439858" y="138645"/>
+                  <a:pt x="3447859" y="129273"/>
+                </a:cubicBezTo>
+                <a:cubicBezTo>
+                  <a:pt x="3455860" y="119900"/>
+                  <a:pt x="3468776" y="115214"/>
+                  <a:pt x="3486607" y="115214"/>
+                </a:cubicBezTo>
+                <a:lnTo>
+                  <a:pt x="3507181" y="115214"/>
+                </a:lnTo>
+                <a:cubicBezTo>
+                  <a:pt x="3511296" y="115214"/>
+                  <a:pt x="3513353" y="112699"/>
+                  <a:pt x="3513353" y="107670"/>
+                </a:cubicBezTo>
+                <a:lnTo>
+                  <a:pt x="3513353" y="57607"/>
+                </a:lnTo>
+                <a:cubicBezTo>
+                  <a:pt x="3513353" y="33375"/>
+                  <a:pt x="3517925" y="18173"/>
+                  <a:pt x="3527069" y="12001"/>
+                </a:cubicBezTo>
+                <a:cubicBezTo>
+                  <a:pt x="3536213" y="5829"/>
+                  <a:pt x="3552786" y="2743"/>
+                  <a:pt x="3576789" y="2743"/>
+                </a:cubicBezTo>
+                <a:close/>
+                <a:moveTo>
+                  <a:pt x="2222335" y="2057"/>
+                </a:moveTo>
+                <a:cubicBezTo>
+                  <a:pt x="2235822" y="2057"/>
+                  <a:pt x="2247366" y="3429"/>
+                  <a:pt x="2256967" y="6172"/>
+                </a:cubicBezTo>
+                <a:cubicBezTo>
+                  <a:pt x="2266569" y="8915"/>
+                  <a:pt x="2274227" y="13144"/>
+                  <a:pt x="2279942" y="18859"/>
+                </a:cubicBezTo>
+                <a:cubicBezTo>
+                  <a:pt x="2285657" y="24574"/>
+                  <a:pt x="2291943" y="33147"/>
+                  <a:pt x="2298801" y="44577"/>
+                </a:cubicBezTo>
+                <a:cubicBezTo>
+                  <a:pt x="2302916" y="50977"/>
+                  <a:pt x="2307031" y="54178"/>
+                  <a:pt x="2311146" y="54178"/>
+                </a:cubicBezTo>
+                <a:lnTo>
+                  <a:pt x="2625242" y="54178"/>
+                </a:lnTo>
+                <a:cubicBezTo>
+                  <a:pt x="2646273" y="54178"/>
+                  <a:pt x="2660903" y="58293"/>
+                  <a:pt x="2669133" y="66522"/>
+                </a:cubicBezTo>
+                <a:cubicBezTo>
+                  <a:pt x="2677363" y="74752"/>
+                  <a:pt x="2681478" y="90525"/>
+                  <a:pt x="2681478" y="113842"/>
+                </a:cubicBezTo>
+                <a:cubicBezTo>
+                  <a:pt x="2681478" y="137160"/>
+                  <a:pt x="2677706" y="152933"/>
+                  <a:pt x="2670162" y="161163"/>
+                </a:cubicBezTo>
+                <a:cubicBezTo>
+                  <a:pt x="2662618" y="169392"/>
+                  <a:pt x="2647645" y="173507"/>
+                  <a:pt x="2625242" y="173507"/>
+                </a:cubicBezTo>
+                <a:lnTo>
+                  <a:pt x="2514828" y="173507"/>
+                </a:lnTo>
+                <a:cubicBezTo>
+                  <a:pt x="2508884" y="173507"/>
+                  <a:pt x="2505913" y="176479"/>
+                  <a:pt x="2505913" y="182422"/>
+                </a:cubicBezTo>
+                <a:lnTo>
+                  <a:pt x="2505913" y="225628"/>
+                </a:lnTo>
+                <a:cubicBezTo>
+                  <a:pt x="2505913" y="231571"/>
+                  <a:pt x="2508884" y="234543"/>
+                  <a:pt x="2514828" y="234543"/>
+                </a:cubicBezTo>
+                <a:lnTo>
+                  <a:pt x="2610154" y="234543"/>
+                </a:lnTo>
+                <a:cubicBezTo>
+                  <a:pt x="2630728" y="234543"/>
+                  <a:pt x="2645359" y="239001"/>
+                  <a:pt x="2654046" y="247916"/>
+                </a:cubicBezTo>
+                <a:cubicBezTo>
+                  <a:pt x="2662732" y="256832"/>
+                  <a:pt x="2667076" y="272148"/>
+                  <a:pt x="2667076" y="293865"/>
+                </a:cubicBezTo>
+                <a:cubicBezTo>
+                  <a:pt x="2667076" y="315582"/>
+                  <a:pt x="2662732" y="330098"/>
+                  <a:pt x="2654046" y="337413"/>
+                </a:cubicBezTo>
+                <a:cubicBezTo>
+                  <a:pt x="2645359" y="344728"/>
+                  <a:pt x="2630728" y="348386"/>
+                  <a:pt x="2610154" y="348386"/>
+                </a:cubicBezTo>
+                <a:lnTo>
+                  <a:pt x="2516886" y="348386"/>
+                </a:lnTo>
+                <a:cubicBezTo>
+                  <a:pt x="2509570" y="348386"/>
+                  <a:pt x="2505913" y="351586"/>
+                  <a:pt x="2505913" y="357987"/>
+                </a:cubicBezTo>
+                <a:lnTo>
+                  <a:pt x="2505913" y="404622"/>
+                </a:lnTo>
+                <a:cubicBezTo>
+                  <a:pt x="2505913" y="411022"/>
+                  <a:pt x="2509570" y="414223"/>
+                  <a:pt x="2516886" y="414223"/>
+                </a:cubicBezTo>
+                <a:lnTo>
+                  <a:pt x="2639644" y="414223"/>
+                </a:lnTo>
+                <a:cubicBezTo>
+                  <a:pt x="2661132" y="414223"/>
+                  <a:pt x="2675648" y="418338"/>
+                  <a:pt x="2683192" y="426567"/>
+                </a:cubicBezTo>
+                <a:cubicBezTo>
+                  <a:pt x="2690736" y="434797"/>
+                  <a:pt x="2694508" y="451142"/>
+                  <a:pt x="2694508" y="475602"/>
+                </a:cubicBezTo>
+                <a:cubicBezTo>
+                  <a:pt x="2694508" y="500062"/>
+                  <a:pt x="2690850" y="516521"/>
+                  <a:pt x="2683535" y="524979"/>
+                </a:cubicBezTo>
+                <a:cubicBezTo>
+                  <a:pt x="2676220" y="533438"/>
+                  <a:pt x="2661589" y="537667"/>
+                  <a:pt x="2639644" y="537667"/>
+                </a:cubicBezTo>
+                <a:lnTo>
+                  <a:pt x="2517571" y="537667"/>
+                </a:lnTo>
+                <a:cubicBezTo>
+                  <a:pt x="2512999" y="537667"/>
+                  <a:pt x="2509913" y="538353"/>
+                  <a:pt x="2508313" y="539724"/>
+                </a:cubicBezTo>
+                <a:cubicBezTo>
+                  <a:pt x="2506713" y="541096"/>
+                  <a:pt x="2505913" y="544296"/>
+                  <a:pt x="2505913" y="549325"/>
+                </a:cubicBezTo>
+                <a:lnTo>
+                  <a:pt x="2505913" y="592531"/>
+                </a:lnTo>
+                <a:cubicBezTo>
+                  <a:pt x="2505913" y="611733"/>
+                  <a:pt x="2500198" y="625449"/>
+                  <a:pt x="2488768" y="633679"/>
+                </a:cubicBezTo>
+                <a:cubicBezTo>
+                  <a:pt x="2477338" y="641908"/>
+                  <a:pt x="2459621" y="646023"/>
+                  <a:pt x="2435618" y="646023"/>
+                </a:cubicBezTo>
+                <a:cubicBezTo>
+                  <a:pt x="2411615" y="646023"/>
+                  <a:pt x="2393899" y="641908"/>
+                  <a:pt x="2382469" y="633679"/>
+                </a:cubicBezTo>
+                <a:cubicBezTo>
+                  <a:pt x="2371039" y="625449"/>
+                  <a:pt x="2365324" y="611733"/>
+                  <a:pt x="2365324" y="592531"/>
+                </a:cubicBezTo>
+                <a:lnTo>
+                  <a:pt x="2365324" y="550697"/>
+                </a:lnTo>
+                <a:cubicBezTo>
+                  <a:pt x="2365324" y="545668"/>
+                  <a:pt x="2364409" y="542239"/>
+                  <a:pt x="2362581" y="540410"/>
+                </a:cubicBezTo>
+                <a:cubicBezTo>
+                  <a:pt x="2360752" y="538581"/>
+                  <a:pt x="2357780" y="537667"/>
+                  <a:pt x="2353665" y="537667"/>
+                </a:cubicBezTo>
+                <a:lnTo>
+                  <a:pt x="2132152" y="537667"/>
+                </a:lnTo>
+                <a:cubicBezTo>
+                  <a:pt x="2110206" y="537667"/>
+                  <a:pt x="2095462" y="533323"/>
+                  <a:pt x="2087918" y="524637"/>
+                </a:cubicBezTo>
+                <a:cubicBezTo>
+                  <a:pt x="2080374" y="515950"/>
+                  <a:pt x="2076602" y="499605"/>
+                  <a:pt x="2076602" y="475602"/>
+                </a:cubicBezTo>
+                <a:cubicBezTo>
+                  <a:pt x="2076602" y="451599"/>
+                  <a:pt x="2080488" y="435368"/>
+                  <a:pt x="2088261" y="426910"/>
+                </a:cubicBezTo>
+                <a:cubicBezTo>
+                  <a:pt x="2096033" y="418452"/>
+                  <a:pt x="2110663" y="414223"/>
+                  <a:pt x="2132152" y="414223"/>
+                </a:cubicBezTo>
+                <a:lnTo>
+                  <a:pt x="2150668" y="414223"/>
+                </a:lnTo>
+                <a:cubicBezTo>
+                  <a:pt x="2153869" y="414223"/>
+                  <a:pt x="2156269" y="413766"/>
+                  <a:pt x="2157869" y="412851"/>
+                </a:cubicBezTo>
+                <a:cubicBezTo>
+                  <a:pt x="2159470" y="411937"/>
+                  <a:pt x="2160270" y="409879"/>
+                  <a:pt x="2160270" y="406679"/>
+                </a:cubicBezTo>
+                <a:lnTo>
+                  <a:pt x="2160270" y="350443"/>
+                </a:lnTo>
+                <a:cubicBezTo>
+                  <a:pt x="2160270" y="340842"/>
+                  <a:pt x="2161070" y="334556"/>
+                  <a:pt x="2162670" y="331584"/>
+                </a:cubicBezTo>
+                <a:cubicBezTo>
+                  <a:pt x="2164270" y="328612"/>
+                  <a:pt x="2170099" y="325297"/>
+                  <a:pt x="2180158" y="321640"/>
+                </a:cubicBezTo>
+                <a:cubicBezTo>
+                  <a:pt x="2190216" y="317982"/>
+                  <a:pt x="2200160" y="311010"/>
+                  <a:pt x="2209990" y="300723"/>
+                </a:cubicBezTo>
+                <a:cubicBezTo>
+                  <a:pt x="2219820" y="290436"/>
+                  <a:pt x="2229535" y="278091"/>
+                  <a:pt x="2239137" y="263690"/>
+                </a:cubicBezTo>
+                <a:cubicBezTo>
+                  <a:pt x="2248738" y="249288"/>
+                  <a:pt x="2255710" y="240830"/>
+                  <a:pt x="2260053" y="238315"/>
+                </a:cubicBezTo>
+                <a:cubicBezTo>
+                  <a:pt x="2264397" y="235800"/>
+                  <a:pt x="2270683" y="234543"/>
+                  <a:pt x="2278913" y="234543"/>
+                </a:cubicBezTo>
+                <a:lnTo>
+                  <a:pt x="2357094" y="234543"/>
+                </a:lnTo>
+                <a:cubicBezTo>
+                  <a:pt x="2362581" y="234543"/>
+                  <a:pt x="2365324" y="232486"/>
+                  <a:pt x="2365324" y="228371"/>
+                </a:cubicBezTo>
+                <a:lnTo>
+                  <a:pt x="2365324" y="183108"/>
+                </a:lnTo>
+                <a:cubicBezTo>
+                  <a:pt x="2365324" y="179451"/>
+                  <a:pt x="2364867" y="176936"/>
+                  <a:pt x="2363952" y="175564"/>
+                </a:cubicBezTo>
+                <a:cubicBezTo>
+                  <a:pt x="2363038" y="174193"/>
+                  <a:pt x="2360752" y="173507"/>
+                  <a:pt x="2357094" y="173507"/>
+                </a:cubicBezTo>
+                <a:lnTo>
+                  <a:pt x="2281656" y="173507"/>
+                </a:lnTo>
+                <a:cubicBezTo>
+                  <a:pt x="2273884" y="173507"/>
+                  <a:pt x="2268283" y="174879"/>
+                  <a:pt x="2264854" y="177622"/>
+                </a:cubicBezTo>
+                <a:cubicBezTo>
+                  <a:pt x="2261425" y="180365"/>
+                  <a:pt x="2257196" y="186766"/>
+                  <a:pt x="2252167" y="196824"/>
+                </a:cubicBezTo>
+                <a:cubicBezTo>
+                  <a:pt x="2238908" y="221513"/>
+                  <a:pt x="2222106" y="245973"/>
+                  <a:pt x="2201760" y="270205"/>
+                </a:cubicBezTo>
+                <a:cubicBezTo>
+                  <a:pt x="2181415" y="294436"/>
+                  <a:pt x="2163241" y="306552"/>
+                  <a:pt x="2147239" y="306552"/>
+                </a:cubicBezTo>
+                <a:cubicBezTo>
+                  <a:pt x="2131237" y="306552"/>
+                  <a:pt x="2114207" y="299694"/>
+                  <a:pt x="2096147" y="285978"/>
+                </a:cubicBezTo>
+                <a:cubicBezTo>
+                  <a:pt x="2078088" y="272262"/>
+                  <a:pt x="2069172" y="256946"/>
+                  <a:pt x="2069401" y="240030"/>
+                </a:cubicBezTo>
+                <a:cubicBezTo>
+                  <a:pt x="2069630" y="223113"/>
+                  <a:pt x="2078202" y="202082"/>
+                  <a:pt x="2095119" y="176936"/>
+                </a:cubicBezTo>
+                <a:cubicBezTo>
+                  <a:pt x="2119807" y="142189"/>
+                  <a:pt x="2142439" y="101041"/>
+                  <a:pt x="2163013" y="53492"/>
+                </a:cubicBezTo>
+                <a:cubicBezTo>
+                  <a:pt x="2171700" y="34290"/>
+                  <a:pt x="2180386" y="20916"/>
+                  <a:pt x="2189073" y="13373"/>
+                </a:cubicBezTo>
+                <a:cubicBezTo>
+                  <a:pt x="2197760" y="5829"/>
+                  <a:pt x="2208847" y="2057"/>
+                  <a:pt x="2222335" y="2057"/>
+                </a:cubicBezTo>
+                <a:close/>
+                <a:moveTo>
+                  <a:pt x="4267733" y="0"/>
+                </a:moveTo>
+                <a:cubicBezTo>
+                  <a:pt x="4278249" y="0"/>
+                  <a:pt x="4290593" y="2286"/>
+                  <a:pt x="4304766" y="6858"/>
+                </a:cubicBezTo>
+                <a:cubicBezTo>
+                  <a:pt x="4318940" y="11430"/>
+                  <a:pt x="4329798" y="16916"/>
+                  <a:pt x="4337342" y="23317"/>
+                </a:cubicBezTo>
+                <a:cubicBezTo>
+                  <a:pt x="4344886" y="29718"/>
+                  <a:pt x="4348657" y="40919"/>
+                  <a:pt x="4348657" y="56921"/>
+                </a:cubicBezTo>
+                <a:cubicBezTo>
+                  <a:pt x="4348657" y="66522"/>
+                  <a:pt x="4353572" y="71323"/>
+                  <a:pt x="4363402" y="71323"/>
+                </a:cubicBezTo>
+                <a:cubicBezTo>
+                  <a:pt x="4373232" y="71323"/>
+                  <a:pt x="4379290" y="69723"/>
+                  <a:pt x="4381576" y="66522"/>
+                </a:cubicBezTo>
+                <a:cubicBezTo>
+                  <a:pt x="4383862" y="63322"/>
+                  <a:pt x="4385005" y="54635"/>
+                  <a:pt x="4385005" y="40462"/>
+                </a:cubicBezTo>
+                <a:cubicBezTo>
+                  <a:pt x="4385005" y="26289"/>
+                  <a:pt x="4390377" y="16916"/>
+                  <a:pt x="4401121" y="12344"/>
+                </a:cubicBezTo>
+                <a:cubicBezTo>
+                  <a:pt x="4411865" y="7772"/>
+                  <a:pt x="4429010" y="5486"/>
+                  <a:pt x="4452556" y="5486"/>
+                </a:cubicBezTo>
+                <a:cubicBezTo>
+                  <a:pt x="4476102" y="5486"/>
+                  <a:pt x="4492561" y="7886"/>
+                  <a:pt x="4501934" y="12687"/>
+                </a:cubicBezTo>
+                <a:cubicBezTo>
+                  <a:pt x="4511306" y="17487"/>
+                  <a:pt x="4515992" y="26746"/>
+                  <a:pt x="4515992" y="40462"/>
+                </a:cubicBezTo>
+                <a:cubicBezTo>
+                  <a:pt x="4515992" y="54178"/>
+                  <a:pt x="4517136" y="62750"/>
+                  <a:pt x="4519422" y="66179"/>
+                </a:cubicBezTo>
+                <a:cubicBezTo>
+                  <a:pt x="4521708" y="69608"/>
+                  <a:pt x="4526736" y="71323"/>
+                  <a:pt x="4534509" y="71323"/>
+                </a:cubicBezTo>
+                <a:lnTo>
+                  <a:pt x="4664125" y="71323"/>
+                </a:lnTo>
+                <a:cubicBezTo>
+                  <a:pt x="4704358" y="71323"/>
+                  <a:pt x="4724476" y="91554"/>
+                  <a:pt x="4724476" y="132016"/>
+                </a:cubicBezTo>
+                <a:cubicBezTo>
+                  <a:pt x="4724476" y="172478"/>
+                  <a:pt x="4704358" y="192709"/>
+                  <a:pt x="4664125" y="192709"/>
+                </a:cubicBezTo>
+                <a:lnTo>
+                  <a:pt x="4527651" y="192709"/>
+                </a:lnTo>
+                <a:cubicBezTo>
+                  <a:pt x="4522164" y="192709"/>
+                  <a:pt x="4518507" y="193738"/>
+                  <a:pt x="4516678" y="195795"/>
+                </a:cubicBezTo>
+                <a:cubicBezTo>
+                  <a:pt x="4514850" y="197853"/>
+                  <a:pt x="4513935" y="203454"/>
+                  <a:pt x="4513935" y="212598"/>
+                </a:cubicBezTo>
+                <a:cubicBezTo>
+                  <a:pt x="4513935" y="221742"/>
+                  <a:pt x="4518507" y="226314"/>
+                  <a:pt x="4527651" y="226314"/>
+                </a:cubicBezTo>
+                <a:lnTo>
+                  <a:pt x="4701844" y="226314"/>
+                </a:lnTo>
+                <a:cubicBezTo>
+                  <a:pt x="4735220" y="226314"/>
+                  <a:pt x="4751908" y="244259"/>
+                  <a:pt x="4751908" y="280149"/>
+                </a:cubicBezTo>
+                <a:cubicBezTo>
+                  <a:pt x="4751908" y="316039"/>
+                  <a:pt x="4735220" y="333984"/>
+                  <a:pt x="4701844" y="333984"/>
+                </a:cubicBezTo>
+                <a:lnTo>
+                  <a:pt x="4165549" y="333984"/>
+                </a:lnTo>
+                <a:cubicBezTo>
+                  <a:pt x="4131716" y="333984"/>
+                  <a:pt x="4114800" y="316153"/>
+                  <a:pt x="4114800" y="280492"/>
+                </a:cubicBezTo>
+                <a:cubicBezTo>
+                  <a:pt x="4114800" y="261747"/>
+                  <a:pt x="4119143" y="252374"/>
+                  <a:pt x="4127830" y="252374"/>
+                </a:cubicBezTo>
+                <a:cubicBezTo>
+                  <a:pt x="4130116" y="252374"/>
+                  <a:pt x="4132402" y="253060"/>
+                  <a:pt x="4134688" y="254431"/>
+                </a:cubicBezTo>
+                <a:cubicBezTo>
+                  <a:pt x="4162577" y="270891"/>
+                  <a:pt x="4187495" y="279120"/>
+                  <a:pt x="4209440" y="279120"/>
+                </a:cubicBezTo>
+                <a:cubicBezTo>
+                  <a:pt x="4238244" y="279120"/>
+                  <a:pt x="4264761" y="265633"/>
+                  <a:pt x="4288993" y="238658"/>
+                </a:cubicBezTo>
+                <a:cubicBezTo>
+                  <a:pt x="4294022" y="233172"/>
+                  <a:pt x="4297679" y="229743"/>
+                  <a:pt x="4299966" y="228371"/>
+                </a:cubicBezTo>
+                <a:cubicBezTo>
+                  <a:pt x="4302252" y="226999"/>
+                  <a:pt x="4305909" y="226314"/>
+                  <a:pt x="4310939" y="226314"/>
+                </a:cubicBezTo>
+                <a:lnTo>
+                  <a:pt x="4369917" y="226314"/>
+                </a:lnTo>
+                <a:cubicBezTo>
+                  <a:pt x="4375861" y="226314"/>
+                  <a:pt x="4379861" y="225285"/>
+                  <a:pt x="4381919" y="223227"/>
+                </a:cubicBezTo>
+                <a:cubicBezTo>
+                  <a:pt x="4383976" y="221170"/>
+                  <a:pt x="4385005" y="216712"/>
+                  <a:pt x="4385005" y="209854"/>
+                </a:cubicBezTo>
+                <a:cubicBezTo>
+                  <a:pt x="4385005" y="202996"/>
+                  <a:pt x="4383862" y="198424"/>
+                  <a:pt x="4381576" y="196138"/>
+                </a:cubicBezTo>
+                <a:cubicBezTo>
+                  <a:pt x="4379290" y="193852"/>
+                  <a:pt x="4375175" y="192709"/>
+                  <a:pt x="4369231" y="192709"/>
+                </a:cubicBezTo>
+                <a:lnTo>
+                  <a:pt x="4299280" y="192709"/>
+                </a:lnTo>
+                <a:cubicBezTo>
+                  <a:pt x="4291507" y="192709"/>
+                  <a:pt x="4286364" y="193167"/>
+                  <a:pt x="4283849" y="194081"/>
+                </a:cubicBezTo>
+                <a:cubicBezTo>
+                  <a:pt x="4281335" y="194995"/>
+                  <a:pt x="4278935" y="197510"/>
+                  <a:pt x="4276648" y="201625"/>
+                </a:cubicBezTo>
+                <a:cubicBezTo>
+                  <a:pt x="4258818" y="231800"/>
+                  <a:pt x="4235729" y="246888"/>
+                  <a:pt x="4207383" y="246888"/>
+                </a:cubicBezTo>
+                <a:cubicBezTo>
+                  <a:pt x="4189095" y="246888"/>
+                  <a:pt x="4170921" y="240830"/>
+                  <a:pt x="4152862" y="228714"/>
+                </a:cubicBezTo>
+                <a:cubicBezTo>
+                  <a:pt x="4134802" y="216598"/>
+                  <a:pt x="4125773" y="202311"/>
+                  <a:pt x="4125773" y="185851"/>
+                </a:cubicBezTo>
+                <a:cubicBezTo>
+                  <a:pt x="4125773" y="175793"/>
+                  <a:pt x="4129659" y="165277"/>
+                  <a:pt x="4137431" y="154305"/>
+                </a:cubicBezTo>
+                <a:cubicBezTo>
+                  <a:pt x="4162120" y="120015"/>
+                  <a:pt x="4184523" y="82981"/>
+                  <a:pt x="4204640" y="43205"/>
+                </a:cubicBezTo>
+                <a:cubicBezTo>
+                  <a:pt x="4220184" y="14401"/>
+                  <a:pt x="4241216" y="0"/>
+                  <a:pt x="4267733" y="0"/>
+                </a:cubicBezTo>
+                <a:close/>
+              </a:path>
+            </a:pathLst>
+          </a:custGeom>
+        </p:spPr>
+      </p:pic>
+      <p:sp>
+        <p:nvSpPr>
+          <p:cNvPr id="6" name="文本框 5"/>
+          <p:cNvSpPr txBox="1"/>
+          <p:nvPr/>
+        </p:nvSpPr>
+        <p:spPr>
+          <a:xfrm>
+            <a:off x="186813" y="137652"/>
+            <a:ext cx="3441290" cy="369332"/>
+          </a:xfrm>
+          <a:prstGeom prst="rect">
+            <a:avLst/>
+          </a:prstGeom>
+          <a:noFill/>
+        </p:spPr>
+        <p:txBody>
+          <a:bodyPr wrap="square" rtlCol="0">
+            <a:spAutoFit/>
+          </a:bodyPr>
+          <a:lstStyle/>
+          <a:p>
+            <a:r>
+              <a:rPr lang="zh-CN" altLang="en-US" dirty="0" smtClean="0">
+                <a:latin typeface="思源宋体 CN" panose="02020400000000000000" pitchFamily="18" charset="-122"/>
+                <a:ea typeface="思源宋体 CN" panose="02020400000000000000" pitchFamily="18" charset="-122"/>
+              </a:rPr>
+              <a:t>鎏金字 </a:t>
+            </a:r>
+            <a:r>
+              <a:rPr lang="en-US" altLang="zh-CN" dirty="0" smtClean="0">
+                <a:latin typeface="思源宋体 CN" panose="02020400000000000000" pitchFamily="18" charset="-122"/>
+                <a:ea typeface="思源宋体 CN" panose="02020400000000000000" pitchFamily="18" charset="-122"/>
+              </a:rPr>
+              <a:t>– 3 </a:t>
+            </a:r>
+            <a:r>
+              <a:rPr lang="zh-CN" altLang="en-US" dirty="0" smtClean="0">
+                <a:latin typeface="思源宋体 CN" panose="02020400000000000000" pitchFamily="18" charset="-122"/>
+                <a:ea typeface="思源宋体 CN" panose="02020400000000000000" pitchFamily="18" charset="-122"/>
+              </a:rPr>
+              <a:t>相交后结果</a:t>
+            </a:r>
+            <a:endParaRPr lang="en-US" altLang="zh-CN" dirty="0" smtClean="0">
+              <a:latin typeface="思源宋体 CN" panose="02020400000000000000" pitchFamily="18" charset="-122"/>
+              <a:ea typeface="思源宋体 CN" panose="02020400000000000000" pitchFamily="18" charset="-122"/>
+            </a:endParaRPr>
+          </a:p>
+        </p:txBody>
+      </p:sp>
+    </p:spTree>
+    <p:extLst>
+      <p:ext uri="{BB962C8B-B14F-4D97-AF65-F5344CB8AC3E}">
+        <p14:creationId xmlns:p14="http://schemas.microsoft.com/office/powerpoint/2010/main" val="396976205"/>
+      </p:ext>
+    </p:extLst>
+  </p:cSld>
+  <p:clrMapOvr>
+    <a:masterClrMapping/>
+  </p:clrMapOvr>
+</p:sld>
+</file>
+
+<file path=ppt/slides/slide14.xml><?xml version="1.0" encoding="utf-8"?>
+<p:sld xmlns:a="http://schemas.openxmlformats.org/drawingml/2006/main" xmlns:r="http://schemas.openxmlformats.org/officeDocument/2006/relationships" xmlns:p="http://schemas.openxmlformats.org/presentationml/2006/main">
+  <p:cSld>
+    <p:spTree>
+      <p:nvGrpSpPr>
+        <p:cNvPr id="1" name=""/>
+        <p:cNvGrpSpPr/>
+        <p:nvPr/>
+      </p:nvGrpSpPr>
+      <p:grpSpPr>
+        <a:xfrm>
+          <a:off x="0" y="0"/>
+          <a:ext cx="0" cy="0"/>
+          <a:chOff x="0" y="0"/>
+          <a:chExt cx="0" cy="0"/>
+        </a:xfrm>
+      </p:grpSpPr>
       <p:pic>
         <p:nvPicPr>
           <p:cNvPr id="6" name="图片 5"/>
@@ -10205,6 +13608,1772 @@
       </p:par>
     </p:tnLst>
   </p:timing>
+</p:sld>
+</file>
+
+<file path=ppt/slides/slide15.xml><?xml version="1.0" encoding="utf-8"?>
+<p:sld xmlns:a="http://schemas.openxmlformats.org/drawingml/2006/main" xmlns:r="http://schemas.openxmlformats.org/officeDocument/2006/relationships" xmlns:p="http://schemas.openxmlformats.org/presentationml/2006/main">
+  <p:cSld>
+    <p:bg>
+      <p:bgPr>
+        <a:solidFill>
+          <a:schemeClr val="bg1"/>
+        </a:solidFill>
+        <a:effectLst/>
+      </p:bgPr>
+    </p:bg>
+    <p:spTree>
+      <p:nvGrpSpPr>
+        <p:cNvPr id="1" name=""/>
+        <p:cNvGrpSpPr/>
+        <p:nvPr/>
+      </p:nvGrpSpPr>
+      <p:grpSpPr>
+        <a:xfrm>
+          <a:off x="0" y="0"/>
+          <a:ext cx="0" cy="0"/>
+          <a:chOff x="0" y="0"/>
+          <a:chExt cx="0" cy="0"/>
+        </a:xfrm>
+      </p:grpSpPr>
+      <p:sp>
+        <p:nvSpPr>
+          <p:cNvPr id="4" name="椭圆 3"/>
+          <p:cNvSpPr/>
+          <p:nvPr/>
+        </p:nvSpPr>
+        <p:spPr>
+          <a:xfrm>
+            <a:off x="4630994" y="2064774"/>
+            <a:ext cx="1779638" cy="1759974"/>
+          </a:xfrm>
+          <a:prstGeom prst="ellipse">
+            <a:avLst/>
+          </a:prstGeom>
+          <a:solidFill>
+            <a:srgbClr val="01CED9"/>
+          </a:solidFill>
+        </p:spPr>
+        <p:style>
+          <a:lnRef idx="2">
+            <a:schemeClr val="accent1">
+              <a:shade val="50000"/>
+            </a:schemeClr>
+          </a:lnRef>
+          <a:fillRef idx="1">
+            <a:schemeClr val="accent1"/>
+          </a:fillRef>
+          <a:effectRef idx="0">
+            <a:schemeClr val="accent1"/>
+          </a:effectRef>
+          <a:fontRef idx="minor">
+            <a:schemeClr val="lt1"/>
+          </a:fontRef>
+        </p:style>
+        <p:txBody>
+          <a:bodyPr rtlCol="0" anchor="ctr"/>
+          <a:lstStyle/>
+          <a:p>
+            <a:pPr algn="ctr"/>
+            <a:r>
+              <a:rPr lang="zh-CN" altLang="en-US" b="1" dirty="0" smtClean="0"/>
+              <a:t>应用</a:t>
+            </a:r>
+            <a:endParaRPr lang="en-US" altLang="zh-CN" b="1" dirty="0" smtClean="0"/>
+          </a:p>
+          <a:p>
+            <a:pPr algn="ctr"/>
+            <a:r>
+              <a:rPr lang="zh-CN" altLang="en-US" b="1" dirty="0" smtClean="0"/>
+              <a:t>协议</a:t>
+            </a:r>
+            <a:endParaRPr lang="zh-CN" altLang="en-US" b="1" dirty="0"/>
+          </a:p>
+        </p:txBody>
+      </p:sp>
+      <p:pic>
+        <p:nvPicPr>
+          <p:cNvPr id="5" name="图片 4"/>
+          <p:cNvPicPr>
+            <a:picLocks noChangeAspect="1"/>
+          </p:cNvPicPr>
+          <p:nvPr/>
+        </p:nvPicPr>
+        <p:blipFill>
+          <a:blip r:embed="rId2">
+            <a:extLst>
+              <a:ext uri="{28A0092B-C50C-407E-A947-70E740481C1C}">
+                <a14:useLocalDpi xmlns:a14="http://schemas.microsoft.com/office/drawing/2010/main" val="0"/>
+              </a:ext>
+            </a:extLst>
+          </a:blip>
+          <a:stretch>
+            <a:fillRect/>
+          </a:stretch>
+        </p:blipFill>
+        <p:spPr>
+          <a:xfrm>
+            <a:off x="1905000" y="3967162"/>
+            <a:ext cx="10287000" cy="5781675"/>
+          </a:xfrm>
+          <a:prstGeom prst="rect">
+            <a:avLst/>
+          </a:prstGeom>
+        </p:spPr>
+      </p:pic>
+      <p:sp>
+        <p:nvSpPr>
+          <p:cNvPr id="7" name="椭圆 6">
+            <a:extLst>
+              <a:ext uri="{FF2B5EF4-FFF2-40B4-BE49-F238E27FC236}">
+                <a16:creationId xmlns:a16="http://schemas.microsoft.com/office/drawing/2014/main" id="{0848E30A-499F-4B1D-A699-8DA2E81AE2E2}"/>
+              </a:ext>
+            </a:extLst>
+          </p:cNvPr>
+          <p:cNvSpPr/>
+          <p:nvPr/>
+        </p:nvSpPr>
+        <p:spPr>
+          <a:xfrm>
+            <a:off x="7711755" y="1974946"/>
+            <a:ext cx="1372740" cy="1372740"/>
+          </a:xfrm>
+          <a:prstGeom prst="ellipse">
+            <a:avLst/>
+          </a:prstGeom>
+          <a:solidFill>
+            <a:schemeClr val="tx1"/>
+          </a:solidFill>
+          <a:ln w="12700" cap="flat" cmpd="sng" algn="ctr">
+            <a:noFill/>
+            <a:prstDash val="solid"/>
+            <a:miter lim="800000"/>
+          </a:ln>
+          <a:effectLst/>
+          <a:extLst>
+            <a:ext uri="{91240B29-F687-4F45-9708-019B960494DF}">
+              <a14:hiddenLine xmlns:a14="http://schemas.microsoft.com/office/drawing/2010/main" w="0" cap="flat" cmpd="sng" algn="ctr">
+                <a:solidFill>
+                  <a:schemeClr val="accent1">
+                    <a:shade val="50000"/>
+                  </a:schemeClr>
+                </a:solidFill>
+                <a:prstDash val="solid"/>
+                <a:miter lim="800000"/>
+              </a14:hiddenLine>
+            </a:ext>
+          </a:extLst>
+        </p:spPr>
+        <p:style>
+          <a:lnRef idx="2">
+            <a:schemeClr val="accent1">
+              <a:shade val="50000"/>
+            </a:schemeClr>
+          </a:lnRef>
+          <a:fillRef idx="1">
+            <a:schemeClr val="accent1"/>
+          </a:fillRef>
+          <a:effectRef idx="0">
+            <a:schemeClr val="accent1"/>
+          </a:effectRef>
+          <a:fontRef idx="minor">
+            <a:schemeClr val="lt1"/>
+          </a:fontRef>
+        </p:style>
+        <p:txBody>
+          <a:bodyPr rtlCol="0" anchor="ctr"/>
+          <a:lstStyle/>
+          <a:p>
+            <a:pPr algn="ctr"/>
+            <a:endParaRPr lang="zh-CN" altLang="en-US"/>
+          </a:p>
+        </p:txBody>
+      </p:sp>
+      <p:sp>
+        <p:nvSpPr>
+          <p:cNvPr id="12" name="椭圆 11">
+            <a:extLst>
+              <a:ext uri="{FF2B5EF4-FFF2-40B4-BE49-F238E27FC236}">
+                <a16:creationId xmlns:a16="http://schemas.microsoft.com/office/drawing/2014/main" id="{25A7EBDE-2773-4806-ADA0-79C414563D41}"/>
+              </a:ext>
+            </a:extLst>
+          </p:cNvPr>
+          <p:cNvSpPr/>
+          <p:nvPr/>
+        </p:nvSpPr>
+        <p:spPr>
+          <a:xfrm>
+            <a:off x="9906315" y="346508"/>
+            <a:ext cx="1372740" cy="1372740"/>
+          </a:xfrm>
+          <a:prstGeom prst="ellipse">
+            <a:avLst/>
+          </a:prstGeom>
+          <a:gradFill flip="none" rotWithShape="1">
+            <a:gsLst>
+              <a:gs pos="41000">
+                <a:schemeClr val="tx1">
+                  <a:alpha val="0"/>
+                </a:schemeClr>
+              </a:gs>
+              <a:gs pos="80000">
+                <a:srgbClr val="37DDF1"/>
+              </a:gs>
+            </a:gsLst>
+            <a:path path="circle">
+              <a:fillToRect l="50000" t="50000" r="50000" b="50000"/>
+            </a:path>
+            <a:tileRect/>
+          </a:gradFill>
+          <a:ln w="9525">
+            <a:noFill/>
+          </a:ln>
+        </p:spPr>
+        <p:style>
+          <a:lnRef idx="2">
+            <a:schemeClr val="accent1">
+              <a:shade val="50000"/>
+            </a:schemeClr>
+          </a:lnRef>
+          <a:fillRef idx="1">
+            <a:schemeClr val="accent1"/>
+          </a:fillRef>
+          <a:effectRef idx="0">
+            <a:schemeClr val="accent1"/>
+          </a:effectRef>
+          <a:fontRef idx="minor">
+            <a:schemeClr val="lt1"/>
+          </a:fontRef>
+        </p:style>
+        <p:txBody>
+          <a:bodyPr rtlCol="0" anchor="ctr"/>
+          <a:lstStyle/>
+          <a:p>
+            <a:pPr algn="ctr"/>
+            <a:endParaRPr lang="zh-CN" altLang="en-US"/>
+          </a:p>
+        </p:txBody>
+      </p:sp>
+      <p:sp>
+        <p:nvSpPr>
+          <p:cNvPr id="13" name="椭圆 12">
+            <a:extLst>
+              <a:ext uri="{FF2B5EF4-FFF2-40B4-BE49-F238E27FC236}">
+                <a16:creationId xmlns:a16="http://schemas.microsoft.com/office/drawing/2014/main" id="{C5C1F4D5-9915-408B-AD17-DB6733D85DF4}"/>
+              </a:ext>
+            </a:extLst>
+          </p:cNvPr>
+          <p:cNvSpPr/>
+          <p:nvPr/>
+        </p:nvSpPr>
+        <p:spPr>
+          <a:xfrm>
+            <a:off x="8169298" y="416237"/>
+            <a:ext cx="1372740" cy="1372740"/>
+          </a:xfrm>
+          <a:prstGeom prst="ellipse">
+            <a:avLst/>
+          </a:prstGeom>
+          <a:gradFill flip="none" rotWithShape="1">
+            <a:gsLst>
+              <a:gs pos="55000">
+                <a:schemeClr val="tx1">
+                  <a:alpha val="0"/>
+                </a:schemeClr>
+              </a:gs>
+              <a:gs pos="87000">
+                <a:srgbClr val="37DDF1"/>
+              </a:gs>
+            </a:gsLst>
+            <a:path path="circle">
+              <a:fillToRect t="100000" r="100000"/>
+            </a:path>
+            <a:tileRect l="-100000" b="-100000"/>
+          </a:gradFill>
+          <a:ln w="9525">
+            <a:noFill/>
+          </a:ln>
+        </p:spPr>
+        <p:style>
+          <a:lnRef idx="2">
+            <a:schemeClr val="accent1">
+              <a:shade val="50000"/>
+            </a:schemeClr>
+          </a:lnRef>
+          <a:fillRef idx="1">
+            <a:schemeClr val="accent1"/>
+          </a:fillRef>
+          <a:effectRef idx="0">
+            <a:schemeClr val="accent1"/>
+          </a:effectRef>
+          <a:fontRef idx="minor">
+            <a:schemeClr val="lt1"/>
+          </a:fontRef>
+        </p:style>
+        <p:txBody>
+          <a:bodyPr rtlCol="0" anchor="ctr"/>
+          <a:lstStyle/>
+          <a:p>
+            <a:pPr algn="ctr"/>
+            <a:endParaRPr lang="zh-CN" altLang="en-US"/>
+          </a:p>
+        </p:txBody>
+      </p:sp>
+      <p:sp>
+        <p:nvSpPr>
+          <p:cNvPr id="14" name="椭圆 13">
+            <a:extLst>
+              <a:ext uri="{FF2B5EF4-FFF2-40B4-BE49-F238E27FC236}">
+                <a16:creationId xmlns:a16="http://schemas.microsoft.com/office/drawing/2014/main" id="{7EA296B3-1867-4D1D-9320-771DDE7FC2A8}"/>
+              </a:ext>
+            </a:extLst>
+          </p:cNvPr>
+          <p:cNvSpPr/>
+          <p:nvPr/>
+        </p:nvSpPr>
+        <p:spPr>
+          <a:xfrm>
+            <a:off x="10016240" y="2059233"/>
+            <a:ext cx="1372740" cy="1372740"/>
+          </a:xfrm>
+          <a:prstGeom prst="ellipse">
+            <a:avLst/>
+          </a:prstGeom>
+          <a:gradFill flip="none" rotWithShape="1">
+            <a:gsLst>
+              <a:gs pos="53000">
+                <a:schemeClr val="tx1">
+                  <a:alpha val="0"/>
+                </a:schemeClr>
+              </a:gs>
+              <a:gs pos="88000">
+                <a:srgbClr val="FE199B"/>
+              </a:gs>
+            </a:gsLst>
+            <a:path path="circle">
+              <a:fillToRect l="100000" b="100000"/>
+            </a:path>
+            <a:tileRect t="-100000" r="-100000"/>
+          </a:gradFill>
+          <a:ln w="9525">
+            <a:noFill/>
+          </a:ln>
+        </p:spPr>
+        <p:style>
+          <a:lnRef idx="2">
+            <a:schemeClr val="accent1">
+              <a:shade val="50000"/>
+            </a:schemeClr>
+          </a:lnRef>
+          <a:fillRef idx="1">
+            <a:schemeClr val="accent1"/>
+          </a:fillRef>
+          <a:effectRef idx="0">
+            <a:schemeClr val="accent1"/>
+          </a:effectRef>
+          <a:fontRef idx="minor">
+            <a:schemeClr val="lt1"/>
+          </a:fontRef>
+        </p:style>
+        <p:txBody>
+          <a:bodyPr rtlCol="0" anchor="ctr"/>
+          <a:lstStyle/>
+          <a:p>
+            <a:pPr algn="ctr"/>
+            <a:endParaRPr lang="zh-CN" altLang="en-US"/>
+          </a:p>
+        </p:txBody>
+      </p:sp>
+      <p:grpSp>
+        <p:nvGrpSpPr>
+          <p:cNvPr id="15" name="组合 14">
+            <a:extLst>
+              <a:ext uri="{FF2B5EF4-FFF2-40B4-BE49-F238E27FC236}">
+                <a16:creationId xmlns:a16="http://schemas.microsoft.com/office/drawing/2014/main" id="{B51DB6DB-CACD-4042-B213-B94464B30A52}"/>
+              </a:ext>
+            </a:extLst>
+          </p:cNvPr>
+          <p:cNvGrpSpPr/>
+          <p:nvPr/>
+        </p:nvGrpSpPr>
+        <p:grpSpPr>
+          <a:xfrm>
+            <a:off x="2373412" y="871645"/>
+            <a:ext cx="1372740" cy="1372740"/>
+            <a:chOff x="5557113" y="1432842"/>
+            <a:chExt cx="1372740" cy="1372740"/>
+          </a:xfrm>
+        </p:grpSpPr>
+        <p:sp>
+          <p:nvSpPr>
+            <p:cNvPr id="16" name="椭圆 15">
+              <a:extLst>
+                <a:ext uri="{FF2B5EF4-FFF2-40B4-BE49-F238E27FC236}">
+                  <a16:creationId xmlns:a16="http://schemas.microsoft.com/office/drawing/2014/main" id="{0848E30A-499F-4B1D-A699-8DA2E81AE2E2}"/>
+                </a:ext>
+              </a:extLst>
+            </p:cNvPr>
+            <p:cNvSpPr/>
+            <p:nvPr/>
+          </p:nvSpPr>
+          <p:spPr>
+            <a:xfrm>
+              <a:off x="5557113" y="1432842"/>
+              <a:ext cx="1372740" cy="1372740"/>
+            </a:xfrm>
+            <a:prstGeom prst="ellipse">
+              <a:avLst/>
+            </a:prstGeom>
+            <a:solidFill>
+              <a:schemeClr val="tx1"/>
+            </a:solidFill>
+            <a:ln w="12700" cap="flat" cmpd="sng" algn="ctr">
+              <a:noFill/>
+              <a:prstDash val="solid"/>
+              <a:miter lim="800000"/>
+            </a:ln>
+            <a:effectLst/>
+            <a:extLst>
+              <a:ext uri="{91240B29-F687-4F45-9708-019B960494DF}">
+                <a14:hiddenLine xmlns:a14="http://schemas.microsoft.com/office/drawing/2010/main" w="0" cap="flat" cmpd="sng" algn="ctr">
+                  <a:solidFill>
+                    <a:schemeClr val="accent1">
+                      <a:shade val="50000"/>
+                    </a:schemeClr>
+                  </a:solidFill>
+                  <a:prstDash val="solid"/>
+                  <a:miter lim="800000"/>
+                </a14:hiddenLine>
+              </a:ext>
+            </a:extLst>
+          </p:spPr>
+          <p:style>
+            <a:lnRef idx="2">
+              <a:schemeClr val="accent1">
+                <a:shade val="50000"/>
+              </a:schemeClr>
+            </a:lnRef>
+            <a:fillRef idx="1">
+              <a:schemeClr val="accent1"/>
+            </a:fillRef>
+            <a:effectRef idx="0">
+              <a:schemeClr val="accent1"/>
+            </a:effectRef>
+            <a:fontRef idx="minor">
+              <a:schemeClr val="lt1"/>
+            </a:fontRef>
+          </p:style>
+          <p:txBody>
+            <a:bodyPr rtlCol="0" anchor="ctr"/>
+            <a:lstStyle/>
+            <a:p>
+              <a:pPr algn="ctr"/>
+              <a:endParaRPr lang="zh-CN" altLang="en-US"/>
+            </a:p>
+          </p:txBody>
+        </p:sp>
+        <p:grpSp>
+          <p:nvGrpSpPr>
+            <p:cNvPr id="17" name="组合 16">
+              <a:extLst>
+                <a:ext uri="{FF2B5EF4-FFF2-40B4-BE49-F238E27FC236}">
+                  <a16:creationId xmlns:a16="http://schemas.microsoft.com/office/drawing/2014/main" id="{9962A578-F30F-4C8B-B85D-1805CEDAA383}"/>
+                </a:ext>
+              </a:extLst>
+            </p:cNvPr>
+            <p:cNvGrpSpPr/>
+            <p:nvPr/>
+          </p:nvGrpSpPr>
+          <p:grpSpPr>
+            <a:xfrm>
+              <a:off x="5557113" y="1432842"/>
+              <a:ext cx="1372740" cy="1372740"/>
+              <a:chOff x="5557113" y="1432842"/>
+              <a:chExt cx="1372740" cy="1372740"/>
+            </a:xfrm>
+          </p:grpSpPr>
+          <p:grpSp>
+            <p:nvGrpSpPr>
+              <p:cNvPr id="18" name="组合 17">
+                <a:extLst>
+                  <a:ext uri="{FF2B5EF4-FFF2-40B4-BE49-F238E27FC236}">
+                    <a16:creationId xmlns:a16="http://schemas.microsoft.com/office/drawing/2014/main" id="{F2434792-6112-462C-A7D3-E8E3724B4C31}"/>
+                  </a:ext>
+                </a:extLst>
+              </p:cNvPr>
+              <p:cNvGrpSpPr/>
+              <p:nvPr/>
+            </p:nvGrpSpPr>
+            <p:grpSpPr>
+              <a:xfrm>
+                <a:off x="5557113" y="1432842"/>
+                <a:ext cx="1372740" cy="1372740"/>
+                <a:chOff x="-7920860" y="8498135"/>
+                <a:chExt cx="2531444" cy="2531444"/>
+              </a:xfrm>
+            </p:grpSpPr>
+            <p:sp>
+              <p:nvSpPr>
+                <p:cNvPr id="21" name="椭圆 20">
+                  <a:extLst>
+                    <a:ext uri="{FF2B5EF4-FFF2-40B4-BE49-F238E27FC236}">
+                      <a16:creationId xmlns:a16="http://schemas.microsoft.com/office/drawing/2014/main" id="{25A7EBDE-2773-4806-ADA0-79C414563D41}"/>
+                    </a:ext>
+                  </a:extLst>
+                </p:cNvPr>
+                <p:cNvSpPr/>
+                <p:nvPr/>
+              </p:nvSpPr>
+              <p:spPr>
+                <a:xfrm>
+                  <a:off x="-7920860" y="8498135"/>
+                  <a:ext cx="2531444" cy="2531444"/>
+                </a:xfrm>
+                <a:prstGeom prst="ellipse">
+                  <a:avLst/>
+                </a:prstGeom>
+                <a:gradFill flip="none" rotWithShape="1">
+                  <a:gsLst>
+                    <a:gs pos="41000">
+                      <a:schemeClr val="tx1">
+                        <a:alpha val="0"/>
+                      </a:schemeClr>
+                    </a:gs>
+                    <a:gs pos="80000">
+                      <a:srgbClr val="37DDF1"/>
+                    </a:gs>
+                  </a:gsLst>
+                  <a:path path="circle">
+                    <a:fillToRect l="50000" t="50000" r="50000" b="50000"/>
+                  </a:path>
+                  <a:tileRect/>
+                </a:gradFill>
+                <a:ln w="9525">
+                  <a:noFill/>
+                </a:ln>
+              </p:spPr>
+              <p:style>
+                <a:lnRef idx="2">
+                  <a:schemeClr val="accent1">
+                    <a:shade val="50000"/>
+                  </a:schemeClr>
+                </a:lnRef>
+                <a:fillRef idx="1">
+                  <a:schemeClr val="accent1"/>
+                </a:fillRef>
+                <a:effectRef idx="0">
+                  <a:schemeClr val="accent1"/>
+                </a:effectRef>
+                <a:fontRef idx="minor">
+                  <a:schemeClr val="lt1"/>
+                </a:fontRef>
+              </p:style>
+              <p:txBody>
+                <a:bodyPr rtlCol="0" anchor="ctr"/>
+                <a:lstStyle/>
+                <a:p>
+                  <a:pPr algn="ctr"/>
+                  <a:endParaRPr lang="zh-CN" altLang="en-US"/>
+                </a:p>
+              </p:txBody>
+            </p:sp>
+            <p:sp>
+              <p:nvSpPr>
+                <p:cNvPr id="22" name="椭圆 21">
+                  <a:extLst>
+                    <a:ext uri="{FF2B5EF4-FFF2-40B4-BE49-F238E27FC236}">
+                      <a16:creationId xmlns:a16="http://schemas.microsoft.com/office/drawing/2014/main" id="{C5C1F4D5-9915-408B-AD17-DB6733D85DF4}"/>
+                    </a:ext>
+                  </a:extLst>
+                </p:cNvPr>
+                <p:cNvSpPr/>
+                <p:nvPr/>
+              </p:nvSpPr>
+              <p:spPr>
+                <a:xfrm>
+                  <a:off x="-7920860" y="8498135"/>
+                  <a:ext cx="2531444" cy="2531444"/>
+                </a:xfrm>
+                <a:prstGeom prst="ellipse">
+                  <a:avLst/>
+                </a:prstGeom>
+                <a:gradFill flip="none" rotWithShape="1">
+                  <a:gsLst>
+                    <a:gs pos="55000">
+                      <a:schemeClr val="tx1">
+                        <a:alpha val="0"/>
+                      </a:schemeClr>
+                    </a:gs>
+                    <a:gs pos="87000">
+                      <a:srgbClr val="37DDF1"/>
+                    </a:gs>
+                  </a:gsLst>
+                  <a:path path="circle">
+                    <a:fillToRect t="100000" r="100000"/>
+                  </a:path>
+                  <a:tileRect l="-100000" b="-100000"/>
+                </a:gradFill>
+                <a:ln w="9525">
+                  <a:noFill/>
+                </a:ln>
+              </p:spPr>
+              <p:style>
+                <a:lnRef idx="2">
+                  <a:schemeClr val="accent1">
+                    <a:shade val="50000"/>
+                  </a:schemeClr>
+                </a:lnRef>
+                <a:fillRef idx="1">
+                  <a:schemeClr val="accent1"/>
+                </a:fillRef>
+                <a:effectRef idx="0">
+                  <a:schemeClr val="accent1"/>
+                </a:effectRef>
+                <a:fontRef idx="minor">
+                  <a:schemeClr val="lt1"/>
+                </a:fontRef>
+              </p:style>
+              <p:txBody>
+                <a:bodyPr rtlCol="0" anchor="ctr"/>
+                <a:lstStyle/>
+                <a:p>
+                  <a:pPr algn="ctr"/>
+                  <a:endParaRPr lang="zh-CN" altLang="en-US"/>
+                </a:p>
+              </p:txBody>
+            </p:sp>
+            <p:sp>
+              <p:nvSpPr>
+                <p:cNvPr id="23" name="椭圆 22">
+                  <a:extLst>
+                    <a:ext uri="{FF2B5EF4-FFF2-40B4-BE49-F238E27FC236}">
+                      <a16:creationId xmlns:a16="http://schemas.microsoft.com/office/drawing/2014/main" id="{7EA296B3-1867-4D1D-9320-771DDE7FC2A8}"/>
+                    </a:ext>
+                  </a:extLst>
+                </p:cNvPr>
+                <p:cNvSpPr/>
+                <p:nvPr/>
+              </p:nvSpPr>
+              <p:spPr>
+                <a:xfrm>
+                  <a:off x="-7920860" y="8498135"/>
+                  <a:ext cx="2531444" cy="2531444"/>
+                </a:xfrm>
+                <a:prstGeom prst="ellipse">
+                  <a:avLst/>
+                </a:prstGeom>
+                <a:gradFill flip="none" rotWithShape="1">
+                  <a:gsLst>
+                    <a:gs pos="53000">
+                      <a:schemeClr val="tx1">
+                        <a:alpha val="0"/>
+                      </a:schemeClr>
+                    </a:gs>
+                    <a:gs pos="88000">
+                      <a:srgbClr val="FE199B"/>
+                    </a:gs>
+                  </a:gsLst>
+                  <a:path path="circle">
+                    <a:fillToRect l="100000" b="100000"/>
+                  </a:path>
+                  <a:tileRect t="-100000" r="-100000"/>
+                </a:gradFill>
+                <a:ln w="9525">
+                  <a:noFill/>
+                </a:ln>
+              </p:spPr>
+              <p:style>
+                <a:lnRef idx="2">
+                  <a:schemeClr val="accent1">
+                    <a:shade val="50000"/>
+                  </a:schemeClr>
+                </a:lnRef>
+                <a:fillRef idx="1">
+                  <a:schemeClr val="accent1"/>
+                </a:fillRef>
+                <a:effectRef idx="0">
+                  <a:schemeClr val="accent1"/>
+                </a:effectRef>
+                <a:fontRef idx="minor">
+                  <a:schemeClr val="lt1"/>
+                </a:fontRef>
+              </p:style>
+              <p:txBody>
+                <a:bodyPr rtlCol="0" anchor="ctr"/>
+                <a:lstStyle/>
+                <a:p>
+                  <a:pPr algn="ctr"/>
+                  <a:endParaRPr lang="zh-CN" altLang="en-US"/>
+                </a:p>
+              </p:txBody>
+            </p:sp>
+          </p:grpSp>
+          <p:sp>
+            <p:nvSpPr>
+              <p:cNvPr id="19" name="文本框 18">
+                <a:extLst>
+                  <a:ext uri="{FF2B5EF4-FFF2-40B4-BE49-F238E27FC236}">
+                    <a16:creationId xmlns:a16="http://schemas.microsoft.com/office/drawing/2014/main" id="{9D3FCC05-06E6-4EDD-8D0C-F87824B4B90E}"/>
+                  </a:ext>
+                </a:extLst>
+              </p:cNvPr>
+              <p:cNvSpPr txBox="1"/>
+              <p:nvPr/>
+            </p:nvSpPr>
+            <p:spPr>
+              <a:xfrm>
+                <a:off x="5843374" y="2299969"/>
+                <a:ext cx="800219" cy="400110"/>
+              </a:xfrm>
+              <a:prstGeom prst="rect">
+                <a:avLst/>
+              </a:prstGeom>
+              <a:noFill/>
+            </p:spPr>
+            <p:txBody>
+              <a:bodyPr wrap="square" rtlCol="0">
+                <a:spAutoFit/>
+              </a:bodyPr>
+              <a:lstStyle/>
+              <a:p>
+                <a:pPr algn="ctr"/>
+                <a:r>
+                  <a:rPr lang="zh-CN" altLang="en-US" sz="2000" dirty="0">
+                    <a:solidFill>
+                      <a:schemeClr val="bg1">
+                        <a:lumMod val="95000"/>
+                      </a:schemeClr>
+                    </a:solidFill>
+                    <a:latin typeface="+mn-ea"/>
+                  </a:rPr>
+                  <a:t>电竞</a:t>
+                </a:r>
+              </a:p>
+            </p:txBody>
+          </p:sp>
+          <p:sp>
+            <p:nvSpPr>
+              <p:cNvPr id="20" name="图形 57">
+                <a:extLst>
+                  <a:ext uri="{FF2B5EF4-FFF2-40B4-BE49-F238E27FC236}">
+                    <a16:creationId xmlns:a16="http://schemas.microsoft.com/office/drawing/2014/main" id="{70DC8A87-5A9E-4E75-94E0-FD27A32273F0}"/>
+                  </a:ext>
+                </a:extLst>
+              </p:cNvPr>
+              <p:cNvSpPr/>
+              <p:nvPr/>
+            </p:nvSpPr>
+            <p:spPr>
+              <a:xfrm>
+                <a:off x="5954057" y="1743135"/>
+                <a:ext cx="561586" cy="537310"/>
+              </a:xfrm>
+              <a:custGeom>
+                <a:avLst/>
+                <a:gdLst>
+                  <a:gd name="connsiteX0" fmla="*/ 182407 w 1991073"/>
+                  <a:gd name="connsiteY0" fmla="*/ 1884480 h 1905004"/>
+                  <a:gd name="connsiteX1" fmla="*/ 135245 w 1991073"/>
+                  <a:gd name="connsiteY1" fmla="*/ 1863868 h 1905004"/>
+                  <a:gd name="connsiteX2" fmla="*/ 17108 w 1991073"/>
+                  <a:gd name="connsiteY2" fmla="*/ 1739566 h 1905004"/>
+                  <a:gd name="connsiteX3" fmla="*/ 40 w 1991073"/>
+                  <a:gd name="connsiteY3" fmla="*/ 1691372 h 1905004"/>
+                  <a:gd name="connsiteX4" fmla="*/ 21151 w 1991073"/>
+                  <a:gd name="connsiteY4" fmla="*/ 1646316 h 1905004"/>
+                  <a:gd name="connsiteX5" fmla="*/ 345576 w 1991073"/>
+                  <a:gd name="connsiteY5" fmla="*/ 1341241 h 1905004"/>
+                  <a:gd name="connsiteX6" fmla="*/ 250799 w 1991073"/>
+                  <a:gd name="connsiteY6" fmla="*/ 1240034 h 1905004"/>
+                  <a:gd name="connsiteX7" fmla="*/ 254390 w 1991073"/>
+                  <a:gd name="connsiteY7" fmla="*/ 1135577 h 1905004"/>
+                  <a:gd name="connsiteX8" fmla="*/ 349282 w 1991073"/>
+                  <a:gd name="connsiteY8" fmla="*/ 1046924 h 1905004"/>
+                  <a:gd name="connsiteX9" fmla="*/ 454615 w 1991073"/>
+                  <a:gd name="connsiteY9" fmla="*/ 1051854 h 1905004"/>
+                  <a:gd name="connsiteX10" fmla="*/ 510091 w 1991073"/>
+                  <a:gd name="connsiteY10" fmla="*/ 1112602 h 1905004"/>
+                  <a:gd name="connsiteX11" fmla="*/ 1352764 w 1991073"/>
+                  <a:gd name="connsiteY11" fmla="*/ 194344 h 1905004"/>
+                  <a:gd name="connsiteX12" fmla="*/ 1977918 w 1991073"/>
+                  <a:gd name="connsiteY12" fmla="*/ 0 h 1905004"/>
+                  <a:gd name="connsiteX13" fmla="*/ 1989140 w 1991073"/>
+                  <a:gd name="connsiteY13" fmla="*/ 12329 h 1905004"/>
+                  <a:gd name="connsiteX14" fmla="*/ 1770730 w 1991073"/>
+                  <a:gd name="connsiteY14" fmla="*/ 631450 h 1905004"/>
+                  <a:gd name="connsiteX15" fmla="*/ 805993 w 1991073"/>
+                  <a:gd name="connsiteY15" fmla="*/ 1419361 h 1905004"/>
+                  <a:gd name="connsiteX16" fmla="*/ 848104 w 1991073"/>
+                  <a:gd name="connsiteY16" fmla="*/ 1473491 h 1905004"/>
+                  <a:gd name="connsiteX17" fmla="*/ 871461 w 1991073"/>
+                  <a:gd name="connsiteY17" fmla="*/ 1529868 h 1905004"/>
+                  <a:gd name="connsiteX18" fmla="*/ 847654 w 1991073"/>
+                  <a:gd name="connsiteY18" fmla="*/ 1582095 h 1905004"/>
+                  <a:gd name="connsiteX19" fmla="*/ 752540 w 1991073"/>
+                  <a:gd name="connsiteY19" fmla="*/ 1670639 h 1905004"/>
+                  <a:gd name="connsiteX20" fmla="*/ 702904 w 1991073"/>
+                  <a:gd name="connsiteY20" fmla="*/ 1690587 h 1905004"/>
+                  <a:gd name="connsiteX21" fmla="*/ 649676 w 1991073"/>
+                  <a:gd name="connsiteY21" fmla="*/ 1667500 h 1905004"/>
+                  <a:gd name="connsiteX22" fmla="*/ 557592 w 1991073"/>
+                  <a:gd name="connsiteY22" fmla="*/ 1562033 h 1905004"/>
+                  <a:gd name="connsiteX23" fmla="*/ 231147 w 1991073"/>
+                  <a:gd name="connsiteY23" fmla="*/ 1867105 h 1905004"/>
+                  <a:gd name="connsiteX24" fmla="*/ 184655 w 1991073"/>
+                  <a:gd name="connsiteY24" fmla="*/ 1884480 h 1905004"/>
+                  <a:gd name="connsiteX25" fmla="*/ 182407 w 1991073"/>
+                  <a:gd name="connsiteY25" fmla="*/ 1884480 h 1905004"/>
+                  <a:gd name="connsiteX26" fmla="*/ 1805318 w 1991073"/>
+                  <a:gd name="connsiteY26" fmla="*/ 1905000 h 1905004"/>
+                  <a:gd name="connsiteX27" fmla="*/ 1759052 w 1991073"/>
+                  <a:gd name="connsiteY27" fmla="*/ 1886731 h 1905004"/>
+                  <a:gd name="connsiteX28" fmla="*/ 1433615 w 1991073"/>
+                  <a:gd name="connsiteY28" fmla="*/ 1583217 h 1905004"/>
+                  <a:gd name="connsiteX29" fmla="*/ 1338840 w 1991073"/>
+                  <a:gd name="connsiteY29" fmla="*/ 1683639 h 1905004"/>
+                  <a:gd name="connsiteX30" fmla="*/ 1287521 w 1991073"/>
+                  <a:gd name="connsiteY30" fmla="*/ 1706951 h 1905004"/>
+                  <a:gd name="connsiteX31" fmla="*/ 1287297 w 1991073"/>
+                  <a:gd name="connsiteY31" fmla="*/ 1706951 h 1905004"/>
+                  <a:gd name="connsiteX32" fmla="*/ 1235078 w 1991073"/>
+                  <a:gd name="connsiteY32" fmla="*/ 1687225 h 1905004"/>
+                  <a:gd name="connsiteX33" fmla="*/ 1139849 w 1991073"/>
+                  <a:gd name="connsiteY33" fmla="*/ 1598236 h 1905004"/>
+                  <a:gd name="connsiteX34" fmla="*/ 1116606 w 1991073"/>
+                  <a:gd name="connsiteY34" fmla="*/ 1547351 h 1905004"/>
+                  <a:gd name="connsiteX35" fmla="*/ 1136144 w 1991073"/>
+                  <a:gd name="connsiteY35" fmla="*/ 1494564 h 1905004"/>
+                  <a:gd name="connsiteX36" fmla="*/ 1537042 w 1991073"/>
+                  <a:gd name="connsiteY36" fmla="*/ 1067656 h 1905004"/>
+                  <a:gd name="connsiteX37" fmla="*/ 1642487 w 1991073"/>
+                  <a:gd name="connsiteY37" fmla="*/ 1065079 h 1905004"/>
+                  <a:gd name="connsiteX38" fmla="*/ 1736592 w 1991073"/>
+                  <a:gd name="connsiteY38" fmla="*/ 1153172 h 1905004"/>
+                  <a:gd name="connsiteX39" fmla="*/ 1760063 w 1991073"/>
+                  <a:gd name="connsiteY39" fmla="*/ 1204168 h 1905004"/>
+                  <a:gd name="connsiteX40" fmla="*/ 1740523 w 1991073"/>
+                  <a:gd name="connsiteY40" fmla="*/ 1257069 h 1905004"/>
+                  <a:gd name="connsiteX41" fmla="*/ 1644845 w 1991073"/>
+                  <a:gd name="connsiteY41" fmla="*/ 1358274 h 1905004"/>
+                  <a:gd name="connsiteX42" fmla="*/ 1969941 w 1991073"/>
+                  <a:gd name="connsiteY42" fmla="*/ 1662007 h 1905004"/>
+                  <a:gd name="connsiteX43" fmla="*/ 1991060 w 1991073"/>
+                  <a:gd name="connsiteY43" fmla="*/ 1708182 h 1905004"/>
+                  <a:gd name="connsiteX44" fmla="*/ 1971749 w 1991073"/>
+                  <a:gd name="connsiteY44" fmla="*/ 1758728 h 1905004"/>
+                  <a:gd name="connsiteX45" fmla="*/ 1855739 w 1991073"/>
+                  <a:gd name="connsiteY45" fmla="*/ 1883141 h 1905004"/>
+                  <a:gd name="connsiteX46" fmla="*/ 1805991 w 1991073"/>
+                  <a:gd name="connsiteY46" fmla="*/ 1904777 h 1905004"/>
+                  <a:gd name="connsiteX47" fmla="*/ 1805318 w 1991073"/>
+                  <a:gd name="connsiteY47" fmla="*/ 1904777 h 1905004"/>
+                  <a:gd name="connsiteX48" fmla="*/ 222386 w 1991073"/>
+                  <a:gd name="connsiteY48" fmla="*/ 653305 h 1905004"/>
+                  <a:gd name="connsiteX49" fmla="*/ 1949 w 1991073"/>
+                  <a:gd name="connsiteY49" fmla="*/ 29027 h 1905004"/>
+                  <a:gd name="connsiteX50" fmla="*/ 10035 w 1991073"/>
+                  <a:gd name="connsiteY50" fmla="*/ 16139 h 1905004"/>
+                  <a:gd name="connsiteX51" fmla="*/ 633730 w 1991073"/>
+                  <a:gd name="connsiteY51" fmla="*/ 209364 h 1905004"/>
+                  <a:gd name="connsiteX52" fmla="*/ 836200 w 1991073"/>
+                  <a:gd name="connsiteY52" fmla="*/ 428365 h 1905004"/>
+                  <a:gd name="connsiteX53" fmla="*/ 437660 w 1991073"/>
+                  <a:gd name="connsiteY53" fmla="*/ 830165 h 1905004"/>
+                </a:gdLst>
+                <a:ahLst/>
+                <a:cxnLst>
+                  <a:cxn ang="0">
+                    <a:pos x="connsiteX0" y="connsiteY0"/>
+                  </a:cxn>
+                  <a:cxn ang="0">
+                    <a:pos x="connsiteX1" y="connsiteY1"/>
+                  </a:cxn>
+                  <a:cxn ang="0">
+                    <a:pos x="connsiteX2" y="connsiteY2"/>
+                  </a:cxn>
+                  <a:cxn ang="0">
+                    <a:pos x="connsiteX3" y="connsiteY3"/>
+                  </a:cxn>
+                  <a:cxn ang="0">
+                    <a:pos x="connsiteX4" y="connsiteY4"/>
+                  </a:cxn>
+                  <a:cxn ang="0">
+                    <a:pos x="connsiteX5" y="connsiteY5"/>
+                  </a:cxn>
+                  <a:cxn ang="0">
+                    <a:pos x="connsiteX6" y="connsiteY6"/>
+                  </a:cxn>
+                  <a:cxn ang="0">
+                    <a:pos x="connsiteX7" y="connsiteY7"/>
+                  </a:cxn>
+                  <a:cxn ang="0">
+                    <a:pos x="connsiteX8" y="connsiteY8"/>
+                  </a:cxn>
+                  <a:cxn ang="0">
+                    <a:pos x="connsiteX9" y="connsiteY9"/>
+                  </a:cxn>
+                  <a:cxn ang="0">
+                    <a:pos x="connsiteX10" y="connsiteY10"/>
+                  </a:cxn>
+                  <a:cxn ang="0">
+                    <a:pos x="connsiteX11" y="connsiteY11"/>
+                  </a:cxn>
+                  <a:cxn ang="0">
+                    <a:pos x="connsiteX12" y="connsiteY12"/>
+                  </a:cxn>
+                  <a:cxn ang="0">
+                    <a:pos x="connsiteX13" y="connsiteY13"/>
+                  </a:cxn>
+                  <a:cxn ang="0">
+                    <a:pos x="connsiteX14" y="connsiteY14"/>
+                  </a:cxn>
+                  <a:cxn ang="0">
+                    <a:pos x="connsiteX15" y="connsiteY15"/>
+                  </a:cxn>
+                  <a:cxn ang="0">
+                    <a:pos x="connsiteX16" y="connsiteY16"/>
+                  </a:cxn>
+                  <a:cxn ang="0">
+                    <a:pos x="connsiteX17" y="connsiteY17"/>
+                  </a:cxn>
+                  <a:cxn ang="0">
+                    <a:pos x="connsiteX18" y="connsiteY18"/>
+                  </a:cxn>
+                  <a:cxn ang="0">
+                    <a:pos x="connsiteX19" y="connsiteY19"/>
+                  </a:cxn>
+                  <a:cxn ang="0">
+                    <a:pos x="connsiteX20" y="connsiteY20"/>
+                  </a:cxn>
+                  <a:cxn ang="0">
+                    <a:pos x="connsiteX21" y="connsiteY21"/>
+                  </a:cxn>
+                  <a:cxn ang="0">
+                    <a:pos x="connsiteX22" y="connsiteY22"/>
+                  </a:cxn>
+                  <a:cxn ang="0">
+                    <a:pos x="connsiteX23" y="connsiteY23"/>
+                  </a:cxn>
+                  <a:cxn ang="0">
+                    <a:pos x="connsiteX24" y="connsiteY24"/>
+                  </a:cxn>
+                  <a:cxn ang="0">
+                    <a:pos x="connsiteX25" y="connsiteY25"/>
+                  </a:cxn>
+                  <a:cxn ang="0">
+                    <a:pos x="connsiteX26" y="connsiteY26"/>
+                  </a:cxn>
+                  <a:cxn ang="0">
+                    <a:pos x="connsiteX27" y="connsiteY27"/>
+                  </a:cxn>
+                  <a:cxn ang="0">
+                    <a:pos x="connsiteX28" y="connsiteY28"/>
+                  </a:cxn>
+                  <a:cxn ang="0">
+                    <a:pos x="connsiteX29" y="connsiteY29"/>
+                  </a:cxn>
+                  <a:cxn ang="0">
+                    <a:pos x="connsiteX30" y="connsiteY30"/>
+                  </a:cxn>
+                  <a:cxn ang="0">
+                    <a:pos x="connsiteX31" y="connsiteY31"/>
+                  </a:cxn>
+                  <a:cxn ang="0">
+                    <a:pos x="connsiteX32" y="connsiteY32"/>
+                  </a:cxn>
+                  <a:cxn ang="0">
+                    <a:pos x="connsiteX33" y="connsiteY33"/>
+                  </a:cxn>
+                  <a:cxn ang="0">
+                    <a:pos x="connsiteX34" y="connsiteY34"/>
+                  </a:cxn>
+                  <a:cxn ang="0">
+                    <a:pos x="connsiteX35" y="connsiteY35"/>
+                  </a:cxn>
+                  <a:cxn ang="0">
+                    <a:pos x="connsiteX36" y="connsiteY36"/>
+                  </a:cxn>
+                  <a:cxn ang="0">
+                    <a:pos x="connsiteX37" y="connsiteY37"/>
+                  </a:cxn>
+                  <a:cxn ang="0">
+                    <a:pos x="connsiteX38" y="connsiteY38"/>
+                  </a:cxn>
+                  <a:cxn ang="0">
+                    <a:pos x="connsiteX39" y="connsiteY39"/>
+                  </a:cxn>
+                  <a:cxn ang="0">
+                    <a:pos x="connsiteX40" y="connsiteY40"/>
+                  </a:cxn>
+                  <a:cxn ang="0">
+                    <a:pos x="connsiteX41" y="connsiteY41"/>
+                  </a:cxn>
+                  <a:cxn ang="0">
+                    <a:pos x="connsiteX42" y="connsiteY42"/>
+                  </a:cxn>
+                  <a:cxn ang="0">
+                    <a:pos x="connsiteX43" y="connsiteY43"/>
+                  </a:cxn>
+                  <a:cxn ang="0">
+                    <a:pos x="connsiteX44" y="connsiteY44"/>
+                  </a:cxn>
+                  <a:cxn ang="0">
+                    <a:pos x="connsiteX45" y="connsiteY45"/>
+                  </a:cxn>
+                  <a:cxn ang="0">
+                    <a:pos x="connsiteX46" y="connsiteY46"/>
+                  </a:cxn>
+                  <a:cxn ang="0">
+                    <a:pos x="connsiteX47" y="connsiteY47"/>
+                  </a:cxn>
+                  <a:cxn ang="0">
+                    <a:pos x="connsiteX48" y="connsiteY48"/>
+                  </a:cxn>
+                  <a:cxn ang="0">
+                    <a:pos x="connsiteX49" y="connsiteY49"/>
+                  </a:cxn>
+                  <a:cxn ang="0">
+                    <a:pos x="connsiteX50" y="connsiteY50"/>
+                  </a:cxn>
+                  <a:cxn ang="0">
+                    <a:pos x="connsiteX51" y="connsiteY51"/>
+                  </a:cxn>
+                  <a:cxn ang="0">
+                    <a:pos x="connsiteX52" y="connsiteY52"/>
+                  </a:cxn>
+                  <a:cxn ang="0">
+                    <a:pos x="connsiteX53" y="connsiteY53"/>
+                  </a:cxn>
+                </a:cxnLst>
+                <a:rect l="l" t="t" r="r" b="b"/>
+                <a:pathLst>
+                  <a:path w="1991073" h="1905004">
+                    <a:moveTo>
+                      <a:pt x="182407" y="1884480"/>
+                    </a:moveTo>
+                    <a:cubicBezTo>
+                      <a:pt x="164487" y="1884499"/>
+                      <a:pt x="147380" y="1877020"/>
+                      <a:pt x="135245" y="1863868"/>
+                    </a:cubicBezTo>
+                    <a:lnTo>
+                      <a:pt x="17108" y="1739566"/>
+                    </a:lnTo>
+                    <a:cubicBezTo>
+                      <a:pt x="5540" y="1726222"/>
+                      <a:pt x="-556" y="1709010"/>
+                      <a:pt x="40" y="1691372"/>
+                    </a:cubicBezTo>
+                    <a:cubicBezTo>
+                      <a:pt x="1071" y="1674220"/>
+                      <a:pt x="8622" y="1658103"/>
+                      <a:pt x="21151" y="1646316"/>
+                    </a:cubicBezTo>
+                    <a:lnTo>
+                      <a:pt x="345576" y="1341241"/>
+                    </a:lnTo>
+                    <a:lnTo>
+                      <a:pt x="250799" y="1240034"/>
+                    </a:lnTo>
+                    <a:cubicBezTo>
+                      <a:pt x="223298" y="1210047"/>
+                      <a:pt x="224893" y="1163611"/>
+                      <a:pt x="254390" y="1135577"/>
+                    </a:cubicBezTo>
+                    <a:lnTo>
+                      <a:pt x="349282" y="1046924"/>
+                    </a:lnTo>
+                    <a:cubicBezTo>
+                      <a:pt x="380214" y="1020624"/>
+                      <a:pt x="426284" y="1022780"/>
+                      <a:pt x="454615" y="1051854"/>
+                    </a:cubicBezTo>
+                    <a:lnTo>
+                      <a:pt x="510091" y="1112602"/>
+                    </a:lnTo>
+                    <a:lnTo>
+                      <a:pt x="1352764" y="194344"/>
+                    </a:lnTo>
+                    <a:lnTo>
+                      <a:pt x="1977918" y="0"/>
+                    </a:lnTo>
+                    <a:lnTo>
+                      <a:pt x="1989140" y="12329"/>
+                    </a:lnTo>
+                    <a:lnTo>
+                      <a:pt x="1770730" y="631450"/>
+                    </a:lnTo>
+                    <a:lnTo>
+                      <a:pt x="805993" y="1419361"/>
+                    </a:lnTo>
+                    <a:lnTo>
+                      <a:pt x="848104" y="1473491"/>
+                    </a:lnTo>
+                    <a:cubicBezTo>
+                      <a:pt x="864948" y="1491649"/>
+                      <a:pt x="872134" y="1510702"/>
+                      <a:pt x="871461" y="1529868"/>
+                    </a:cubicBezTo>
+                    <a:cubicBezTo>
+                      <a:pt x="870621" y="1549703"/>
+                      <a:pt x="862084" y="1568433"/>
+                      <a:pt x="847654" y="1582095"/>
+                    </a:cubicBezTo>
+                    <a:lnTo>
+                      <a:pt x="752540" y="1670639"/>
+                    </a:lnTo>
+                    <a:cubicBezTo>
+                      <a:pt x="739164" y="1683387"/>
+                      <a:pt x="721398" y="1690528"/>
+                      <a:pt x="702904" y="1690587"/>
+                    </a:cubicBezTo>
+                    <a:cubicBezTo>
+                      <a:pt x="682754" y="1690435"/>
+                      <a:pt x="663537" y="1682098"/>
+                      <a:pt x="649676" y="1667500"/>
+                    </a:cubicBezTo>
+                    <a:lnTo>
+                      <a:pt x="557592" y="1562033"/>
+                    </a:lnTo>
+                    <a:lnTo>
+                      <a:pt x="231147" y="1867105"/>
+                    </a:lnTo>
+                    <a:cubicBezTo>
+                      <a:pt x="218261" y="1878323"/>
+                      <a:pt x="201746" y="1884480"/>
+                      <a:pt x="184655" y="1884480"/>
+                    </a:cubicBezTo>
+                    <a:lnTo>
+                      <a:pt x="182407" y="1884480"/>
+                    </a:lnTo>
+                    <a:close/>
+                    <a:moveTo>
+                      <a:pt x="1805318" y="1905000"/>
+                    </a:moveTo>
+                    <a:cubicBezTo>
+                      <a:pt x="1788091" y="1905205"/>
+                      <a:pt x="1771472" y="1898638"/>
+                      <a:pt x="1759052" y="1886731"/>
+                    </a:cubicBezTo>
+                    <a:lnTo>
+                      <a:pt x="1433615" y="1583217"/>
+                    </a:lnTo>
+                    <a:lnTo>
+                      <a:pt x="1338840" y="1683639"/>
+                    </a:lnTo>
+                    <a:cubicBezTo>
+                      <a:pt x="1325529" y="1697926"/>
+                      <a:pt x="1307055" y="1706318"/>
+                      <a:pt x="1287521" y="1706951"/>
+                    </a:cubicBezTo>
+                    <a:lnTo>
+                      <a:pt x="1287297" y="1706951"/>
+                    </a:lnTo>
+                    <a:cubicBezTo>
+                      <a:pt x="1267986" y="1707375"/>
+                      <a:pt x="1249266" y="1700304"/>
+                      <a:pt x="1235078" y="1687225"/>
+                    </a:cubicBezTo>
+                    <a:lnTo>
+                      <a:pt x="1139849" y="1598236"/>
+                    </a:lnTo>
+                    <a:cubicBezTo>
+                      <a:pt x="1125657" y="1585014"/>
+                      <a:pt x="1117299" y="1566716"/>
+                      <a:pt x="1116606" y="1547351"/>
+                    </a:cubicBezTo>
+                    <a:cubicBezTo>
+                      <a:pt x="1115480" y="1527810"/>
+                      <a:pt x="1122559" y="1508684"/>
+                      <a:pt x="1136144" y="1494564"/>
+                    </a:cubicBezTo>
+                    <a:lnTo>
+                      <a:pt x="1537042" y="1067656"/>
+                    </a:lnTo>
+                    <a:cubicBezTo>
+                      <a:pt x="1566023" y="1039205"/>
+                      <a:pt x="1612149" y="1038078"/>
+                      <a:pt x="1642487" y="1065079"/>
+                    </a:cubicBezTo>
+                    <a:lnTo>
+                      <a:pt x="1736592" y="1153172"/>
+                    </a:lnTo>
+                    <a:cubicBezTo>
+                      <a:pt x="1750998" y="1166307"/>
+                      <a:pt x="1759464" y="1184702"/>
+                      <a:pt x="1760063" y="1204168"/>
+                    </a:cubicBezTo>
+                    <a:cubicBezTo>
+                      <a:pt x="1761019" y="1223719"/>
+                      <a:pt x="1753964" y="1242815"/>
+                      <a:pt x="1740523" y="1257069"/>
+                    </a:cubicBezTo>
+                    <a:lnTo>
+                      <a:pt x="1644845" y="1358274"/>
+                    </a:lnTo>
+                    <a:lnTo>
+                      <a:pt x="1969941" y="1662007"/>
+                    </a:lnTo>
+                    <a:cubicBezTo>
+                      <a:pt x="1982411" y="1673775"/>
+                      <a:pt x="1990165" y="1690474"/>
+                      <a:pt x="1991060" y="1708182"/>
+                    </a:cubicBezTo>
+                    <a:cubicBezTo>
+                      <a:pt x="1991432" y="1726896"/>
+                      <a:pt x="1984517" y="1745023"/>
+                      <a:pt x="1971749" y="1758728"/>
+                    </a:cubicBezTo>
+                    <a:lnTo>
+                      <a:pt x="1855739" y="1883141"/>
+                    </a:lnTo>
+                    <a:cubicBezTo>
+                      <a:pt x="1842847" y="1896870"/>
+                      <a:pt x="1824851" y="1904702"/>
+                      <a:pt x="1805991" y="1904777"/>
+                    </a:cubicBezTo>
+                    <a:lnTo>
+                      <a:pt x="1805318" y="1904777"/>
+                    </a:lnTo>
+                    <a:close/>
+                    <a:moveTo>
+                      <a:pt x="222386" y="653305"/>
+                    </a:moveTo>
+                    <a:lnTo>
+                      <a:pt x="1949" y="29027"/>
+                    </a:lnTo>
+                    <a:lnTo>
+                      <a:pt x="10035" y="16139"/>
+                    </a:lnTo>
+                    <a:lnTo>
+                      <a:pt x="633730" y="209364"/>
+                    </a:lnTo>
+                    <a:lnTo>
+                      <a:pt x="836200" y="428365"/>
+                    </a:lnTo>
+                    <a:lnTo>
+                      <a:pt x="437660" y="830165"/>
+                    </a:lnTo>
+                    <a:close/>
+                  </a:path>
+                </a:pathLst>
+              </a:custGeom>
+              <a:gradFill flip="none" rotWithShape="1">
+                <a:gsLst>
+                  <a:gs pos="100000">
+                    <a:schemeClr val="tx1">
+                      <a:alpha val="0"/>
+                    </a:schemeClr>
+                  </a:gs>
+                  <a:gs pos="0">
+                    <a:srgbClr val="37DDF1"/>
+                  </a:gs>
+                </a:gsLst>
+                <a:lin ang="5400000" scaled="1"/>
+                <a:tileRect/>
+              </a:gradFill>
+              <a:ln w="3175">
+                <a:gradFill>
+                  <a:gsLst>
+                    <a:gs pos="0">
+                      <a:srgbClr val="37DDF1"/>
+                    </a:gs>
+                    <a:gs pos="100000">
+                      <a:srgbClr val="37DDF1">
+                        <a:alpha val="13000"/>
+                      </a:srgbClr>
+                    </a:gs>
+                  </a:gsLst>
+                  <a:lin ang="5400000" scaled="1"/>
+                </a:gradFill>
+              </a:ln>
+              <a:effectLst>
+                <a:outerShdw blurRad="76200" sx="102000" sy="102000" algn="ctr" rotWithShape="0">
+                  <a:srgbClr val="37DDF1">
+                    <a:alpha val="40000"/>
+                  </a:srgbClr>
+                </a:outerShdw>
+              </a:effectLst>
+            </p:spPr>
+            <p:style>
+              <a:lnRef idx="2">
+                <a:schemeClr val="accent1">
+                  <a:shade val="50000"/>
+                </a:schemeClr>
+              </a:lnRef>
+              <a:fillRef idx="1">
+                <a:schemeClr val="accent1"/>
+              </a:fillRef>
+              <a:effectRef idx="0">
+                <a:schemeClr val="accent1"/>
+              </a:effectRef>
+              <a:fontRef idx="minor">
+                <a:schemeClr val="lt1"/>
+              </a:fontRef>
+            </p:style>
+            <p:txBody>
+              <a:bodyPr rot="0" spcFirstLastPara="0" vertOverflow="overflow" horzOverflow="overflow" vert="horz" wrap="square" lIns="91440" tIns="45720" rIns="91440" bIns="45720" numCol="1" spcCol="0" rtlCol="0" fromWordArt="0" anchor="ctr" anchorCtr="0" forceAA="0" compatLnSpc="1">
+                <a:prstTxWarp prst="textNoShape">
+                  <a:avLst/>
+                </a:prstTxWarp>
+                <a:noAutofit/>
+              </a:bodyPr>
+              <a:lstStyle/>
+              <a:p>
+                <a:pPr algn="ctr"/>
+                <a:endParaRPr lang="zh-CN" altLang="en-US">
+                  <a:solidFill>
+                    <a:schemeClr val="lt1"/>
+                  </a:solidFill>
+                </a:endParaRPr>
+              </a:p>
+            </p:txBody>
+          </p:sp>
+        </p:grpSp>
+      </p:grpSp>
+    </p:spTree>
+    <p:extLst>
+      <p:ext uri="{BB962C8B-B14F-4D97-AF65-F5344CB8AC3E}">
+        <p14:creationId xmlns:p14="http://schemas.microsoft.com/office/powerpoint/2010/main" val="4237447356"/>
+      </p:ext>
+    </p:extLst>
+  </p:cSld>
+  <p:clrMapOvr>
+    <a:masterClrMapping/>
+  </p:clrMapOvr>
+  <p:timing>
+    <p:tnLst>
+      <p:par>
+        <p:cTn id="1" dur="indefinite" restart="never" nodeType="tmRoot">
+          <p:childTnLst>
+            <p:seq concurrent="1" nextAc="seek">
+              <p:cTn id="2" dur="indefinite" nodeType="mainSeq">
+                <p:childTnLst>
+                  <p:par>
+                    <p:cTn id="3" fill="hold">
+                      <p:stCondLst>
+                        <p:cond delay="indefinite"/>
+                        <p:cond evt="onBegin" delay="0">
+                          <p:tn val="2"/>
+                        </p:cond>
+                      </p:stCondLst>
+                      <p:childTnLst>
+                        <p:par>
+                          <p:cTn id="4" fill="hold">
+                            <p:stCondLst>
+                              <p:cond delay="0"/>
+                            </p:stCondLst>
+                            <p:childTnLst>
+                              <p:par>
+                                <p:cTn id="5" presetID="23" presetClass="entr" presetSubtype="16" decel="100000" fill="hold" nodeType="withEffect">
+                                  <p:stCondLst>
+                                    <p:cond delay="50"/>
+                                  </p:stCondLst>
+                                  <p:childTnLst>
+                                    <p:set>
+                                      <p:cBhvr>
+                                        <p:cTn id="6" dur="1" fill="hold">
+                                          <p:stCondLst>
+                                            <p:cond delay="0"/>
+                                          </p:stCondLst>
+                                        </p:cTn>
+                                        <p:tgtEl>
+                                          <p:spTgt spid="15"/>
+                                        </p:tgtEl>
+                                        <p:attrNameLst>
+                                          <p:attrName>style.visibility</p:attrName>
+                                        </p:attrNameLst>
+                                      </p:cBhvr>
+                                      <p:to>
+                                        <p:strVal val="visible"/>
+                                      </p:to>
+                                    </p:set>
+                                    <p:anim calcmode="lin" valueType="num">
+                                      <p:cBhvr>
+                                        <p:cTn id="7" dur="273" fill="hold"/>
+                                        <p:tgtEl>
+                                          <p:spTgt spid="15"/>
+                                        </p:tgtEl>
+                                        <p:attrNameLst>
+                                          <p:attrName>ppt_w</p:attrName>
+                                        </p:attrNameLst>
+                                      </p:cBhvr>
+                                      <p:tavLst>
+                                        <p:tav tm="0">
+                                          <p:val>
+                                            <p:strVal val="0"/>
+                                          </p:val>
+                                        </p:tav>
+                                        <p:tav tm="100000">
+                                          <p:val>
+                                            <p:strVal val="#ppt_w"/>
+                                          </p:val>
+                                        </p:tav>
+                                      </p:tavLst>
+                                    </p:anim>
+                                    <p:anim calcmode="lin" valueType="num">
+                                      <p:cBhvr>
+                                        <p:cTn id="8" dur="273" fill="hold"/>
+                                        <p:tgtEl>
+                                          <p:spTgt spid="15"/>
+                                        </p:tgtEl>
+                                        <p:attrNameLst>
+                                          <p:attrName>ppt_h</p:attrName>
+                                        </p:attrNameLst>
+                                      </p:cBhvr>
+                                      <p:tavLst>
+                                        <p:tav tm="0">
+                                          <p:val>
+                                            <p:fltVal val="0"/>
+                                          </p:val>
+                                        </p:tav>
+                                        <p:tav tm="100000">
+                                          <p:val>
+                                            <p:strVal val="#ppt_h"/>
+                                          </p:val>
+                                        </p:tav>
+                                      </p:tavLst>
+                                    </p:anim>
+                                    <p:animScale>
+                                      <p:cBhvr>
+                                        <p:cTn id="9" dur="182" autoRev="1" fill="hold">
+                                          <p:stCondLst>
+                                            <p:cond delay="273"/>
+                                          </p:stCondLst>
+                                        </p:cTn>
+                                        <p:tgtEl>
+                                          <p:spTgt spid="15"/>
+                                        </p:tgtEl>
+                                      </p:cBhvr>
+                                      <p:by x="110000" y="110000"/>
+                                      <p:from x="100000" y="100000"/>
+                                      <p:to x="110000" y="110000"/>
+                                    </p:animScale>
+                                    <p:animScale>
+                                      <p:cBhvr>
+                                        <p:cTn id="10" dur="182" autoRev="1" fill="hold">
+                                          <p:stCondLst>
+                                            <p:cond delay="636"/>
+                                          </p:stCondLst>
+                                        </p:cTn>
+                                        <p:tgtEl>
+                                          <p:spTgt spid="15"/>
+                                        </p:tgtEl>
+                                      </p:cBhvr>
+                                      <p:by x="95000" y="95000"/>
+                                      <p:from x="100000" y="100000"/>
+                                      <p:to x="95000" y="95000"/>
+                                    </p:animScale>
+                                  </p:childTnLst>
+                                </p:cTn>
+                              </p:par>
+                            </p:childTnLst>
+                          </p:cTn>
+                        </p:par>
+                      </p:childTnLst>
+                    </p:cTn>
+                  </p:par>
+                </p:childTnLst>
+              </p:cTn>
+              <p:prevCondLst>
+                <p:cond evt="onPrev" delay="0">
+                  <p:tgtEl>
+                    <p:sldTgt/>
+                  </p:tgtEl>
+                </p:cond>
+              </p:prevCondLst>
+              <p:nextCondLst>
+                <p:cond evt="onNext" delay="0">
+                  <p:tgtEl>
+                    <p:sldTgt/>
+                  </p:tgtEl>
+                </p:cond>
+              </p:nextCondLst>
+            </p:seq>
+          </p:childTnLst>
+        </p:cTn>
+      </p:par>
+    </p:tnLst>
+  </p:timing>
+</p:sld>
+</file>
+
+<file path=ppt/slides/slide16.xml><?xml version="1.0" encoding="utf-8"?>
+<p:sld xmlns:a="http://schemas.openxmlformats.org/drawingml/2006/main" xmlns:r="http://schemas.openxmlformats.org/officeDocument/2006/relationships" xmlns:p="http://schemas.openxmlformats.org/presentationml/2006/main">
+  <p:cSld>
+    <p:spTree>
+      <p:nvGrpSpPr>
+        <p:cNvPr id="1" name=""/>
+        <p:cNvGrpSpPr/>
+        <p:nvPr/>
+      </p:nvGrpSpPr>
+      <p:grpSpPr>
+        <a:xfrm>
+          <a:off x="0" y="0"/>
+          <a:ext cx="0" cy="0"/>
+          <a:chOff x="0" y="0"/>
+          <a:chExt cx="0" cy="0"/>
+        </a:xfrm>
+      </p:grpSpPr>
+      <p:pic>
+        <p:nvPicPr>
+          <p:cNvPr id="5" name="图片 4"/>
+          <p:cNvPicPr>
+            <a:picLocks noChangeAspect="1"/>
+          </p:cNvPicPr>
+          <p:nvPr/>
+        </p:nvPicPr>
+        <p:blipFill>
+          <a:blip r:embed="rId2">
+            <a:extLst>
+              <a:ext uri="{28A0092B-C50C-407E-A947-70E740481C1C}">
+                <a14:useLocalDpi xmlns:a14="http://schemas.microsoft.com/office/drawing/2010/main" val="0"/>
+              </a:ext>
+            </a:extLst>
+          </a:blip>
+          <a:stretch>
+            <a:fillRect/>
+          </a:stretch>
+        </p:blipFill>
+        <p:spPr>
+          <a:xfrm>
+            <a:off x="1448459" y="2102791"/>
+            <a:ext cx="1783235" cy="1905165"/>
+          </a:xfrm>
+          <a:prstGeom prst="rect">
+            <a:avLst/>
+          </a:prstGeom>
+        </p:spPr>
+      </p:pic>
+      <p:pic>
+        <p:nvPicPr>
+          <p:cNvPr id="6" name="图片 5"/>
+          <p:cNvPicPr>
+            <a:picLocks noChangeAspect="1"/>
+          </p:cNvPicPr>
+          <p:nvPr/>
+        </p:nvPicPr>
+        <p:blipFill>
+          <a:blip r:embed="rId3">
+            <a:extLst>
+              <a:ext uri="{28A0092B-C50C-407E-A947-70E740481C1C}">
+                <a14:useLocalDpi xmlns:a14="http://schemas.microsoft.com/office/drawing/2010/main" val="0"/>
+              </a:ext>
+            </a:extLst>
+          </a:blip>
+          <a:stretch>
+            <a:fillRect/>
+          </a:stretch>
+        </p:blipFill>
+        <p:spPr>
+          <a:xfrm>
+            <a:off x="1349391" y="4384115"/>
+            <a:ext cx="1882303" cy="2042337"/>
+          </a:xfrm>
+          <a:prstGeom prst="rect">
+            <a:avLst/>
+          </a:prstGeom>
+        </p:spPr>
+      </p:pic>
+      <p:sp>
+        <p:nvSpPr>
+          <p:cNvPr id="4" name="ball-main"/>
+          <p:cNvSpPr>
+            <a:spLocks noChangeAspect="1"/>
+          </p:cNvSpPr>
+          <p:nvPr/>
+        </p:nvSpPr>
+        <p:spPr>
+          <a:xfrm>
+            <a:off x="6499121" y="4007956"/>
+            <a:ext cx="1728000" cy="1728000"/>
+          </a:xfrm>
+          <a:prstGeom prst="ellipse">
+            <a:avLst/>
+          </a:prstGeom>
+          <a:gradFill>
+            <a:gsLst>
+              <a:gs pos="48000">
+                <a:schemeClr val="tx1"/>
+              </a:gs>
+              <a:gs pos="58000">
+                <a:srgbClr val="00526B">
+                  <a:lumMod val="60000"/>
+                  <a:lumOff val="40000"/>
+                </a:srgbClr>
+              </a:gs>
+            </a:gsLst>
+            <a:path path="circle">
+              <a:fillToRect l="50000" t="50000" r="50000" b="50000"/>
+            </a:path>
+          </a:gradFill>
+          <a:effectLst>
+            <a:softEdge rad="25400"/>
+          </a:effectLst>
+        </p:spPr>
+        <p:style>
+          <a:lnRef idx="2">
+            <a:schemeClr val="accent1">
+              <a:shade val="50000"/>
+            </a:schemeClr>
+          </a:lnRef>
+          <a:fillRef idx="1">
+            <a:schemeClr val="accent1"/>
+          </a:fillRef>
+          <a:effectRef idx="0">
+            <a:schemeClr val="accent1"/>
+          </a:effectRef>
+          <a:fontRef idx="minor">
+            <a:schemeClr val="lt1"/>
+          </a:fontRef>
+        </p:style>
+        <p:txBody>
+          <a:bodyPr rtlCol="0" anchor="ctr"/>
+          <a:lstStyle/>
+          <a:p>
+            <a:pPr algn="ctr"/>
+            <a:endParaRPr lang="zh-CN" altLang="en-US"/>
+          </a:p>
+        </p:txBody>
+      </p:sp>
+      <p:sp>
+        <p:nvSpPr>
+          <p:cNvPr id="8" name="ball-left"/>
+          <p:cNvSpPr>
+            <a:spLocks noChangeAspect="1"/>
+          </p:cNvSpPr>
+          <p:nvPr/>
+        </p:nvSpPr>
+        <p:spPr>
+          <a:xfrm>
+            <a:off x="6499121" y="4093300"/>
+            <a:ext cx="1728000" cy="1728000"/>
+          </a:xfrm>
+          <a:prstGeom prst="ellipse">
+            <a:avLst/>
+          </a:prstGeom>
+          <a:gradFill flip="none" rotWithShape="1">
+            <a:gsLst>
+              <a:gs pos="54000">
+                <a:srgbClr val="000000">
+                  <a:alpha val="0"/>
+                </a:srgbClr>
+              </a:gs>
+              <a:gs pos="77000">
+                <a:srgbClr val="007ACA">
+                  <a:lumMod val="90000"/>
+                  <a:lumOff val="10000"/>
+                </a:srgbClr>
+              </a:gs>
+            </a:gsLst>
+            <a:path path="circle">
+              <a:fillToRect l="100000" b="100000"/>
+            </a:path>
+            <a:tileRect t="-100000" r="-100000"/>
+          </a:gradFill>
+          <a:effectLst>
+            <a:softEdge rad="76200"/>
+          </a:effectLst>
+        </p:spPr>
+        <p:style>
+          <a:lnRef idx="2">
+            <a:schemeClr val="accent1">
+              <a:shade val="50000"/>
+            </a:schemeClr>
+          </a:lnRef>
+          <a:fillRef idx="1">
+            <a:schemeClr val="accent1"/>
+          </a:fillRef>
+          <a:effectRef idx="0">
+            <a:schemeClr val="accent1"/>
+          </a:effectRef>
+          <a:fontRef idx="minor">
+            <a:schemeClr val="lt1"/>
+          </a:fontRef>
+        </p:style>
+        <p:txBody>
+          <a:bodyPr rtlCol="0" anchor="ctr"/>
+          <a:lstStyle/>
+          <a:p>
+            <a:pPr algn="ctr"/>
+            <a:endParaRPr lang="zh-CN" altLang="en-US"/>
+          </a:p>
+        </p:txBody>
+      </p:sp>
+      <p:sp>
+        <p:nvSpPr>
+          <p:cNvPr id="11" name="ball-right"/>
+          <p:cNvSpPr>
+            <a:spLocks noChangeAspect="1"/>
+          </p:cNvSpPr>
+          <p:nvPr/>
+        </p:nvSpPr>
+        <p:spPr>
+          <a:xfrm>
+            <a:off x="6499121" y="4007956"/>
+            <a:ext cx="1728000" cy="1728000"/>
+          </a:xfrm>
+          <a:prstGeom prst="ellipse">
+            <a:avLst/>
+          </a:prstGeom>
+          <a:gradFill flip="none" rotWithShape="1">
+            <a:gsLst>
+              <a:gs pos="54000">
+                <a:srgbClr val="000000">
+                  <a:alpha val="0"/>
+                </a:srgbClr>
+              </a:gs>
+              <a:gs pos="78000">
+                <a:srgbClr val="007ACA">
+                  <a:lumMod val="88000"/>
+                  <a:lumOff val="12000"/>
+                </a:srgbClr>
+              </a:gs>
+            </a:gsLst>
+            <a:path path="circle">
+              <a:fillToRect t="100000" r="100000"/>
+            </a:path>
+            <a:tileRect l="-100000" b="-100000"/>
+          </a:gradFill>
+          <a:effectLst>
+            <a:softEdge rad="25400"/>
+          </a:effectLst>
+        </p:spPr>
+        <p:style>
+          <a:lnRef idx="2">
+            <a:schemeClr val="accent1">
+              <a:shade val="50000"/>
+            </a:schemeClr>
+          </a:lnRef>
+          <a:fillRef idx="1">
+            <a:schemeClr val="accent1"/>
+          </a:fillRef>
+          <a:effectRef idx="0">
+            <a:schemeClr val="accent1"/>
+          </a:effectRef>
+          <a:fontRef idx="minor">
+            <a:schemeClr val="lt1"/>
+          </a:fontRef>
+        </p:style>
+        <p:txBody>
+          <a:bodyPr rtlCol="0" anchor="ctr"/>
+          <a:lstStyle/>
+          <a:p>
+            <a:pPr algn="ctr"/>
+            <a:endParaRPr lang="zh-CN" altLang="en-US"/>
+          </a:p>
+        </p:txBody>
+      </p:sp>
+    </p:spTree>
+    <p:extLst>
+      <p:ext uri="{BB962C8B-B14F-4D97-AF65-F5344CB8AC3E}">
+        <p14:creationId xmlns:p14="http://schemas.microsoft.com/office/powerpoint/2010/main" val="3326846990"/>
+      </p:ext>
+    </p:extLst>
+  </p:cSld>
+  <p:clrMapOvr>
+    <a:masterClrMapping/>
+  </p:clrMapOvr>
 </p:sld>
 </file>
 
